--- a/BackendKnowledge/image/BackendKnowledgeImage.pptx
+++ b/BackendKnowledge/image/BackendKnowledgeImage.pptx
@@ -11,6 +11,8 @@
     <p:sldId id="259" r:id="rId5"/>
     <p:sldId id="260" r:id="rId6"/>
     <p:sldId id="261" r:id="rId7"/>
+    <p:sldId id="262" r:id="rId8"/>
+    <p:sldId id="263" r:id="rId9"/>
   </p:sldIdLst>
   <p:sldSz cx="21912263" cy="14417675"/>
   <p:notesSz cx="6858000" cy="9144000"/>
@@ -248,7 +250,7 @@
           <a:p>
             <a:fld id="{1E49D3E3-7C22-4238-B7C9-64AF60411701}" type="datetimeFigureOut">
               <a:rPr lang="ko-KR" altLang="en-US" smtClean="0"/>
-              <a:t>2023-03-03</a:t>
+              <a:t>2023-03-06</a:t>
             </a:fld>
             <a:endParaRPr lang="ko-KR" altLang="en-US"/>
           </a:p>
@@ -418,7 +420,7 @@
           <a:p>
             <a:fld id="{1E49D3E3-7C22-4238-B7C9-64AF60411701}" type="datetimeFigureOut">
               <a:rPr lang="ko-KR" altLang="en-US" smtClean="0"/>
-              <a:t>2023-03-03</a:t>
+              <a:t>2023-03-06</a:t>
             </a:fld>
             <a:endParaRPr lang="ko-KR" altLang="en-US"/>
           </a:p>
@@ -598,7 +600,7 @@
           <a:p>
             <a:fld id="{1E49D3E3-7C22-4238-B7C9-64AF60411701}" type="datetimeFigureOut">
               <a:rPr lang="ko-KR" altLang="en-US" smtClean="0"/>
-              <a:t>2023-03-03</a:t>
+              <a:t>2023-03-06</a:t>
             </a:fld>
             <a:endParaRPr lang="ko-KR" altLang="en-US"/>
           </a:p>
@@ -768,7 +770,7 @@
           <a:p>
             <a:fld id="{1E49D3E3-7C22-4238-B7C9-64AF60411701}" type="datetimeFigureOut">
               <a:rPr lang="ko-KR" altLang="en-US" smtClean="0"/>
-              <a:t>2023-03-03</a:t>
+              <a:t>2023-03-06</a:t>
             </a:fld>
             <a:endParaRPr lang="ko-KR" altLang="en-US"/>
           </a:p>
@@ -1012,7 +1014,7 @@
           <a:p>
             <a:fld id="{1E49D3E3-7C22-4238-B7C9-64AF60411701}" type="datetimeFigureOut">
               <a:rPr lang="ko-KR" altLang="en-US" smtClean="0"/>
-              <a:t>2023-03-03</a:t>
+              <a:t>2023-03-06</a:t>
             </a:fld>
             <a:endParaRPr lang="ko-KR" altLang="en-US"/>
           </a:p>
@@ -1244,7 +1246,7 @@
           <a:p>
             <a:fld id="{1E49D3E3-7C22-4238-B7C9-64AF60411701}" type="datetimeFigureOut">
               <a:rPr lang="ko-KR" altLang="en-US" smtClean="0"/>
-              <a:t>2023-03-03</a:t>
+              <a:t>2023-03-06</a:t>
             </a:fld>
             <a:endParaRPr lang="ko-KR" altLang="en-US"/>
           </a:p>
@@ -1611,7 +1613,7 @@
           <a:p>
             <a:fld id="{1E49D3E3-7C22-4238-B7C9-64AF60411701}" type="datetimeFigureOut">
               <a:rPr lang="ko-KR" altLang="en-US" smtClean="0"/>
-              <a:t>2023-03-03</a:t>
+              <a:t>2023-03-06</a:t>
             </a:fld>
             <a:endParaRPr lang="ko-KR" altLang="en-US"/>
           </a:p>
@@ -1729,7 +1731,7 @@
           <a:p>
             <a:fld id="{1E49D3E3-7C22-4238-B7C9-64AF60411701}" type="datetimeFigureOut">
               <a:rPr lang="ko-KR" altLang="en-US" smtClean="0"/>
-              <a:t>2023-03-03</a:t>
+              <a:t>2023-03-06</a:t>
             </a:fld>
             <a:endParaRPr lang="ko-KR" altLang="en-US"/>
           </a:p>
@@ -1824,7 +1826,7 @@
           <a:p>
             <a:fld id="{1E49D3E3-7C22-4238-B7C9-64AF60411701}" type="datetimeFigureOut">
               <a:rPr lang="ko-KR" altLang="en-US" smtClean="0"/>
-              <a:t>2023-03-03</a:t>
+              <a:t>2023-03-06</a:t>
             </a:fld>
             <a:endParaRPr lang="ko-KR" altLang="en-US"/>
           </a:p>
@@ -2101,7 +2103,7 @@
           <a:p>
             <a:fld id="{1E49D3E3-7C22-4238-B7C9-64AF60411701}" type="datetimeFigureOut">
               <a:rPr lang="ko-KR" altLang="en-US" smtClean="0"/>
-              <a:t>2023-03-03</a:t>
+              <a:t>2023-03-06</a:t>
             </a:fld>
             <a:endParaRPr lang="ko-KR" altLang="en-US"/>
           </a:p>
@@ -2358,7 +2360,7 @@
           <a:p>
             <a:fld id="{1E49D3E3-7C22-4238-B7C9-64AF60411701}" type="datetimeFigureOut">
               <a:rPr lang="ko-KR" altLang="en-US" smtClean="0"/>
-              <a:t>2023-03-03</a:t>
+              <a:t>2023-03-06</a:t>
             </a:fld>
             <a:endParaRPr lang="ko-KR" altLang="en-US"/>
           </a:p>
@@ -2571,7 +2573,7 @@
           <a:p>
             <a:fld id="{1E49D3E3-7C22-4238-B7C9-64AF60411701}" type="datetimeFigureOut">
               <a:rPr lang="ko-KR" altLang="en-US" smtClean="0"/>
-              <a:t>2023-03-03</a:t>
+              <a:t>2023-03-06</a:t>
             </a:fld>
             <a:endParaRPr lang="ko-KR" altLang="en-US"/>
           </a:p>
@@ -10110,6 +10112,1780 @@
 </p:sld>
 </file>
 
+<file path=ppt/slides/slide7.xml><?xml version="1.0" encoding="utf-8"?>
+<p:sld xmlns:a="http://schemas.openxmlformats.org/drawingml/2006/main" xmlns:r="http://schemas.openxmlformats.org/officeDocument/2006/relationships" xmlns:p="http://schemas.openxmlformats.org/presentationml/2006/main">
+  <p:cSld>
+    <p:spTree>
+      <p:nvGrpSpPr>
+        <p:cNvPr id="1" name=""/>
+        <p:cNvGrpSpPr/>
+        <p:nvPr/>
+      </p:nvGrpSpPr>
+      <p:grpSpPr>
+        <a:xfrm>
+          <a:off x="0" y="0"/>
+          <a:ext cx="0" cy="0"/>
+          <a:chOff x="0" y="0"/>
+          <a:chExt cx="0" cy="0"/>
+        </a:xfrm>
+      </p:grpSpPr>
+      <p:sp>
+        <p:nvSpPr>
+          <p:cNvPr id="4" name="원통형 3">
+            <a:extLst>
+              <a:ext uri="{FF2B5EF4-FFF2-40B4-BE49-F238E27FC236}">
+                <a16:creationId xmlns:a16="http://schemas.microsoft.com/office/drawing/2014/main" id="{42D585E6-D124-3466-2768-85CC2C64E8B0}"/>
+              </a:ext>
+            </a:extLst>
+          </p:cNvPr>
+          <p:cNvSpPr/>
+          <p:nvPr/>
+        </p:nvSpPr>
+        <p:spPr>
+          <a:xfrm>
+            <a:off x="4473563" y="544909"/>
+            <a:ext cx="1470038" cy="1946832"/>
+          </a:xfrm>
+          <a:prstGeom prst="can">
+            <a:avLst/>
+          </a:prstGeom>
+          <a:solidFill>
+            <a:schemeClr val="accent1">
+              <a:lumMod val="20000"/>
+              <a:lumOff val="80000"/>
+            </a:schemeClr>
+          </a:solidFill>
+          <a:ln>
+            <a:solidFill>
+              <a:schemeClr val="accent1">
+                <a:lumMod val="75000"/>
+              </a:schemeClr>
+            </a:solidFill>
+          </a:ln>
+        </p:spPr>
+        <p:style>
+          <a:lnRef idx="2">
+            <a:schemeClr val="accent1">
+              <a:shade val="50000"/>
+            </a:schemeClr>
+          </a:lnRef>
+          <a:fillRef idx="1">
+            <a:schemeClr val="accent1"/>
+          </a:fillRef>
+          <a:effectRef idx="0">
+            <a:schemeClr val="accent1"/>
+          </a:effectRef>
+          <a:fontRef idx="minor">
+            <a:schemeClr val="lt1"/>
+          </a:fontRef>
+        </p:style>
+        <p:txBody>
+          <a:bodyPr rtlCol="0" anchor="ctr"/>
+          <a:lstStyle/>
+          <a:p>
+            <a:pPr algn="ctr"/>
+            <a:r>
+              <a:rPr lang="en-US" altLang="ko-KR" b="1">
+                <a:solidFill>
+                  <a:schemeClr val="tx1"/>
+                </a:solidFill>
+              </a:rPr>
+              <a:t>github</a:t>
+            </a:r>
+          </a:p>
+          <a:p>
+            <a:pPr algn="ctr"/>
+            <a:r>
+              <a:rPr lang="ko-KR" altLang="en-US" b="1">
+                <a:solidFill>
+                  <a:schemeClr val="tx1"/>
+                </a:solidFill>
+              </a:rPr>
+              <a:t>원격 저장소</a:t>
+            </a:r>
+          </a:p>
+        </p:txBody>
+      </p:sp>
+      <p:sp>
+        <p:nvSpPr>
+          <p:cNvPr id="5" name="원통형 4">
+            <a:extLst>
+              <a:ext uri="{FF2B5EF4-FFF2-40B4-BE49-F238E27FC236}">
+                <a16:creationId xmlns:a16="http://schemas.microsoft.com/office/drawing/2014/main" id="{FCE7EEDE-54BF-FD85-42EE-10E9A2C47C1F}"/>
+              </a:ext>
+            </a:extLst>
+          </p:cNvPr>
+          <p:cNvSpPr/>
+          <p:nvPr/>
+        </p:nvSpPr>
+        <p:spPr>
+          <a:xfrm>
+            <a:off x="9357983" y="544909"/>
+            <a:ext cx="1470038" cy="1946832"/>
+          </a:xfrm>
+          <a:prstGeom prst="can">
+            <a:avLst/>
+          </a:prstGeom>
+          <a:solidFill>
+            <a:schemeClr val="accent1">
+              <a:lumMod val="20000"/>
+              <a:lumOff val="80000"/>
+            </a:schemeClr>
+          </a:solidFill>
+          <a:ln>
+            <a:solidFill>
+              <a:schemeClr val="accent1">
+                <a:lumMod val="75000"/>
+              </a:schemeClr>
+            </a:solidFill>
+          </a:ln>
+        </p:spPr>
+        <p:style>
+          <a:lnRef idx="2">
+            <a:schemeClr val="accent1">
+              <a:shade val="50000"/>
+            </a:schemeClr>
+          </a:lnRef>
+          <a:fillRef idx="1">
+            <a:schemeClr val="accent1"/>
+          </a:fillRef>
+          <a:effectRef idx="0">
+            <a:schemeClr val="accent1"/>
+          </a:effectRef>
+          <a:fontRef idx="minor">
+            <a:schemeClr val="lt1"/>
+          </a:fontRef>
+        </p:style>
+        <p:txBody>
+          <a:bodyPr rtlCol="0" anchor="ctr"/>
+          <a:lstStyle/>
+          <a:p>
+            <a:pPr algn="ctr"/>
+            <a:r>
+              <a:rPr lang="en-US" altLang="ko-KR" b="1">
+                <a:solidFill>
+                  <a:schemeClr val="tx1"/>
+                </a:solidFill>
+              </a:rPr>
+              <a:t>git</a:t>
+            </a:r>
+          </a:p>
+          <a:p>
+            <a:pPr algn="ctr"/>
+            <a:r>
+              <a:rPr lang="ko-KR" altLang="en-US" b="1">
+                <a:solidFill>
+                  <a:schemeClr val="tx1"/>
+                </a:solidFill>
+              </a:rPr>
+              <a:t>로컬 저장소</a:t>
+            </a:r>
+          </a:p>
+        </p:txBody>
+      </p:sp>
+      <p:sp>
+        <p:nvSpPr>
+          <p:cNvPr id="6" name="원통형 5">
+            <a:extLst>
+              <a:ext uri="{FF2B5EF4-FFF2-40B4-BE49-F238E27FC236}">
+                <a16:creationId xmlns:a16="http://schemas.microsoft.com/office/drawing/2014/main" id="{B44BBF29-EB06-571C-F97B-D8E53B0F0348}"/>
+              </a:ext>
+            </a:extLst>
+          </p:cNvPr>
+          <p:cNvSpPr/>
+          <p:nvPr/>
+        </p:nvSpPr>
+        <p:spPr>
+          <a:xfrm>
+            <a:off x="17174819" y="544909"/>
+            <a:ext cx="1470038" cy="1946832"/>
+          </a:xfrm>
+          <a:prstGeom prst="can">
+            <a:avLst/>
+          </a:prstGeom>
+          <a:solidFill>
+            <a:schemeClr val="accent1">
+              <a:lumMod val="20000"/>
+              <a:lumOff val="80000"/>
+            </a:schemeClr>
+          </a:solidFill>
+          <a:ln>
+            <a:solidFill>
+              <a:schemeClr val="accent1">
+                <a:lumMod val="75000"/>
+              </a:schemeClr>
+            </a:solidFill>
+          </a:ln>
+        </p:spPr>
+        <p:style>
+          <a:lnRef idx="2">
+            <a:schemeClr val="accent1">
+              <a:shade val="50000"/>
+            </a:schemeClr>
+          </a:lnRef>
+          <a:fillRef idx="1">
+            <a:schemeClr val="accent1"/>
+          </a:fillRef>
+          <a:effectRef idx="0">
+            <a:schemeClr val="accent1"/>
+          </a:effectRef>
+          <a:fontRef idx="minor">
+            <a:schemeClr val="lt1"/>
+          </a:fontRef>
+        </p:style>
+        <p:txBody>
+          <a:bodyPr rtlCol="0" anchor="ctr"/>
+          <a:lstStyle/>
+          <a:p>
+            <a:pPr algn="ctr"/>
+            <a:r>
+              <a:rPr lang="en-US" altLang="ko-KR" b="1">
+                <a:solidFill>
+                  <a:schemeClr val="tx1"/>
+                </a:solidFill>
+              </a:rPr>
+              <a:t>PC</a:t>
+            </a:r>
+          </a:p>
+          <a:p>
+            <a:pPr algn="ctr"/>
+            <a:r>
+              <a:rPr lang="en-US" altLang="ko-KR" b="1">
+                <a:solidFill>
+                  <a:schemeClr val="tx1"/>
+                </a:solidFill>
+              </a:rPr>
+              <a:t>Disk</a:t>
+            </a:r>
+            <a:endParaRPr lang="ko-KR" altLang="en-US" b="1">
+              <a:solidFill>
+                <a:schemeClr val="tx1"/>
+              </a:solidFill>
+            </a:endParaRPr>
+          </a:p>
+        </p:txBody>
+      </p:sp>
+      <p:cxnSp>
+        <p:nvCxnSpPr>
+          <p:cNvPr id="8" name="직선 연결선 7">
+            <a:extLst>
+              <a:ext uri="{FF2B5EF4-FFF2-40B4-BE49-F238E27FC236}">
+                <a16:creationId xmlns:a16="http://schemas.microsoft.com/office/drawing/2014/main" id="{6C6BEB22-83E9-2500-FAD5-368B73AB44E2}"/>
+              </a:ext>
+            </a:extLst>
+          </p:cNvPr>
+          <p:cNvCxnSpPr>
+            <a:cxnSpLocks/>
+            <a:stCxn id="4" idx="3"/>
+          </p:cNvCxnSpPr>
+          <p:nvPr/>
+        </p:nvCxnSpPr>
+        <p:spPr>
+          <a:xfrm flipH="1">
+            <a:off x="5141686" y="2491741"/>
+            <a:ext cx="66896" cy="7060801"/>
+          </a:xfrm>
+          <a:prstGeom prst="line">
+            <a:avLst/>
+          </a:prstGeom>
+        </p:spPr>
+        <p:style>
+          <a:lnRef idx="1">
+            <a:schemeClr val="accent1"/>
+          </a:lnRef>
+          <a:fillRef idx="0">
+            <a:schemeClr val="accent1"/>
+          </a:fillRef>
+          <a:effectRef idx="0">
+            <a:schemeClr val="accent1"/>
+          </a:effectRef>
+          <a:fontRef idx="minor">
+            <a:schemeClr val="tx1"/>
+          </a:fontRef>
+        </p:style>
+      </p:cxnSp>
+      <p:cxnSp>
+        <p:nvCxnSpPr>
+          <p:cNvPr id="9" name="직선 연결선 8">
+            <a:extLst>
+              <a:ext uri="{FF2B5EF4-FFF2-40B4-BE49-F238E27FC236}">
+                <a16:creationId xmlns:a16="http://schemas.microsoft.com/office/drawing/2014/main" id="{CFEBEC04-955A-F19D-32B9-6EDAEE458F83}"/>
+              </a:ext>
+            </a:extLst>
+          </p:cNvPr>
+          <p:cNvCxnSpPr>
+            <a:cxnSpLocks/>
+            <a:stCxn id="5" idx="3"/>
+          </p:cNvCxnSpPr>
+          <p:nvPr/>
+        </p:nvCxnSpPr>
+        <p:spPr>
+          <a:xfrm flipH="1">
+            <a:off x="10039029" y="2491741"/>
+            <a:ext cx="53973" cy="7060801"/>
+          </a:xfrm>
+          <a:prstGeom prst="line">
+            <a:avLst/>
+          </a:prstGeom>
+        </p:spPr>
+        <p:style>
+          <a:lnRef idx="1">
+            <a:schemeClr val="accent1"/>
+          </a:lnRef>
+          <a:fillRef idx="0">
+            <a:schemeClr val="accent1"/>
+          </a:fillRef>
+          <a:effectRef idx="0">
+            <a:schemeClr val="accent1"/>
+          </a:effectRef>
+          <a:fontRef idx="minor">
+            <a:schemeClr val="tx1"/>
+          </a:fontRef>
+        </p:style>
+      </p:cxnSp>
+      <p:cxnSp>
+        <p:nvCxnSpPr>
+          <p:cNvPr id="10" name="직선 연결선 9">
+            <a:extLst>
+              <a:ext uri="{FF2B5EF4-FFF2-40B4-BE49-F238E27FC236}">
+                <a16:creationId xmlns:a16="http://schemas.microsoft.com/office/drawing/2014/main" id="{CC828EE1-132B-B758-4D7A-A2043A4BB124}"/>
+              </a:ext>
+            </a:extLst>
+          </p:cNvPr>
+          <p:cNvCxnSpPr>
+            <a:cxnSpLocks/>
+            <a:stCxn id="6" idx="3"/>
+          </p:cNvCxnSpPr>
+          <p:nvPr/>
+        </p:nvCxnSpPr>
+        <p:spPr>
+          <a:xfrm flipH="1">
+            <a:off x="17869663" y="2491741"/>
+            <a:ext cx="40175" cy="10417769"/>
+          </a:xfrm>
+          <a:prstGeom prst="line">
+            <a:avLst/>
+          </a:prstGeom>
+        </p:spPr>
+        <p:style>
+          <a:lnRef idx="1">
+            <a:schemeClr val="accent1"/>
+          </a:lnRef>
+          <a:fillRef idx="0">
+            <a:schemeClr val="accent1"/>
+          </a:fillRef>
+          <a:effectRef idx="0">
+            <a:schemeClr val="accent1"/>
+          </a:effectRef>
+          <a:fontRef idx="minor">
+            <a:schemeClr val="tx1"/>
+          </a:fontRef>
+        </p:style>
+      </p:cxnSp>
+      <p:cxnSp>
+        <p:nvCxnSpPr>
+          <p:cNvPr id="14" name="직선 화살표 연결선 13">
+            <a:extLst>
+              <a:ext uri="{FF2B5EF4-FFF2-40B4-BE49-F238E27FC236}">
+                <a16:creationId xmlns:a16="http://schemas.microsoft.com/office/drawing/2014/main" id="{320E432E-E8C2-3769-E78A-C4DC145943E2}"/>
+              </a:ext>
+            </a:extLst>
+          </p:cNvPr>
+          <p:cNvCxnSpPr>
+            <a:cxnSpLocks/>
+          </p:cNvCxnSpPr>
+          <p:nvPr/>
+        </p:nvCxnSpPr>
+        <p:spPr>
+          <a:xfrm flipH="1">
+            <a:off x="11126707" y="3818354"/>
+            <a:ext cx="2919810" cy="0"/>
+          </a:xfrm>
+          <a:prstGeom prst="straightConnector1">
+            <a:avLst/>
+          </a:prstGeom>
+          <a:ln w="25400">
+            <a:solidFill>
+              <a:schemeClr val="tx1"/>
+            </a:solidFill>
+            <a:tailEnd type="triangle"/>
+          </a:ln>
+        </p:spPr>
+        <p:style>
+          <a:lnRef idx="1">
+            <a:schemeClr val="accent1"/>
+          </a:lnRef>
+          <a:fillRef idx="0">
+            <a:schemeClr val="accent1"/>
+          </a:fillRef>
+          <a:effectRef idx="0">
+            <a:schemeClr val="accent1"/>
+          </a:effectRef>
+          <a:fontRef idx="minor">
+            <a:schemeClr val="tx1"/>
+          </a:fontRef>
+        </p:style>
+      </p:cxnSp>
+      <p:sp>
+        <p:nvSpPr>
+          <p:cNvPr id="19" name="TextBox 18">
+            <a:extLst>
+              <a:ext uri="{FF2B5EF4-FFF2-40B4-BE49-F238E27FC236}">
+                <a16:creationId xmlns:a16="http://schemas.microsoft.com/office/drawing/2014/main" id="{53011EE4-6AC8-371E-F6F6-5028591F4EBD}"/>
+              </a:ext>
+            </a:extLst>
+          </p:cNvPr>
+          <p:cNvSpPr txBox="1"/>
+          <p:nvPr/>
+        </p:nvSpPr>
+        <p:spPr>
+          <a:xfrm>
+            <a:off x="11146702" y="3263385"/>
+            <a:ext cx="1805940" cy="369332"/>
+          </a:xfrm>
+          <a:prstGeom prst="rect">
+            <a:avLst/>
+          </a:prstGeom>
+          <a:noFill/>
+        </p:spPr>
+        <p:txBody>
+          <a:bodyPr wrap="square" rtlCol="0">
+            <a:spAutoFit/>
+          </a:bodyPr>
+          <a:lstStyle/>
+          <a:p>
+            <a:r>
+              <a:rPr lang="en-US" altLang="ko-KR"/>
+              <a:t>commit</a:t>
+            </a:r>
+            <a:endParaRPr lang="ko-KR" altLang="en-US"/>
+          </a:p>
+        </p:txBody>
+      </p:sp>
+      <p:cxnSp>
+        <p:nvCxnSpPr>
+          <p:cNvPr id="20" name="직선 화살표 연결선 19">
+            <a:extLst>
+              <a:ext uri="{FF2B5EF4-FFF2-40B4-BE49-F238E27FC236}">
+                <a16:creationId xmlns:a16="http://schemas.microsoft.com/office/drawing/2014/main" id="{1E1F3F90-BB6C-49A3-F02F-61434ADFC392}"/>
+              </a:ext>
+            </a:extLst>
+          </p:cNvPr>
+          <p:cNvCxnSpPr>
+            <a:cxnSpLocks/>
+          </p:cNvCxnSpPr>
+          <p:nvPr/>
+        </p:nvCxnSpPr>
+        <p:spPr>
+          <a:xfrm flipH="1">
+            <a:off x="5943591" y="4865132"/>
+            <a:ext cx="4149411" cy="0"/>
+          </a:xfrm>
+          <a:prstGeom prst="straightConnector1">
+            <a:avLst/>
+          </a:prstGeom>
+          <a:ln w="25400">
+            <a:solidFill>
+              <a:schemeClr val="tx1"/>
+            </a:solidFill>
+            <a:tailEnd type="triangle"/>
+          </a:ln>
+        </p:spPr>
+        <p:style>
+          <a:lnRef idx="1">
+            <a:schemeClr val="accent1"/>
+          </a:lnRef>
+          <a:fillRef idx="0">
+            <a:schemeClr val="accent1"/>
+          </a:fillRef>
+          <a:effectRef idx="0">
+            <a:schemeClr val="accent1"/>
+          </a:effectRef>
+          <a:fontRef idx="minor">
+            <a:schemeClr val="tx1"/>
+          </a:fontRef>
+        </p:style>
+      </p:cxnSp>
+      <p:sp>
+        <p:nvSpPr>
+          <p:cNvPr id="21" name="TextBox 20">
+            <a:extLst>
+              <a:ext uri="{FF2B5EF4-FFF2-40B4-BE49-F238E27FC236}">
+                <a16:creationId xmlns:a16="http://schemas.microsoft.com/office/drawing/2014/main" id="{CA32A409-D801-2175-E067-804762E3FAC4}"/>
+              </a:ext>
+            </a:extLst>
+          </p:cNvPr>
+          <p:cNvSpPr txBox="1"/>
+          <p:nvPr/>
+        </p:nvSpPr>
+        <p:spPr>
+          <a:xfrm>
+            <a:off x="6675111" y="4358640"/>
+            <a:ext cx="1805940" cy="369332"/>
+          </a:xfrm>
+          <a:prstGeom prst="rect">
+            <a:avLst/>
+          </a:prstGeom>
+          <a:noFill/>
+        </p:spPr>
+        <p:txBody>
+          <a:bodyPr wrap="square" rtlCol="0">
+            <a:spAutoFit/>
+          </a:bodyPr>
+          <a:lstStyle/>
+          <a:p>
+            <a:r>
+              <a:rPr lang="en-US" altLang="ko-KR"/>
+              <a:t>push</a:t>
+            </a:r>
+            <a:endParaRPr lang="ko-KR" altLang="en-US"/>
+          </a:p>
+        </p:txBody>
+      </p:sp>
+      <p:cxnSp>
+        <p:nvCxnSpPr>
+          <p:cNvPr id="22" name="직선 화살표 연결선 21">
+            <a:extLst>
+              <a:ext uri="{FF2B5EF4-FFF2-40B4-BE49-F238E27FC236}">
+                <a16:creationId xmlns:a16="http://schemas.microsoft.com/office/drawing/2014/main" id="{6F4F1C08-7C69-B7FE-66B3-4918F6E0C4CC}"/>
+              </a:ext>
+            </a:extLst>
+          </p:cNvPr>
+          <p:cNvCxnSpPr>
+            <a:cxnSpLocks/>
+          </p:cNvCxnSpPr>
+          <p:nvPr/>
+        </p:nvCxnSpPr>
+        <p:spPr>
+          <a:xfrm flipH="1">
+            <a:off x="14781536" y="3263385"/>
+            <a:ext cx="3074180" cy="0"/>
+          </a:xfrm>
+          <a:prstGeom prst="straightConnector1">
+            <a:avLst/>
+          </a:prstGeom>
+          <a:ln w="25400">
+            <a:solidFill>
+              <a:schemeClr val="tx1"/>
+            </a:solidFill>
+            <a:tailEnd type="triangle"/>
+          </a:ln>
+        </p:spPr>
+        <p:style>
+          <a:lnRef idx="1">
+            <a:schemeClr val="accent1"/>
+          </a:lnRef>
+          <a:fillRef idx="0">
+            <a:schemeClr val="accent1"/>
+          </a:fillRef>
+          <a:effectRef idx="0">
+            <a:schemeClr val="accent1"/>
+          </a:effectRef>
+          <a:fontRef idx="minor">
+            <a:schemeClr val="tx1"/>
+          </a:fontRef>
+        </p:style>
+      </p:cxnSp>
+      <p:sp>
+        <p:nvSpPr>
+          <p:cNvPr id="23" name="TextBox 22">
+            <a:extLst>
+              <a:ext uri="{FF2B5EF4-FFF2-40B4-BE49-F238E27FC236}">
+                <a16:creationId xmlns:a16="http://schemas.microsoft.com/office/drawing/2014/main" id="{96B88716-4741-B160-1967-516DEA266D78}"/>
+              </a:ext>
+            </a:extLst>
+          </p:cNvPr>
+          <p:cNvSpPr txBox="1"/>
+          <p:nvPr/>
+        </p:nvSpPr>
+        <p:spPr>
+          <a:xfrm>
+            <a:off x="15451933" y="2756893"/>
+            <a:ext cx="1805940" cy="369332"/>
+          </a:xfrm>
+          <a:prstGeom prst="rect">
+            <a:avLst/>
+          </a:prstGeom>
+          <a:noFill/>
+        </p:spPr>
+        <p:txBody>
+          <a:bodyPr wrap="square" rtlCol="0">
+            <a:spAutoFit/>
+          </a:bodyPr>
+          <a:lstStyle/>
+          <a:p>
+            <a:r>
+              <a:rPr lang="en-US" altLang="ko-KR"/>
+              <a:t>add</a:t>
+            </a:r>
+            <a:endParaRPr lang="ko-KR" altLang="en-US"/>
+          </a:p>
+        </p:txBody>
+      </p:sp>
+      <p:cxnSp>
+        <p:nvCxnSpPr>
+          <p:cNvPr id="24" name="직선 화살표 연결선 23">
+            <a:extLst>
+              <a:ext uri="{FF2B5EF4-FFF2-40B4-BE49-F238E27FC236}">
+                <a16:creationId xmlns:a16="http://schemas.microsoft.com/office/drawing/2014/main" id="{50E5C8AD-5672-FD4B-085F-21C06BD2F209}"/>
+              </a:ext>
+            </a:extLst>
+          </p:cNvPr>
+          <p:cNvCxnSpPr>
+            <a:cxnSpLocks/>
+          </p:cNvCxnSpPr>
+          <p:nvPr/>
+        </p:nvCxnSpPr>
+        <p:spPr>
+          <a:xfrm>
+            <a:off x="5143500" y="6172200"/>
+            <a:ext cx="3603158" cy="0"/>
+          </a:xfrm>
+          <a:prstGeom prst="straightConnector1">
+            <a:avLst/>
+          </a:prstGeom>
+          <a:ln w="25400">
+            <a:solidFill>
+              <a:schemeClr val="tx1"/>
+            </a:solidFill>
+            <a:tailEnd type="triangle"/>
+          </a:ln>
+        </p:spPr>
+        <p:style>
+          <a:lnRef idx="1">
+            <a:schemeClr val="accent1"/>
+          </a:lnRef>
+          <a:fillRef idx="0">
+            <a:schemeClr val="accent1"/>
+          </a:fillRef>
+          <a:effectRef idx="0">
+            <a:schemeClr val="accent1"/>
+          </a:effectRef>
+          <a:fontRef idx="minor">
+            <a:schemeClr val="tx1"/>
+          </a:fontRef>
+        </p:style>
+      </p:cxnSp>
+      <p:sp>
+        <p:nvSpPr>
+          <p:cNvPr id="25" name="TextBox 24">
+            <a:extLst>
+              <a:ext uri="{FF2B5EF4-FFF2-40B4-BE49-F238E27FC236}">
+                <a16:creationId xmlns:a16="http://schemas.microsoft.com/office/drawing/2014/main" id="{C79D5B56-B737-F8A3-A275-2315E8BD3E0D}"/>
+              </a:ext>
+            </a:extLst>
+          </p:cNvPr>
+          <p:cNvSpPr txBox="1"/>
+          <p:nvPr/>
+        </p:nvSpPr>
+        <p:spPr>
+          <a:xfrm>
+            <a:off x="5824388" y="5471160"/>
+            <a:ext cx="1805940" cy="369332"/>
+          </a:xfrm>
+          <a:prstGeom prst="rect">
+            <a:avLst/>
+          </a:prstGeom>
+          <a:noFill/>
+        </p:spPr>
+        <p:txBody>
+          <a:bodyPr wrap="square" rtlCol="0">
+            <a:spAutoFit/>
+          </a:bodyPr>
+          <a:lstStyle/>
+          <a:p>
+            <a:r>
+              <a:rPr lang="en-US" altLang="ko-KR"/>
+              <a:t>pull</a:t>
+            </a:r>
+            <a:endParaRPr lang="ko-KR" altLang="en-US"/>
+          </a:p>
+        </p:txBody>
+      </p:sp>
+      <p:cxnSp>
+        <p:nvCxnSpPr>
+          <p:cNvPr id="28" name="직선 화살표 연결선 27">
+            <a:extLst>
+              <a:ext uri="{FF2B5EF4-FFF2-40B4-BE49-F238E27FC236}">
+                <a16:creationId xmlns:a16="http://schemas.microsoft.com/office/drawing/2014/main" id="{B0906C21-84D7-28D9-9BBE-DA966E0C7B3E}"/>
+              </a:ext>
+            </a:extLst>
+          </p:cNvPr>
+          <p:cNvCxnSpPr>
+            <a:cxnSpLocks/>
+          </p:cNvCxnSpPr>
+          <p:nvPr/>
+        </p:nvCxnSpPr>
+        <p:spPr>
+          <a:xfrm flipH="1">
+            <a:off x="10956131" y="7731282"/>
+            <a:ext cx="2999579" cy="0"/>
+          </a:xfrm>
+          <a:prstGeom prst="straightConnector1">
+            <a:avLst/>
+          </a:prstGeom>
+          <a:ln w="25400">
+            <a:solidFill>
+              <a:schemeClr val="tx1"/>
+            </a:solidFill>
+            <a:tailEnd type="triangle"/>
+          </a:ln>
+        </p:spPr>
+        <p:style>
+          <a:lnRef idx="1">
+            <a:schemeClr val="accent1"/>
+          </a:lnRef>
+          <a:fillRef idx="0">
+            <a:schemeClr val="accent1"/>
+          </a:fillRef>
+          <a:effectRef idx="0">
+            <a:schemeClr val="accent1"/>
+          </a:effectRef>
+          <a:fontRef idx="minor">
+            <a:schemeClr val="tx1"/>
+          </a:fontRef>
+        </p:style>
+      </p:cxnSp>
+      <p:sp>
+        <p:nvSpPr>
+          <p:cNvPr id="29" name="TextBox 28">
+            <a:extLst>
+              <a:ext uri="{FF2B5EF4-FFF2-40B4-BE49-F238E27FC236}">
+                <a16:creationId xmlns:a16="http://schemas.microsoft.com/office/drawing/2014/main" id="{779BDAE9-4EAC-9434-441F-94A9EF4B9FB8}"/>
+              </a:ext>
+            </a:extLst>
+          </p:cNvPr>
+          <p:cNvSpPr txBox="1"/>
+          <p:nvPr/>
+        </p:nvSpPr>
+        <p:spPr>
+          <a:xfrm>
+            <a:off x="11126707" y="7162818"/>
+            <a:ext cx="1805940" cy="369332"/>
+          </a:xfrm>
+          <a:prstGeom prst="rect">
+            <a:avLst/>
+          </a:prstGeom>
+          <a:noFill/>
+        </p:spPr>
+        <p:txBody>
+          <a:bodyPr wrap="square" rtlCol="0">
+            <a:spAutoFit/>
+          </a:bodyPr>
+          <a:lstStyle/>
+          <a:p>
+            <a:r>
+              <a:rPr lang="en-US" altLang="ko-KR"/>
+              <a:t>commit</a:t>
+            </a:r>
+            <a:endParaRPr lang="ko-KR" altLang="en-US"/>
+          </a:p>
+        </p:txBody>
+      </p:sp>
+      <p:cxnSp>
+        <p:nvCxnSpPr>
+          <p:cNvPr id="30" name="직선 화살표 연결선 29">
+            <a:extLst>
+              <a:ext uri="{FF2B5EF4-FFF2-40B4-BE49-F238E27FC236}">
+                <a16:creationId xmlns:a16="http://schemas.microsoft.com/office/drawing/2014/main" id="{5D9D57C8-7F62-5372-43C3-CB118F8C39BF}"/>
+              </a:ext>
+            </a:extLst>
+          </p:cNvPr>
+          <p:cNvCxnSpPr>
+            <a:cxnSpLocks/>
+          </p:cNvCxnSpPr>
+          <p:nvPr/>
+        </p:nvCxnSpPr>
+        <p:spPr>
+          <a:xfrm flipH="1">
+            <a:off x="5852784" y="8544043"/>
+            <a:ext cx="4149411" cy="0"/>
+          </a:xfrm>
+          <a:prstGeom prst="straightConnector1">
+            <a:avLst/>
+          </a:prstGeom>
+          <a:ln w="25400">
+            <a:solidFill>
+              <a:schemeClr val="tx1"/>
+            </a:solidFill>
+            <a:tailEnd type="triangle"/>
+          </a:ln>
+        </p:spPr>
+        <p:style>
+          <a:lnRef idx="1">
+            <a:schemeClr val="accent1"/>
+          </a:lnRef>
+          <a:fillRef idx="0">
+            <a:schemeClr val="accent1"/>
+          </a:fillRef>
+          <a:effectRef idx="0">
+            <a:schemeClr val="accent1"/>
+          </a:effectRef>
+          <a:fontRef idx="minor">
+            <a:schemeClr val="tx1"/>
+          </a:fontRef>
+        </p:style>
+      </p:cxnSp>
+      <p:sp>
+        <p:nvSpPr>
+          <p:cNvPr id="31" name="TextBox 30">
+            <a:extLst>
+              <a:ext uri="{FF2B5EF4-FFF2-40B4-BE49-F238E27FC236}">
+                <a16:creationId xmlns:a16="http://schemas.microsoft.com/office/drawing/2014/main" id="{7A654EB4-AA03-4F1C-BFE1-99720E5ED0CB}"/>
+              </a:ext>
+            </a:extLst>
+          </p:cNvPr>
+          <p:cNvSpPr txBox="1"/>
+          <p:nvPr/>
+        </p:nvSpPr>
+        <p:spPr>
+          <a:xfrm>
+            <a:off x="6584304" y="8037551"/>
+            <a:ext cx="1805940" cy="369332"/>
+          </a:xfrm>
+          <a:prstGeom prst="rect">
+            <a:avLst/>
+          </a:prstGeom>
+          <a:noFill/>
+        </p:spPr>
+        <p:txBody>
+          <a:bodyPr wrap="square" rtlCol="0">
+            <a:spAutoFit/>
+          </a:bodyPr>
+          <a:lstStyle/>
+          <a:p>
+            <a:r>
+              <a:rPr lang="en-US" altLang="ko-KR"/>
+              <a:t>push</a:t>
+            </a:r>
+            <a:endParaRPr lang="ko-KR" altLang="en-US"/>
+          </a:p>
+        </p:txBody>
+      </p:sp>
+      <p:cxnSp>
+        <p:nvCxnSpPr>
+          <p:cNvPr id="32" name="직선 화살표 연결선 31">
+            <a:extLst>
+              <a:ext uri="{FF2B5EF4-FFF2-40B4-BE49-F238E27FC236}">
+                <a16:creationId xmlns:a16="http://schemas.microsoft.com/office/drawing/2014/main" id="{650D19E7-AD2D-C1CB-D13A-2FEBCB001B68}"/>
+              </a:ext>
+            </a:extLst>
+          </p:cNvPr>
+          <p:cNvCxnSpPr>
+            <a:cxnSpLocks/>
+          </p:cNvCxnSpPr>
+          <p:nvPr/>
+        </p:nvCxnSpPr>
+        <p:spPr>
+          <a:xfrm flipH="1">
+            <a:off x="14781536" y="6942296"/>
+            <a:ext cx="2983373" cy="0"/>
+          </a:xfrm>
+          <a:prstGeom prst="straightConnector1">
+            <a:avLst/>
+          </a:prstGeom>
+          <a:ln w="25400">
+            <a:solidFill>
+              <a:schemeClr val="tx1"/>
+            </a:solidFill>
+            <a:tailEnd type="triangle"/>
+          </a:ln>
+        </p:spPr>
+        <p:style>
+          <a:lnRef idx="1">
+            <a:schemeClr val="accent1"/>
+          </a:lnRef>
+          <a:fillRef idx="0">
+            <a:schemeClr val="accent1"/>
+          </a:fillRef>
+          <a:effectRef idx="0">
+            <a:schemeClr val="accent1"/>
+          </a:effectRef>
+          <a:fontRef idx="minor">
+            <a:schemeClr val="tx1"/>
+          </a:fontRef>
+        </p:style>
+      </p:cxnSp>
+      <p:sp>
+        <p:nvSpPr>
+          <p:cNvPr id="33" name="TextBox 32">
+            <a:extLst>
+              <a:ext uri="{FF2B5EF4-FFF2-40B4-BE49-F238E27FC236}">
+                <a16:creationId xmlns:a16="http://schemas.microsoft.com/office/drawing/2014/main" id="{65617A84-052C-5B9E-433E-65C8A6D6B0EB}"/>
+              </a:ext>
+            </a:extLst>
+          </p:cNvPr>
+          <p:cNvSpPr txBox="1"/>
+          <p:nvPr/>
+        </p:nvSpPr>
+        <p:spPr>
+          <a:xfrm>
+            <a:off x="15145373" y="6492955"/>
+            <a:ext cx="1805940" cy="369332"/>
+          </a:xfrm>
+          <a:prstGeom prst="rect">
+            <a:avLst/>
+          </a:prstGeom>
+          <a:noFill/>
+        </p:spPr>
+        <p:txBody>
+          <a:bodyPr wrap="square" rtlCol="0">
+            <a:spAutoFit/>
+          </a:bodyPr>
+          <a:lstStyle/>
+          <a:p>
+            <a:r>
+              <a:rPr lang="en-US" altLang="ko-KR"/>
+              <a:t>add</a:t>
+            </a:r>
+            <a:endParaRPr lang="ko-KR" altLang="en-US"/>
+          </a:p>
+        </p:txBody>
+      </p:sp>
+      <p:sp>
+        <p:nvSpPr>
+          <p:cNvPr id="37" name="원통형 36">
+            <a:extLst>
+              <a:ext uri="{FF2B5EF4-FFF2-40B4-BE49-F238E27FC236}">
+                <a16:creationId xmlns:a16="http://schemas.microsoft.com/office/drawing/2014/main" id="{09346AB0-5519-B436-C872-78D87AD0F37E}"/>
+              </a:ext>
+            </a:extLst>
+          </p:cNvPr>
+          <p:cNvSpPr/>
+          <p:nvPr/>
+        </p:nvSpPr>
+        <p:spPr>
+          <a:xfrm>
+            <a:off x="13311498" y="544909"/>
+            <a:ext cx="1470038" cy="1946832"/>
+          </a:xfrm>
+          <a:prstGeom prst="can">
+            <a:avLst/>
+          </a:prstGeom>
+          <a:solidFill>
+            <a:schemeClr val="accent1">
+              <a:lumMod val="20000"/>
+              <a:lumOff val="80000"/>
+            </a:schemeClr>
+          </a:solidFill>
+          <a:ln>
+            <a:solidFill>
+              <a:schemeClr val="accent1">
+                <a:lumMod val="75000"/>
+              </a:schemeClr>
+            </a:solidFill>
+          </a:ln>
+        </p:spPr>
+        <p:style>
+          <a:lnRef idx="2">
+            <a:schemeClr val="accent1">
+              <a:shade val="50000"/>
+            </a:schemeClr>
+          </a:lnRef>
+          <a:fillRef idx="1">
+            <a:schemeClr val="accent1"/>
+          </a:fillRef>
+          <a:effectRef idx="0">
+            <a:schemeClr val="accent1"/>
+          </a:effectRef>
+          <a:fontRef idx="minor">
+            <a:schemeClr val="lt1"/>
+          </a:fontRef>
+        </p:style>
+        <p:txBody>
+          <a:bodyPr rtlCol="0" anchor="ctr"/>
+          <a:lstStyle/>
+          <a:p>
+            <a:pPr algn="ctr"/>
+            <a:r>
+              <a:rPr lang="en-US" altLang="ko-KR" b="1">
+                <a:solidFill>
+                  <a:schemeClr val="tx1"/>
+                </a:solidFill>
+              </a:rPr>
+              <a:t>git</a:t>
+            </a:r>
+          </a:p>
+          <a:p>
+            <a:pPr algn="ctr"/>
+            <a:r>
+              <a:rPr lang="en-US" altLang="ko-KR" b="1">
+                <a:solidFill>
+                  <a:schemeClr val="tx1"/>
+                </a:solidFill>
+              </a:rPr>
+              <a:t>staging Area</a:t>
+            </a:r>
+            <a:endParaRPr lang="ko-KR" altLang="en-US" b="1">
+              <a:solidFill>
+                <a:schemeClr val="tx1"/>
+              </a:solidFill>
+            </a:endParaRPr>
+          </a:p>
+        </p:txBody>
+      </p:sp>
+      <p:cxnSp>
+        <p:nvCxnSpPr>
+          <p:cNvPr id="38" name="직선 연결선 37">
+            <a:extLst>
+              <a:ext uri="{FF2B5EF4-FFF2-40B4-BE49-F238E27FC236}">
+                <a16:creationId xmlns:a16="http://schemas.microsoft.com/office/drawing/2014/main" id="{121684A4-DA76-B336-3C2B-F0B6C5F9ED44}"/>
+              </a:ext>
+            </a:extLst>
+          </p:cNvPr>
+          <p:cNvCxnSpPr>
+            <a:cxnSpLocks/>
+            <a:stCxn id="37" idx="3"/>
+          </p:cNvCxnSpPr>
+          <p:nvPr/>
+        </p:nvCxnSpPr>
+        <p:spPr>
+          <a:xfrm flipH="1">
+            <a:off x="13916148" y="2491741"/>
+            <a:ext cx="130369" cy="10417769"/>
+          </a:xfrm>
+          <a:prstGeom prst="line">
+            <a:avLst/>
+          </a:prstGeom>
+        </p:spPr>
+        <p:style>
+          <a:lnRef idx="1">
+            <a:schemeClr val="accent1"/>
+          </a:lnRef>
+          <a:fillRef idx="0">
+            <a:schemeClr val="accent1"/>
+          </a:fillRef>
+          <a:effectRef idx="0">
+            <a:schemeClr val="accent1"/>
+          </a:effectRef>
+          <a:fontRef idx="minor">
+            <a:schemeClr val="tx1"/>
+          </a:fontRef>
+        </p:style>
+      </p:cxnSp>
+      <p:sp>
+        <p:nvSpPr>
+          <p:cNvPr id="50" name="TextBox 49">
+            <a:extLst>
+              <a:ext uri="{FF2B5EF4-FFF2-40B4-BE49-F238E27FC236}">
+                <a16:creationId xmlns:a16="http://schemas.microsoft.com/office/drawing/2014/main" id="{1EADBBF3-9E58-9A77-4E08-65A5A05869E3}"/>
+              </a:ext>
+            </a:extLst>
+          </p:cNvPr>
+          <p:cNvSpPr txBox="1"/>
+          <p:nvPr/>
+        </p:nvSpPr>
+        <p:spPr>
+          <a:xfrm>
+            <a:off x="14419022" y="10267053"/>
+            <a:ext cx="1854200" cy="369332"/>
+          </a:xfrm>
+          <a:prstGeom prst="rect">
+            <a:avLst/>
+          </a:prstGeom>
+          <a:noFill/>
+        </p:spPr>
+        <p:txBody>
+          <a:bodyPr wrap="square" rtlCol="0">
+            <a:spAutoFit/>
+          </a:bodyPr>
+          <a:lstStyle/>
+          <a:p>
+            <a:r>
+              <a:rPr lang="en-US" altLang="ko-KR"/>
+              <a:t>reset HEAD</a:t>
+            </a:r>
+            <a:endParaRPr lang="ko-KR" altLang="en-US"/>
+          </a:p>
+        </p:txBody>
+      </p:sp>
+      <p:cxnSp>
+        <p:nvCxnSpPr>
+          <p:cNvPr id="51" name="직선 화살표 연결선 50">
+            <a:extLst>
+              <a:ext uri="{FF2B5EF4-FFF2-40B4-BE49-F238E27FC236}">
+                <a16:creationId xmlns:a16="http://schemas.microsoft.com/office/drawing/2014/main" id="{CD7BA8B3-DA02-48D9-2F15-13FC6802144C}"/>
+              </a:ext>
+            </a:extLst>
+          </p:cNvPr>
+          <p:cNvCxnSpPr>
+            <a:cxnSpLocks/>
+          </p:cNvCxnSpPr>
+          <p:nvPr/>
+        </p:nvCxnSpPr>
+        <p:spPr>
+          <a:xfrm flipH="1">
+            <a:off x="14923449" y="9632569"/>
+            <a:ext cx="2983373" cy="0"/>
+          </a:xfrm>
+          <a:prstGeom prst="straightConnector1">
+            <a:avLst/>
+          </a:prstGeom>
+          <a:ln w="25400">
+            <a:solidFill>
+              <a:schemeClr val="tx1"/>
+            </a:solidFill>
+            <a:tailEnd type="triangle"/>
+          </a:ln>
+        </p:spPr>
+        <p:style>
+          <a:lnRef idx="1">
+            <a:schemeClr val="accent1"/>
+          </a:lnRef>
+          <a:fillRef idx="0">
+            <a:schemeClr val="accent1"/>
+          </a:fillRef>
+          <a:effectRef idx="0">
+            <a:schemeClr val="accent1"/>
+          </a:effectRef>
+          <a:fontRef idx="minor">
+            <a:schemeClr val="tx1"/>
+          </a:fontRef>
+        </p:style>
+      </p:cxnSp>
+      <p:sp>
+        <p:nvSpPr>
+          <p:cNvPr id="52" name="TextBox 51">
+            <a:extLst>
+              <a:ext uri="{FF2B5EF4-FFF2-40B4-BE49-F238E27FC236}">
+                <a16:creationId xmlns:a16="http://schemas.microsoft.com/office/drawing/2014/main" id="{1ED71ABB-B1A8-F143-9899-B7A6A810495D}"/>
+              </a:ext>
+            </a:extLst>
+          </p:cNvPr>
+          <p:cNvSpPr txBox="1"/>
+          <p:nvPr/>
+        </p:nvSpPr>
+        <p:spPr>
+          <a:xfrm>
+            <a:off x="15287286" y="9183228"/>
+            <a:ext cx="1805940" cy="369332"/>
+          </a:xfrm>
+          <a:prstGeom prst="rect">
+            <a:avLst/>
+          </a:prstGeom>
+          <a:noFill/>
+        </p:spPr>
+        <p:txBody>
+          <a:bodyPr wrap="square" rtlCol="0">
+            <a:spAutoFit/>
+          </a:bodyPr>
+          <a:lstStyle/>
+          <a:p>
+            <a:r>
+              <a:rPr lang="en-US" altLang="ko-KR"/>
+              <a:t>add</a:t>
+            </a:r>
+            <a:endParaRPr lang="ko-KR" altLang="en-US"/>
+          </a:p>
+        </p:txBody>
+      </p:sp>
+      <p:cxnSp>
+        <p:nvCxnSpPr>
+          <p:cNvPr id="53" name="직선 화살표 연결선 52">
+            <a:extLst>
+              <a:ext uri="{FF2B5EF4-FFF2-40B4-BE49-F238E27FC236}">
+                <a16:creationId xmlns:a16="http://schemas.microsoft.com/office/drawing/2014/main" id="{2C8A348A-428D-CEB1-C8AC-2814AD05E785}"/>
+              </a:ext>
+            </a:extLst>
+          </p:cNvPr>
+          <p:cNvCxnSpPr>
+            <a:cxnSpLocks/>
+          </p:cNvCxnSpPr>
+          <p:nvPr/>
+        </p:nvCxnSpPr>
+        <p:spPr>
+          <a:xfrm>
+            <a:off x="13916148" y="11049000"/>
+            <a:ext cx="3603158" cy="0"/>
+          </a:xfrm>
+          <a:prstGeom prst="straightConnector1">
+            <a:avLst/>
+          </a:prstGeom>
+          <a:ln w="25400">
+            <a:solidFill>
+              <a:schemeClr val="tx1"/>
+            </a:solidFill>
+            <a:tailEnd type="triangle"/>
+          </a:ln>
+        </p:spPr>
+        <p:style>
+          <a:lnRef idx="1">
+            <a:schemeClr val="accent1"/>
+          </a:lnRef>
+          <a:fillRef idx="0">
+            <a:schemeClr val="accent1"/>
+          </a:fillRef>
+          <a:effectRef idx="0">
+            <a:schemeClr val="accent1"/>
+          </a:effectRef>
+          <a:fontRef idx="minor">
+            <a:schemeClr val="tx1"/>
+          </a:fontRef>
+        </p:style>
+      </p:cxnSp>
+    </p:spTree>
+    <p:extLst>
+      <p:ext uri="{BB962C8B-B14F-4D97-AF65-F5344CB8AC3E}">
+        <p14:creationId xmlns:p14="http://schemas.microsoft.com/office/powerpoint/2010/main" val="2810661466"/>
+      </p:ext>
+    </p:extLst>
+  </p:cSld>
+  <p:clrMapOvr>
+    <a:masterClrMapping/>
+  </p:clrMapOvr>
+</p:sld>
+</file>
+
+<file path=ppt/slides/slide8.xml><?xml version="1.0" encoding="utf-8"?>
+<p:sld xmlns:a="http://schemas.openxmlformats.org/drawingml/2006/main" xmlns:r="http://schemas.openxmlformats.org/officeDocument/2006/relationships" xmlns:p="http://schemas.openxmlformats.org/presentationml/2006/main">
+  <p:cSld>
+    <p:spTree>
+      <p:nvGrpSpPr>
+        <p:cNvPr id="1" name=""/>
+        <p:cNvGrpSpPr/>
+        <p:nvPr/>
+      </p:nvGrpSpPr>
+      <p:grpSpPr>
+        <a:xfrm>
+          <a:off x="0" y="0"/>
+          <a:ext cx="0" cy="0"/>
+          <a:chOff x="0" y="0"/>
+          <a:chExt cx="0" cy="0"/>
+        </a:xfrm>
+      </p:grpSpPr>
+      <p:sp>
+        <p:nvSpPr>
+          <p:cNvPr id="4" name="사각형: 둥근 모서리 3">
+            <a:extLst>
+              <a:ext uri="{FF2B5EF4-FFF2-40B4-BE49-F238E27FC236}">
+                <a16:creationId xmlns:a16="http://schemas.microsoft.com/office/drawing/2014/main" id="{22F757B7-8599-11DB-D3BE-483CC114D558}"/>
+              </a:ext>
+            </a:extLst>
+          </p:cNvPr>
+          <p:cNvSpPr/>
+          <p:nvPr/>
+        </p:nvSpPr>
+        <p:spPr>
+          <a:xfrm>
+            <a:off x="4195466" y="3294034"/>
+            <a:ext cx="2497729" cy="1003507"/>
+          </a:xfrm>
+          <a:prstGeom prst="roundRect">
+            <a:avLst/>
+          </a:prstGeom>
+          <a:solidFill>
+            <a:schemeClr val="accent1">
+              <a:lumMod val="20000"/>
+              <a:lumOff val="80000"/>
+            </a:schemeClr>
+          </a:solidFill>
+          <a:ln>
+            <a:solidFill>
+              <a:schemeClr val="tx1"/>
+            </a:solidFill>
+          </a:ln>
+        </p:spPr>
+        <p:style>
+          <a:lnRef idx="2">
+            <a:schemeClr val="accent1">
+              <a:shade val="50000"/>
+            </a:schemeClr>
+          </a:lnRef>
+          <a:fillRef idx="1">
+            <a:schemeClr val="accent1"/>
+          </a:fillRef>
+          <a:effectRef idx="0">
+            <a:schemeClr val="accent1"/>
+          </a:effectRef>
+          <a:fontRef idx="minor">
+            <a:schemeClr val="lt1"/>
+          </a:fontRef>
+        </p:style>
+        <p:txBody>
+          <a:bodyPr rtlCol="0" anchor="ctr"/>
+          <a:lstStyle/>
+          <a:p>
+            <a:pPr algn="ctr"/>
+            <a:r>
+              <a:rPr lang="en-US" altLang="ko-KR" b="1">
+                <a:solidFill>
+                  <a:schemeClr val="tx1"/>
+                </a:solidFill>
+              </a:rPr>
+              <a:t>uncked</a:t>
+            </a:r>
+            <a:endParaRPr lang="ko-KR" altLang="en-US" b="1">
+              <a:solidFill>
+                <a:schemeClr val="tx1"/>
+              </a:solidFill>
+            </a:endParaRPr>
+          </a:p>
+        </p:txBody>
+      </p:sp>
+      <p:cxnSp>
+        <p:nvCxnSpPr>
+          <p:cNvPr id="6" name="직선 화살표 연결선 5">
+            <a:extLst>
+              <a:ext uri="{FF2B5EF4-FFF2-40B4-BE49-F238E27FC236}">
+                <a16:creationId xmlns:a16="http://schemas.microsoft.com/office/drawing/2014/main" id="{688B6083-D1C6-B532-A218-7F860BAB821D}"/>
+              </a:ext>
+            </a:extLst>
+          </p:cNvPr>
+          <p:cNvCxnSpPr/>
+          <p:nvPr/>
+        </p:nvCxnSpPr>
+        <p:spPr>
+          <a:xfrm>
+            <a:off x="1213041" y="3795787"/>
+            <a:ext cx="2982425" cy="0"/>
+          </a:xfrm>
+          <a:prstGeom prst="straightConnector1">
+            <a:avLst/>
+          </a:prstGeom>
+          <a:ln>
+            <a:tailEnd type="triangle"/>
+          </a:ln>
+        </p:spPr>
+        <p:style>
+          <a:lnRef idx="1">
+            <a:schemeClr val="accent1"/>
+          </a:lnRef>
+          <a:fillRef idx="0">
+            <a:schemeClr val="accent1"/>
+          </a:fillRef>
+          <a:effectRef idx="0">
+            <a:schemeClr val="accent1"/>
+          </a:effectRef>
+          <a:fontRef idx="minor">
+            <a:schemeClr val="tx1"/>
+          </a:fontRef>
+        </p:style>
+      </p:cxnSp>
+      <p:sp>
+        <p:nvSpPr>
+          <p:cNvPr id="7" name="TextBox 6">
+            <a:extLst>
+              <a:ext uri="{FF2B5EF4-FFF2-40B4-BE49-F238E27FC236}">
+                <a16:creationId xmlns:a16="http://schemas.microsoft.com/office/drawing/2014/main" id="{F055A8E5-8535-73E9-3B7F-C8BA67E25A8C}"/>
+              </a:ext>
+            </a:extLst>
+          </p:cNvPr>
+          <p:cNvSpPr txBox="1"/>
+          <p:nvPr/>
+        </p:nvSpPr>
+        <p:spPr>
+          <a:xfrm>
+            <a:off x="2152841" y="3008347"/>
+            <a:ext cx="1854200" cy="369332"/>
+          </a:xfrm>
+          <a:prstGeom prst="rect">
+            <a:avLst/>
+          </a:prstGeom>
+          <a:noFill/>
+        </p:spPr>
+        <p:txBody>
+          <a:bodyPr wrap="square" rtlCol="0">
+            <a:spAutoFit/>
+          </a:bodyPr>
+          <a:lstStyle/>
+          <a:p>
+            <a:r>
+              <a:rPr lang="ko-KR" altLang="en-US"/>
+              <a:t>파일 변경</a:t>
+            </a:r>
+          </a:p>
+        </p:txBody>
+      </p:sp>
+      <p:sp>
+        <p:nvSpPr>
+          <p:cNvPr id="8" name="사각형: 둥근 모서리 7">
+            <a:extLst>
+              <a:ext uri="{FF2B5EF4-FFF2-40B4-BE49-F238E27FC236}">
+                <a16:creationId xmlns:a16="http://schemas.microsoft.com/office/drawing/2014/main" id="{A6F3D6B1-7A9E-928B-5D4F-614FAB60EC10}"/>
+              </a:ext>
+            </a:extLst>
+          </p:cNvPr>
+          <p:cNvSpPr/>
+          <p:nvPr/>
+        </p:nvSpPr>
+        <p:spPr>
+          <a:xfrm>
+            <a:off x="8426755" y="3303624"/>
+            <a:ext cx="2497729" cy="1003507"/>
+          </a:xfrm>
+          <a:prstGeom prst="roundRect">
+            <a:avLst/>
+          </a:prstGeom>
+          <a:solidFill>
+            <a:schemeClr val="accent1">
+              <a:lumMod val="20000"/>
+              <a:lumOff val="80000"/>
+            </a:schemeClr>
+          </a:solidFill>
+          <a:ln>
+            <a:solidFill>
+              <a:schemeClr val="tx1"/>
+            </a:solidFill>
+          </a:ln>
+        </p:spPr>
+        <p:style>
+          <a:lnRef idx="2">
+            <a:schemeClr val="accent1">
+              <a:shade val="50000"/>
+            </a:schemeClr>
+          </a:lnRef>
+          <a:fillRef idx="1">
+            <a:schemeClr val="accent1"/>
+          </a:fillRef>
+          <a:effectRef idx="0">
+            <a:schemeClr val="accent1"/>
+          </a:effectRef>
+          <a:fontRef idx="minor">
+            <a:schemeClr val="lt1"/>
+          </a:fontRef>
+        </p:style>
+        <p:txBody>
+          <a:bodyPr rtlCol="0" anchor="ctr"/>
+          <a:lstStyle/>
+          <a:p>
+            <a:pPr algn="ctr"/>
+            <a:r>
+              <a:rPr lang="en-US" altLang="ko-KR" b="1">
+                <a:solidFill>
+                  <a:schemeClr val="tx1"/>
+                </a:solidFill>
+              </a:rPr>
+              <a:t>changes</a:t>
+            </a:r>
+            <a:endParaRPr lang="ko-KR" altLang="en-US" b="1">
+              <a:solidFill>
+                <a:schemeClr val="tx1"/>
+              </a:solidFill>
+            </a:endParaRPr>
+          </a:p>
+        </p:txBody>
+      </p:sp>
+      <p:cxnSp>
+        <p:nvCxnSpPr>
+          <p:cNvPr id="9" name="직선 화살표 연결선 8">
+            <a:extLst>
+              <a:ext uri="{FF2B5EF4-FFF2-40B4-BE49-F238E27FC236}">
+                <a16:creationId xmlns:a16="http://schemas.microsoft.com/office/drawing/2014/main" id="{6D827996-2C77-B428-CEFC-34D61D8C300E}"/>
+              </a:ext>
+            </a:extLst>
+          </p:cNvPr>
+          <p:cNvCxnSpPr>
+            <a:cxnSpLocks/>
+            <a:stCxn id="4" idx="3"/>
+            <a:endCxn id="8" idx="1"/>
+          </p:cNvCxnSpPr>
+          <p:nvPr/>
+        </p:nvCxnSpPr>
+        <p:spPr>
+          <a:xfrm>
+            <a:off x="6693195" y="3795788"/>
+            <a:ext cx="1733560" cy="9590"/>
+          </a:xfrm>
+          <a:prstGeom prst="straightConnector1">
+            <a:avLst/>
+          </a:prstGeom>
+          <a:ln>
+            <a:tailEnd type="triangle"/>
+          </a:ln>
+        </p:spPr>
+        <p:style>
+          <a:lnRef idx="1">
+            <a:schemeClr val="accent1"/>
+          </a:lnRef>
+          <a:fillRef idx="0">
+            <a:schemeClr val="accent1"/>
+          </a:fillRef>
+          <a:effectRef idx="0">
+            <a:schemeClr val="accent1"/>
+          </a:effectRef>
+          <a:fontRef idx="minor">
+            <a:schemeClr val="tx1"/>
+          </a:fontRef>
+        </p:style>
+      </p:cxnSp>
+      <p:sp>
+        <p:nvSpPr>
+          <p:cNvPr id="10" name="TextBox 9">
+            <a:extLst>
+              <a:ext uri="{FF2B5EF4-FFF2-40B4-BE49-F238E27FC236}">
+                <a16:creationId xmlns:a16="http://schemas.microsoft.com/office/drawing/2014/main" id="{70BF02F1-18EB-7208-24B8-5CEB8F6F1E8A}"/>
+              </a:ext>
+            </a:extLst>
+          </p:cNvPr>
+          <p:cNvSpPr txBox="1"/>
+          <p:nvPr/>
+        </p:nvSpPr>
+        <p:spPr>
+          <a:xfrm>
+            <a:off x="7243466" y="3281197"/>
+            <a:ext cx="1854200" cy="369332"/>
+          </a:xfrm>
+          <a:prstGeom prst="rect">
+            <a:avLst/>
+          </a:prstGeom>
+          <a:noFill/>
+        </p:spPr>
+        <p:txBody>
+          <a:bodyPr wrap="square" rtlCol="0">
+            <a:spAutoFit/>
+          </a:bodyPr>
+          <a:lstStyle/>
+          <a:p>
+            <a:r>
+              <a:rPr lang="en-US" altLang="ko-KR"/>
+              <a:t>add</a:t>
+            </a:r>
+            <a:endParaRPr lang="ko-KR" altLang="en-US"/>
+          </a:p>
+        </p:txBody>
+      </p:sp>
+      <p:sp>
+        <p:nvSpPr>
+          <p:cNvPr id="15" name="사각형: 둥근 모서리 14">
+            <a:extLst>
+              <a:ext uri="{FF2B5EF4-FFF2-40B4-BE49-F238E27FC236}">
+                <a16:creationId xmlns:a16="http://schemas.microsoft.com/office/drawing/2014/main" id="{5F6B2D26-11EE-8D24-5CDF-05551DA6F0F8}"/>
+              </a:ext>
+            </a:extLst>
+          </p:cNvPr>
+          <p:cNvSpPr/>
+          <p:nvPr/>
+        </p:nvSpPr>
+        <p:spPr>
+          <a:xfrm>
+            <a:off x="12268515" y="3303624"/>
+            <a:ext cx="2497729" cy="1003507"/>
+          </a:xfrm>
+          <a:prstGeom prst="roundRect">
+            <a:avLst/>
+          </a:prstGeom>
+          <a:solidFill>
+            <a:schemeClr val="accent1">
+              <a:lumMod val="20000"/>
+              <a:lumOff val="80000"/>
+            </a:schemeClr>
+          </a:solidFill>
+          <a:ln>
+            <a:solidFill>
+              <a:schemeClr val="tx1"/>
+            </a:solidFill>
+          </a:ln>
+        </p:spPr>
+        <p:style>
+          <a:lnRef idx="2">
+            <a:schemeClr val="accent1">
+              <a:shade val="50000"/>
+            </a:schemeClr>
+          </a:lnRef>
+          <a:fillRef idx="1">
+            <a:schemeClr val="accent1"/>
+          </a:fillRef>
+          <a:effectRef idx="0">
+            <a:schemeClr val="accent1"/>
+          </a:effectRef>
+          <a:fontRef idx="minor">
+            <a:schemeClr val="lt1"/>
+          </a:fontRef>
+        </p:style>
+        <p:txBody>
+          <a:bodyPr rtlCol="0" anchor="ctr"/>
+          <a:lstStyle/>
+          <a:p>
+            <a:pPr algn="ctr"/>
+            <a:r>
+              <a:rPr lang="en-US" altLang="ko-KR" b="1">
+                <a:solidFill>
+                  <a:schemeClr val="tx1"/>
+                </a:solidFill>
+              </a:rPr>
+              <a:t>staging area</a:t>
+            </a:r>
+            <a:endParaRPr lang="ko-KR" altLang="en-US" b="1">
+              <a:solidFill>
+                <a:schemeClr val="tx1"/>
+              </a:solidFill>
+            </a:endParaRPr>
+          </a:p>
+        </p:txBody>
+      </p:sp>
+      <p:cxnSp>
+        <p:nvCxnSpPr>
+          <p:cNvPr id="16" name="직선 화살표 연결선 15">
+            <a:extLst>
+              <a:ext uri="{FF2B5EF4-FFF2-40B4-BE49-F238E27FC236}">
+                <a16:creationId xmlns:a16="http://schemas.microsoft.com/office/drawing/2014/main" id="{6E7B4EF0-BDC6-16D3-8B32-F2A464515E9E}"/>
+              </a:ext>
+            </a:extLst>
+          </p:cNvPr>
+          <p:cNvCxnSpPr>
+            <a:cxnSpLocks/>
+            <a:stCxn id="8" idx="3"/>
+            <a:endCxn id="15" idx="1"/>
+          </p:cNvCxnSpPr>
+          <p:nvPr/>
+        </p:nvCxnSpPr>
+        <p:spPr>
+          <a:xfrm>
+            <a:off x="10924484" y="3805378"/>
+            <a:ext cx="1344031" cy="0"/>
+          </a:xfrm>
+          <a:prstGeom prst="straightConnector1">
+            <a:avLst/>
+          </a:prstGeom>
+          <a:ln>
+            <a:tailEnd type="triangle"/>
+          </a:ln>
+        </p:spPr>
+        <p:style>
+          <a:lnRef idx="1">
+            <a:schemeClr val="accent1"/>
+          </a:lnRef>
+          <a:fillRef idx="0">
+            <a:schemeClr val="accent1"/>
+          </a:fillRef>
+          <a:effectRef idx="0">
+            <a:schemeClr val="accent1"/>
+          </a:effectRef>
+          <a:fontRef idx="minor">
+            <a:schemeClr val="tx1"/>
+          </a:fontRef>
+        </p:style>
+      </p:cxnSp>
+      <p:sp>
+        <p:nvSpPr>
+          <p:cNvPr id="17" name="TextBox 16">
+            <a:extLst>
+              <a:ext uri="{FF2B5EF4-FFF2-40B4-BE49-F238E27FC236}">
+                <a16:creationId xmlns:a16="http://schemas.microsoft.com/office/drawing/2014/main" id="{DF13C761-CC8D-65D0-DD9A-C868550EFFAA}"/>
+              </a:ext>
+            </a:extLst>
+          </p:cNvPr>
+          <p:cNvSpPr txBox="1"/>
+          <p:nvPr/>
+        </p:nvSpPr>
+        <p:spPr>
+          <a:xfrm>
+            <a:off x="11341415" y="3305248"/>
+            <a:ext cx="1854200" cy="369332"/>
+          </a:xfrm>
+          <a:prstGeom prst="rect">
+            <a:avLst/>
+          </a:prstGeom>
+          <a:noFill/>
+        </p:spPr>
+        <p:txBody>
+          <a:bodyPr wrap="square" rtlCol="0">
+            <a:spAutoFit/>
+          </a:bodyPr>
+          <a:lstStyle/>
+          <a:p>
+            <a:r>
+              <a:rPr lang="en-US" altLang="ko-KR"/>
+              <a:t>add</a:t>
+            </a:r>
+            <a:endParaRPr lang="ko-KR" altLang="en-US"/>
+          </a:p>
+        </p:txBody>
+      </p:sp>
+      <p:cxnSp>
+        <p:nvCxnSpPr>
+          <p:cNvPr id="22" name="연결선: 꺾임 21">
+            <a:extLst>
+              <a:ext uri="{FF2B5EF4-FFF2-40B4-BE49-F238E27FC236}">
+                <a16:creationId xmlns:a16="http://schemas.microsoft.com/office/drawing/2014/main" id="{F746A7EB-259E-4888-8368-BBA37CC945E5}"/>
+              </a:ext>
+            </a:extLst>
+          </p:cNvPr>
+          <p:cNvCxnSpPr>
+            <a:cxnSpLocks/>
+            <a:stCxn id="8" idx="2"/>
+            <a:endCxn id="4" idx="2"/>
+          </p:cNvCxnSpPr>
+          <p:nvPr/>
+        </p:nvCxnSpPr>
+        <p:spPr>
+          <a:xfrm rot="5400000" flipH="1">
+            <a:off x="7555181" y="2186692"/>
+            <a:ext cx="9590" cy="4231289"/>
+          </a:xfrm>
+          <a:prstGeom prst="bentConnector3">
+            <a:avLst>
+              <a:gd name="adj1" fmla="val -8475516"/>
+            </a:avLst>
+          </a:prstGeom>
+          <a:ln>
+            <a:tailEnd type="triangle"/>
+          </a:ln>
+        </p:spPr>
+        <p:style>
+          <a:lnRef idx="1">
+            <a:schemeClr val="accent1"/>
+          </a:lnRef>
+          <a:fillRef idx="0">
+            <a:schemeClr val="accent1"/>
+          </a:fillRef>
+          <a:effectRef idx="0">
+            <a:schemeClr val="accent1"/>
+          </a:effectRef>
+          <a:fontRef idx="minor">
+            <a:schemeClr val="tx1"/>
+          </a:fontRef>
+        </p:style>
+      </p:cxnSp>
+      <p:sp>
+        <p:nvSpPr>
+          <p:cNvPr id="26" name="TextBox 25">
+            <a:extLst>
+              <a:ext uri="{FF2B5EF4-FFF2-40B4-BE49-F238E27FC236}">
+                <a16:creationId xmlns:a16="http://schemas.microsoft.com/office/drawing/2014/main" id="{24F8C7B3-DED1-9F35-E204-E8B63C4A5701}"/>
+              </a:ext>
+            </a:extLst>
+          </p:cNvPr>
+          <p:cNvSpPr txBox="1"/>
+          <p:nvPr/>
+        </p:nvSpPr>
+        <p:spPr>
+          <a:xfrm>
+            <a:off x="6693195" y="5291458"/>
+            <a:ext cx="1854200" cy="369332"/>
+          </a:xfrm>
+          <a:prstGeom prst="rect">
+            <a:avLst/>
+          </a:prstGeom>
+          <a:noFill/>
+        </p:spPr>
+        <p:txBody>
+          <a:bodyPr wrap="square" rtlCol="0">
+            <a:spAutoFit/>
+          </a:bodyPr>
+          <a:lstStyle/>
+          <a:p>
+            <a:r>
+              <a:rPr lang="en-US" altLang="ko-KR"/>
+              <a:t>reset HEAD</a:t>
+            </a:r>
+            <a:endParaRPr lang="ko-KR" altLang="en-US"/>
+          </a:p>
+        </p:txBody>
+      </p:sp>
+    </p:spTree>
+    <p:extLst>
+      <p:ext uri="{BB962C8B-B14F-4D97-AF65-F5344CB8AC3E}">
+        <p14:creationId xmlns:p14="http://schemas.microsoft.com/office/powerpoint/2010/main" val="487494850"/>
+      </p:ext>
+    </p:extLst>
+  </p:cSld>
+  <p:clrMapOvr>
+    <a:masterClrMapping/>
+  </p:clrMapOvr>
+</p:sld>
+</file>
+
 <file path=ppt/theme/theme1.xml><?xml version="1.0" encoding="utf-8"?>
 <a:theme xmlns:a="http://schemas.openxmlformats.org/drawingml/2006/main" name="Office 테마">
   <a:themeElements>

--- a/BackendKnowledge/image/BackendKnowledgeImage.pptx
+++ b/BackendKnowledge/image/BackendKnowledgeImage.pptx
@@ -13,6 +13,8 @@
     <p:sldId id="261" r:id="rId7"/>
     <p:sldId id="262" r:id="rId8"/>
     <p:sldId id="263" r:id="rId9"/>
+    <p:sldId id="264" r:id="rId10"/>
+    <p:sldId id="265" r:id="rId11"/>
   </p:sldIdLst>
   <p:sldSz cx="21912263" cy="14417675"/>
   <p:notesSz cx="6858000" cy="9144000"/>
@@ -250,7 +252,7 @@
           <a:p>
             <a:fld id="{1E49D3E3-7C22-4238-B7C9-64AF60411701}" type="datetimeFigureOut">
               <a:rPr lang="ko-KR" altLang="en-US" smtClean="0"/>
-              <a:t>2023-03-06</a:t>
+              <a:t>2023-03-07</a:t>
             </a:fld>
             <a:endParaRPr lang="ko-KR" altLang="en-US"/>
           </a:p>
@@ -420,7 +422,7 @@
           <a:p>
             <a:fld id="{1E49D3E3-7C22-4238-B7C9-64AF60411701}" type="datetimeFigureOut">
               <a:rPr lang="ko-KR" altLang="en-US" smtClean="0"/>
-              <a:t>2023-03-06</a:t>
+              <a:t>2023-03-07</a:t>
             </a:fld>
             <a:endParaRPr lang="ko-KR" altLang="en-US"/>
           </a:p>
@@ -600,7 +602,7 @@
           <a:p>
             <a:fld id="{1E49D3E3-7C22-4238-B7C9-64AF60411701}" type="datetimeFigureOut">
               <a:rPr lang="ko-KR" altLang="en-US" smtClean="0"/>
-              <a:t>2023-03-06</a:t>
+              <a:t>2023-03-07</a:t>
             </a:fld>
             <a:endParaRPr lang="ko-KR" altLang="en-US"/>
           </a:p>
@@ -770,7 +772,7 @@
           <a:p>
             <a:fld id="{1E49D3E3-7C22-4238-B7C9-64AF60411701}" type="datetimeFigureOut">
               <a:rPr lang="ko-KR" altLang="en-US" smtClean="0"/>
-              <a:t>2023-03-06</a:t>
+              <a:t>2023-03-07</a:t>
             </a:fld>
             <a:endParaRPr lang="ko-KR" altLang="en-US"/>
           </a:p>
@@ -1014,7 +1016,7 @@
           <a:p>
             <a:fld id="{1E49D3E3-7C22-4238-B7C9-64AF60411701}" type="datetimeFigureOut">
               <a:rPr lang="ko-KR" altLang="en-US" smtClean="0"/>
-              <a:t>2023-03-06</a:t>
+              <a:t>2023-03-07</a:t>
             </a:fld>
             <a:endParaRPr lang="ko-KR" altLang="en-US"/>
           </a:p>
@@ -1246,7 +1248,7 @@
           <a:p>
             <a:fld id="{1E49D3E3-7C22-4238-B7C9-64AF60411701}" type="datetimeFigureOut">
               <a:rPr lang="ko-KR" altLang="en-US" smtClean="0"/>
-              <a:t>2023-03-06</a:t>
+              <a:t>2023-03-07</a:t>
             </a:fld>
             <a:endParaRPr lang="ko-KR" altLang="en-US"/>
           </a:p>
@@ -1613,7 +1615,7 @@
           <a:p>
             <a:fld id="{1E49D3E3-7C22-4238-B7C9-64AF60411701}" type="datetimeFigureOut">
               <a:rPr lang="ko-KR" altLang="en-US" smtClean="0"/>
-              <a:t>2023-03-06</a:t>
+              <a:t>2023-03-07</a:t>
             </a:fld>
             <a:endParaRPr lang="ko-KR" altLang="en-US"/>
           </a:p>
@@ -1731,7 +1733,7 @@
           <a:p>
             <a:fld id="{1E49D3E3-7C22-4238-B7C9-64AF60411701}" type="datetimeFigureOut">
               <a:rPr lang="ko-KR" altLang="en-US" smtClean="0"/>
-              <a:t>2023-03-06</a:t>
+              <a:t>2023-03-07</a:t>
             </a:fld>
             <a:endParaRPr lang="ko-KR" altLang="en-US"/>
           </a:p>
@@ -1826,7 +1828,7 @@
           <a:p>
             <a:fld id="{1E49D3E3-7C22-4238-B7C9-64AF60411701}" type="datetimeFigureOut">
               <a:rPr lang="ko-KR" altLang="en-US" smtClean="0"/>
-              <a:t>2023-03-06</a:t>
+              <a:t>2023-03-07</a:t>
             </a:fld>
             <a:endParaRPr lang="ko-KR" altLang="en-US"/>
           </a:p>
@@ -2103,7 +2105,7 @@
           <a:p>
             <a:fld id="{1E49D3E3-7C22-4238-B7C9-64AF60411701}" type="datetimeFigureOut">
               <a:rPr lang="ko-KR" altLang="en-US" smtClean="0"/>
-              <a:t>2023-03-06</a:t>
+              <a:t>2023-03-07</a:t>
             </a:fld>
             <a:endParaRPr lang="ko-KR" altLang="en-US"/>
           </a:p>
@@ -2360,7 +2362,7 @@
           <a:p>
             <a:fld id="{1E49D3E3-7C22-4238-B7C9-64AF60411701}" type="datetimeFigureOut">
               <a:rPr lang="ko-KR" altLang="en-US" smtClean="0"/>
-              <a:t>2023-03-06</a:t>
+              <a:t>2023-03-07</a:t>
             </a:fld>
             <a:endParaRPr lang="ko-KR" altLang="en-US"/>
           </a:p>
@@ -2573,7 +2575,7 @@
           <a:p>
             <a:fld id="{1E49D3E3-7C22-4238-B7C9-64AF60411701}" type="datetimeFigureOut">
               <a:rPr lang="ko-KR" altLang="en-US" smtClean="0"/>
-              <a:t>2023-03-06</a:t>
+              <a:t>2023-03-07</a:t>
             </a:fld>
             <a:endParaRPr lang="ko-KR" altLang="en-US"/>
           </a:p>
@@ -2992,7 +2994,7 @@
         </p:nvSpPr>
         <p:spPr>
           <a:xfrm>
-            <a:off x="1607834" y="3644641"/>
+            <a:off x="966812" y="2202340"/>
             <a:ext cx="1194099" cy="505609"/>
           </a:xfrm>
           <a:prstGeom prst="roundRect">
@@ -3061,7 +3063,7 @@
         </p:nvSpPr>
         <p:spPr>
           <a:xfrm>
-            <a:off x="3018879" y="3644641"/>
+            <a:off x="2377857" y="2202340"/>
             <a:ext cx="1194099" cy="505609"/>
           </a:xfrm>
           <a:prstGeom prst="roundRect">
@@ -3116,10 +3118,980 @@
           </a:p>
         </p:txBody>
       </p:sp>
+      <p:sp>
+        <p:nvSpPr>
+          <p:cNvPr id="2" name="다이아몬드 1">
+            <a:extLst>
+              <a:ext uri="{FF2B5EF4-FFF2-40B4-BE49-F238E27FC236}">
+                <a16:creationId xmlns:a16="http://schemas.microsoft.com/office/drawing/2014/main" id="{AAB6C7E6-EF3D-10A1-F6D2-77717D36877E}"/>
+              </a:ext>
+            </a:extLst>
+          </p:cNvPr>
+          <p:cNvSpPr/>
+          <p:nvPr/>
+        </p:nvSpPr>
+        <p:spPr>
+          <a:xfrm>
+            <a:off x="4072379" y="1960776"/>
+            <a:ext cx="1194099" cy="1121789"/>
+          </a:xfrm>
+          <a:prstGeom prst="diamond">
+            <a:avLst/>
+          </a:prstGeom>
+          <a:solidFill>
+            <a:schemeClr val="accent4">
+              <a:lumMod val="20000"/>
+              <a:lumOff val="80000"/>
+            </a:schemeClr>
+          </a:solidFill>
+          <a:ln>
+            <a:solidFill>
+              <a:schemeClr val="accent4">
+                <a:lumMod val="75000"/>
+              </a:schemeClr>
+            </a:solidFill>
+          </a:ln>
+        </p:spPr>
+        <p:style>
+          <a:lnRef idx="2">
+            <a:schemeClr val="accent1">
+              <a:shade val="50000"/>
+            </a:schemeClr>
+          </a:lnRef>
+          <a:fillRef idx="1">
+            <a:schemeClr val="accent1"/>
+          </a:fillRef>
+          <a:effectRef idx="0">
+            <a:schemeClr val="accent1"/>
+          </a:effectRef>
+          <a:fontRef idx="minor">
+            <a:schemeClr val="lt1"/>
+          </a:fontRef>
+        </p:style>
+        <p:txBody>
+          <a:bodyPr rtlCol="0" anchor="ctr"/>
+          <a:lstStyle/>
+          <a:p>
+            <a:pPr algn="ctr"/>
+            <a:endParaRPr lang="ko-KR" altLang="en-US"/>
+          </a:p>
+        </p:txBody>
+      </p:sp>
+      <p:cxnSp>
+        <p:nvCxnSpPr>
+          <p:cNvPr id="8" name="직선 화살표 연결선 7">
+            <a:extLst>
+              <a:ext uri="{FF2B5EF4-FFF2-40B4-BE49-F238E27FC236}">
+                <a16:creationId xmlns:a16="http://schemas.microsoft.com/office/drawing/2014/main" id="{F0D63179-F53D-2E92-D6B5-16E54A092AFD}"/>
+              </a:ext>
+            </a:extLst>
+          </p:cNvPr>
+          <p:cNvCxnSpPr>
+            <a:stCxn id="2" idx="3"/>
+          </p:cNvCxnSpPr>
+          <p:nvPr/>
+        </p:nvCxnSpPr>
+        <p:spPr>
+          <a:xfrm flipV="1">
+            <a:off x="5266478" y="2521670"/>
+            <a:ext cx="700689" cy="1"/>
+          </a:xfrm>
+          <a:prstGeom prst="straightConnector1">
+            <a:avLst/>
+          </a:prstGeom>
+          <a:ln w="25400">
+            <a:solidFill>
+              <a:schemeClr val="tx1"/>
+            </a:solidFill>
+            <a:tailEnd type="triangle"/>
+          </a:ln>
+        </p:spPr>
+        <p:style>
+          <a:lnRef idx="1">
+            <a:schemeClr val="accent1"/>
+          </a:lnRef>
+          <a:fillRef idx="0">
+            <a:schemeClr val="accent1"/>
+          </a:fillRef>
+          <a:effectRef idx="0">
+            <a:schemeClr val="accent1"/>
+          </a:effectRef>
+          <a:fontRef idx="minor">
+            <a:schemeClr val="tx1"/>
+          </a:fontRef>
+        </p:style>
+      </p:cxnSp>
+      <p:cxnSp>
+        <p:nvCxnSpPr>
+          <p:cNvPr id="10" name="직선 화살표 연결선 9">
+            <a:extLst>
+              <a:ext uri="{FF2B5EF4-FFF2-40B4-BE49-F238E27FC236}">
+                <a16:creationId xmlns:a16="http://schemas.microsoft.com/office/drawing/2014/main" id="{17E38308-8837-2904-0D28-A305EFC23FC8}"/>
+              </a:ext>
+            </a:extLst>
+          </p:cNvPr>
+          <p:cNvCxnSpPr>
+            <a:stCxn id="2" idx="2"/>
+          </p:cNvCxnSpPr>
+          <p:nvPr/>
+        </p:nvCxnSpPr>
+        <p:spPr>
+          <a:xfrm flipH="1">
+            <a:off x="4669428" y="3082565"/>
+            <a:ext cx="1" cy="659876"/>
+          </a:xfrm>
+          <a:prstGeom prst="straightConnector1">
+            <a:avLst/>
+          </a:prstGeom>
+          <a:ln w="25400">
+            <a:solidFill>
+              <a:schemeClr val="tx1"/>
+            </a:solidFill>
+            <a:tailEnd type="triangle"/>
+          </a:ln>
+        </p:spPr>
+        <p:style>
+          <a:lnRef idx="1">
+            <a:schemeClr val="accent1"/>
+          </a:lnRef>
+          <a:fillRef idx="0">
+            <a:schemeClr val="accent1"/>
+          </a:fillRef>
+          <a:effectRef idx="0">
+            <a:schemeClr val="accent1"/>
+          </a:effectRef>
+          <a:fontRef idx="minor">
+            <a:schemeClr val="tx1"/>
+          </a:fontRef>
+        </p:style>
+      </p:cxnSp>
+      <p:cxnSp>
+        <p:nvCxnSpPr>
+          <p:cNvPr id="12" name="연결선: 꺾임 11">
+            <a:extLst>
+              <a:ext uri="{FF2B5EF4-FFF2-40B4-BE49-F238E27FC236}">
+                <a16:creationId xmlns:a16="http://schemas.microsoft.com/office/drawing/2014/main" id="{7628DEE3-97FC-1182-FC8A-106976DEBD23}"/>
+              </a:ext>
+            </a:extLst>
+          </p:cNvPr>
+          <p:cNvCxnSpPr>
+            <a:cxnSpLocks/>
+            <a:stCxn id="2" idx="0"/>
+          </p:cNvCxnSpPr>
+          <p:nvPr/>
+        </p:nvCxnSpPr>
+        <p:spPr>
+          <a:xfrm rot="16200000" flipV="1">
+            <a:off x="4111667" y="1403014"/>
+            <a:ext cx="754145" cy="361380"/>
+          </a:xfrm>
+          <a:prstGeom prst="bentConnector3">
+            <a:avLst>
+              <a:gd name="adj1" fmla="val 50000"/>
+            </a:avLst>
+          </a:prstGeom>
+          <a:ln w="25400">
+            <a:solidFill>
+              <a:schemeClr val="tx1"/>
+            </a:solidFill>
+            <a:tailEnd type="triangle"/>
+          </a:ln>
+        </p:spPr>
+        <p:style>
+          <a:lnRef idx="1">
+            <a:schemeClr val="accent1"/>
+          </a:lnRef>
+          <a:fillRef idx="0">
+            <a:schemeClr val="accent1"/>
+          </a:fillRef>
+          <a:effectRef idx="0">
+            <a:schemeClr val="accent1"/>
+          </a:effectRef>
+          <a:fontRef idx="minor">
+            <a:schemeClr val="tx1"/>
+          </a:fontRef>
+        </p:style>
+      </p:cxnSp>
     </p:spTree>
     <p:extLst>
       <p:ext uri="{BB962C8B-B14F-4D97-AF65-F5344CB8AC3E}">
         <p14:creationId xmlns:p14="http://schemas.microsoft.com/office/powerpoint/2010/main" val="1215713165"/>
+      </p:ext>
+    </p:extLst>
+  </p:cSld>
+  <p:clrMapOvr>
+    <a:masterClrMapping/>
+  </p:clrMapOvr>
+</p:sld>
+</file>
+
+<file path=ppt/slides/slide10.xml><?xml version="1.0" encoding="utf-8"?>
+<p:sld xmlns:a="http://schemas.openxmlformats.org/drawingml/2006/main" xmlns:r="http://schemas.openxmlformats.org/officeDocument/2006/relationships" xmlns:p="http://schemas.openxmlformats.org/presentationml/2006/main">
+  <p:cSld>
+    <p:spTree>
+      <p:nvGrpSpPr>
+        <p:cNvPr id="1" name=""/>
+        <p:cNvGrpSpPr/>
+        <p:nvPr/>
+      </p:nvGrpSpPr>
+      <p:grpSpPr>
+        <a:xfrm>
+          <a:off x="0" y="0"/>
+          <a:ext cx="0" cy="0"/>
+          <a:chOff x="0" y="0"/>
+          <a:chExt cx="0" cy="0"/>
+        </a:xfrm>
+      </p:grpSpPr>
+      <p:sp>
+        <p:nvSpPr>
+          <p:cNvPr id="4" name="사각형: 둥근 모서리 3">
+            <a:extLst>
+              <a:ext uri="{FF2B5EF4-FFF2-40B4-BE49-F238E27FC236}">
+                <a16:creationId xmlns:a16="http://schemas.microsoft.com/office/drawing/2014/main" id="{0717D003-9F84-00F6-ED40-EF0B3C98ECB2}"/>
+              </a:ext>
+            </a:extLst>
+          </p:cNvPr>
+          <p:cNvSpPr/>
+          <p:nvPr/>
+        </p:nvSpPr>
+        <p:spPr>
+          <a:xfrm>
+            <a:off x="2101339" y="610086"/>
+            <a:ext cx="3500734" cy="973166"/>
+          </a:xfrm>
+          <a:prstGeom prst="roundRect">
+            <a:avLst/>
+          </a:prstGeom>
+          <a:solidFill>
+            <a:schemeClr val="bg2"/>
+          </a:solidFill>
+          <a:ln>
+            <a:solidFill>
+              <a:schemeClr val="tx1"/>
+            </a:solidFill>
+          </a:ln>
+        </p:spPr>
+        <p:style>
+          <a:lnRef idx="2">
+            <a:schemeClr val="accent1">
+              <a:shade val="50000"/>
+            </a:schemeClr>
+          </a:lnRef>
+          <a:fillRef idx="1">
+            <a:schemeClr val="accent1"/>
+          </a:fillRef>
+          <a:effectRef idx="0">
+            <a:schemeClr val="accent1"/>
+          </a:effectRef>
+          <a:fontRef idx="minor">
+            <a:schemeClr val="lt1"/>
+          </a:fontRef>
+        </p:style>
+        <p:txBody>
+          <a:bodyPr rtlCol="0" anchor="ctr"/>
+          <a:lstStyle/>
+          <a:p>
+            <a:pPr algn="ctr"/>
+            <a:r>
+              <a:rPr lang="en-US" altLang="ko-KR" b="1">
+                <a:solidFill>
+                  <a:schemeClr val="tx1"/>
+                </a:solidFill>
+              </a:rPr>
+              <a:t>connection.close()</a:t>
+            </a:r>
+            <a:endParaRPr lang="ko-KR" altLang="en-US" b="1">
+              <a:solidFill>
+                <a:schemeClr val="tx1"/>
+              </a:solidFill>
+            </a:endParaRPr>
+          </a:p>
+        </p:txBody>
+      </p:sp>
+      <p:sp>
+        <p:nvSpPr>
+          <p:cNvPr id="5" name="사각형: 둥근 모서리 4">
+            <a:extLst>
+              <a:ext uri="{FF2B5EF4-FFF2-40B4-BE49-F238E27FC236}">
+                <a16:creationId xmlns:a16="http://schemas.microsoft.com/office/drawing/2014/main" id="{2F4B8526-E429-8D68-E8B9-8E9BA540DF4B}"/>
+              </a:ext>
+            </a:extLst>
+          </p:cNvPr>
+          <p:cNvSpPr/>
+          <p:nvPr/>
+        </p:nvSpPr>
+        <p:spPr>
+          <a:xfrm>
+            <a:off x="1747572" y="1976780"/>
+            <a:ext cx="4208268" cy="2258033"/>
+          </a:xfrm>
+          <a:prstGeom prst="roundRect">
+            <a:avLst/>
+          </a:prstGeom>
+          <a:solidFill>
+            <a:schemeClr val="bg2"/>
+          </a:solidFill>
+          <a:ln>
+            <a:solidFill>
+              <a:schemeClr val="tx1"/>
+            </a:solidFill>
+          </a:ln>
+        </p:spPr>
+        <p:style>
+          <a:lnRef idx="2">
+            <a:schemeClr val="accent1">
+              <a:shade val="50000"/>
+            </a:schemeClr>
+          </a:lnRef>
+          <a:fillRef idx="1">
+            <a:schemeClr val="accent1"/>
+          </a:fillRef>
+          <a:effectRef idx="0">
+            <a:schemeClr val="accent1"/>
+          </a:effectRef>
+          <a:fontRef idx="minor">
+            <a:schemeClr val="lt1"/>
+          </a:fontRef>
+        </p:style>
+        <p:txBody>
+          <a:bodyPr rtlCol="0" anchor="ctr"/>
+          <a:lstStyle/>
+          <a:p>
+            <a:pPr algn="ctr"/>
+            <a:r>
+              <a:rPr lang="en-US" altLang="ko-KR" b="1">
+                <a:solidFill>
+                  <a:schemeClr val="tx1"/>
+                </a:solidFill>
+              </a:rPr>
+              <a:t>connection.openStatement.close()</a:t>
+            </a:r>
+          </a:p>
+          <a:p>
+            <a:pPr algn="ctr"/>
+            <a:r>
+              <a:rPr lang="en-US" altLang="ko-KR" b="1">
+                <a:solidFill>
+                  <a:schemeClr val="tx1"/>
+                </a:solidFill>
+              </a:rPr>
+              <a:t>connection.poolEntity.recycle()</a:t>
+            </a:r>
+          </a:p>
+          <a:p>
+            <a:pPr algn="ctr"/>
+            <a:r>
+              <a:rPr lang="en-US" altLang="ko-KR" b="1">
+                <a:solidFill>
+                  <a:schemeClr val="tx1"/>
+                </a:solidFill>
+              </a:rPr>
+              <a:t>dataSource.recycle()</a:t>
+            </a:r>
+          </a:p>
+          <a:p>
+            <a:pPr algn="ctr"/>
+            <a:r>
+              <a:rPr lang="en-US" altLang="ko-KR" b="1">
+                <a:solidFill>
+                  <a:schemeClr val="tx1"/>
+                </a:solidFill>
+              </a:rPr>
+              <a:t>dataSource.concurrentBag.requite()</a:t>
+            </a:r>
+          </a:p>
+          <a:p>
+            <a:pPr algn="ctr"/>
+            <a:r>
+              <a:rPr lang="en-US" altLang="ko-KR" b="1">
+                <a:solidFill>
+                  <a:schemeClr val="tx1"/>
+                </a:solidFill>
+              </a:rPr>
+              <a:t>poolEntity.setState(STATE_NOT_IN_USE)</a:t>
+            </a:r>
+            <a:endParaRPr lang="ko-KR" altLang="en-US" b="1">
+              <a:solidFill>
+                <a:schemeClr val="tx1"/>
+              </a:solidFill>
+            </a:endParaRPr>
+          </a:p>
+        </p:txBody>
+      </p:sp>
+      <p:sp>
+        <p:nvSpPr>
+          <p:cNvPr id="6" name="다이아몬드 5">
+            <a:extLst>
+              <a:ext uri="{FF2B5EF4-FFF2-40B4-BE49-F238E27FC236}">
+                <a16:creationId xmlns:a16="http://schemas.microsoft.com/office/drawing/2014/main" id="{05230253-BEF7-A0D7-44AF-1A0E4A6D1EFB}"/>
+              </a:ext>
+            </a:extLst>
+          </p:cNvPr>
+          <p:cNvSpPr/>
+          <p:nvPr/>
+        </p:nvSpPr>
+        <p:spPr>
+          <a:xfrm>
+            <a:off x="1403522" y="4628344"/>
+            <a:ext cx="4854804" cy="2104645"/>
+          </a:xfrm>
+          <a:prstGeom prst="diamond">
+            <a:avLst/>
+          </a:prstGeom>
+          <a:solidFill>
+            <a:schemeClr val="accent4">
+              <a:lumMod val="20000"/>
+              <a:lumOff val="80000"/>
+            </a:schemeClr>
+          </a:solidFill>
+          <a:ln>
+            <a:solidFill>
+              <a:schemeClr val="accent4">
+                <a:lumMod val="75000"/>
+              </a:schemeClr>
+            </a:solidFill>
+          </a:ln>
+        </p:spPr>
+        <p:style>
+          <a:lnRef idx="2">
+            <a:schemeClr val="accent1">
+              <a:shade val="50000"/>
+            </a:schemeClr>
+          </a:lnRef>
+          <a:fillRef idx="1">
+            <a:schemeClr val="accent1"/>
+          </a:fillRef>
+          <a:effectRef idx="0">
+            <a:schemeClr val="accent1"/>
+          </a:effectRef>
+          <a:fontRef idx="minor">
+            <a:schemeClr val="lt1"/>
+          </a:fontRef>
+        </p:style>
+        <p:txBody>
+          <a:bodyPr rtlCol="0" anchor="ctr"/>
+          <a:lstStyle/>
+          <a:p>
+            <a:pPr algn="ctr"/>
+            <a:endParaRPr lang="ko-KR" altLang="en-US"/>
+          </a:p>
+        </p:txBody>
+      </p:sp>
+      <p:cxnSp>
+        <p:nvCxnSpPr>
+          <p:cNvPr id="7" name="직선 화살표 연결선 6">
+            <a:extLst>
+              <a:ext uri="{FF2B5EF4-FFF2-40B4-BE49-F238E27FC236}">
+                <a16:creationId xmlns:a16="http://schemas.microsoft.com/office/drawing/2014/main" id="{FB9B4447-5FF9-A873-976C-3D0F1F9E6DE0}"/>
+              </a:ext>
+            </a:extLst>
+          </p:cNvPr>
+          <p:cNvCxnSpPr>
+            <a:cxnSpLocks/>
+            <a:stCxn id="6" idx="3"/>
+            <a:endCxn id="23" idx="1"/>
+          </p:cNvCxnSpPr>
+          <p:nvPr/>
+        </p:nvCxnSpPr>
+        <p:spPr>
+          <a:xfrm>
+            <a:off x="6258326" y="5680667"/>
+            <a:ext cx="707086" cy="16624"/>
+          </a:xfrm>
+          <a:prstGeom prst="straightConnector1">
+            <a:avLst/>
+          </a:prstGeom>
+          <a:ln w="25400">
+            <a:solidFill>
+              <a:schemeClr val="tx1"/>
+            </a:solidFill>
+            <a:tailEnd type="triangle"/>
+          </a:ln>
+        </p:spPr>
+        <p:style>
+          <a:lnRef idx="1">
+            <a:schemeClr val="accent1"/>
+          </a:lnRef>
+          <a:fillRef idx="0">
+            <a:schemeClr val="accent1"/>
+          </a:fillRef>
+          <a:effectRef idx="0">
+            <a:schemeClr val="accent1"/>
+          </a:effectRef>
+          <a:fontRef idx="minor">
+            <a:schemeClr val="tx1"/>
+          </a:fontRef>
+        </p:style>
+      </p:cxnSp>
+      <p:cxnSp>
+        <p:nvCxnSpPr>
+          <p:cNvPr id="8" name="직선 화살표 연결선 7">
+            <a:extLst>
+              <a:ext uri="{FF2B5EF4-FFF2-40B4-BE49-F238E27FC236}">
+                <a16:creationId xmlns:a16="http://schemas.microsoft.com/office/drawing/2014/main" id="{675A93DD-EFA3-9E8B-26A5-932D5B7B2AA0}"/>
+              </a:ext>
+            </a:extLst>
+          </p:cNvPr>
+          <p:cNvCxnSpPr>
+            <a:cxnSpLocks/>
+            <a:stCxn id="6" idx="2"/>
+          </p:cNvCxnSpPr>
+          <p:nvPr/>
+        </p:nvCxnSpPr>
+        <p:spPr>
+          <a:xfrm>
+            <a:off x="3830924" y="6732989"/>
+            <a:ext cx="0" cy="710208"/>
+          </a:xfrm>
+          <a:prstGeom prst="straightConnector1">
+            <a:avLst/>
+          </a:prstGeom>
+          <a:ln w="25400">
+            <a:solidFill>
+              <a:schemeClr val="tx1"/>
+            </a:solidFill>
+            <a:tailEnd type="triangle"/>
+          </a:ln>
+        </p:spPr>
+        <p:style>
+          <a:lnRef idx="1">
+            <a:schemeClr val="accent1"/>
+          </a:lnRef>
+          <a:fillRef idx="0">
+            <a:schemeClr val="accent1"/>
+          </a:fillRef>
+          <a:effectRef idx="0">
+            <a:schemeClr val="accent1"/>
+          </a:effectRef>
+          <a:fontRef idx="minor">
+            <a:schemeClr val="tx1"/>
+          </a:fontRef>
+        </p:style>
+      </p:cxnSp>
+      <p:sp>
+        <p:nvSpPr>
+          <p:cNvPr id="9" name="TextBox 8">
+            <a:extLst>
+              <a:ext uri="{FF2B5EF4-FFF2-40B4-BE49-F238E27FC236}">
+                <a16:creationId xmlns:a16="http://schemas.microsoft.com/office/drawing/2014/main" id="{FCEF4D25-7429-1E4C-F7D0-E25066B18542}"/>
+              </a:ext>
+            </a:extLst>
+          </p:cNvPr>
+          <p:cNvSpPr txBox="1"/>
+          <p:nvPr/>
+        </p:nvSpPr>
+        <p:spPr>
+          <a:xfrm>
+            <a:off x="6371448" y="5210708"/>
+            <a:ext cx="1792551" cy="369332"/>
+          </a:xfrm>
+          <a:prstGeom prst="rect">
+            <a:avLst/>
+          </a:prstGeom>
+          <a:noFill/>
+        </p:spPr>
+        <p:txBody>
+          <a:bodyPr wrap="square" rtlCol="0">
+            <a:spAutoFit/>
+          </a:bodyPr>
+          <a:lstStyle/>
+          <a:p>
+            <a:r>
+              <a:rPr lang="en-US" altLang="ko-KR"/>
+              <a:t>yes</a:t>
+            </a:r>
+            <a:endParaRPr lang="ko-KR" altLang="en-US"/>
+          </a:p>
+        </p:txBody>
+      </p:sp>
+      <p:sp>
+        <p:nvSpPr>
+          <p:cNvPr id="11" name="TextBox 10">
+            <a:extLst>
+              <a:ext uri="{FF2B5EF4-FFF2-40B4-BE49-F238E27FC236}">
+                <a16:creationId xmlns:a16="http://schemas.microsoft.com/office/drawing/2014/main" id="{907135C0-7058-784A-327B-91E0B29F3C43}"/>
+              </a:ext>
+            </a:extLst>
+          </p:cNvPr>
+          <p:cNvSpPr txBox="1"/>
+          <p:nvPr/>
+        </p:nvSpPr>
+        <p:spPr>
+          <a:xfrm>
+            <a:off x="2630838" y="5210708"/>
+            <a:ext cx="2778552" cy="923330"/>
+          </a:xfrm>
+          <a:prstGeom prst="rect">
+            <a:avLst/>
+          </a:prstGeom>
+          <a:noFill/>
+        </p:spPr>
+        <p:txBody>
+          <a:bodyPr wrap="square" rtlCol="0">
+            <a:spAutoFit/>
+          </a:bodyPr>
+          <a:lstStyle/>
+          <a:p>
+            <a:r>
+              <a:rPr lang="en-US" altLang="ko-KR" b="1"/>
+              <a:t>handOffQueue</a:t>
+            </a:r>
+            <a:r>
+              <a:rPr lang="ko-KR" altLang="en-US" b="1"/>
+              <a:t>에 </a:t>
+            </a:r>
+            <a:r>
+              <a:rPr lang="en-US" altLang="ko-KR" b="1"/>
+              <a:t>Connection</a:t>
+            </a:r>
+            <a:r>
+              <a:rPr lang="ko-KR" altLang="en-US" b="1"/>
+              <a:t>을 기다리는 </a:t>
+            </a:r>
+            <a:r>
+              <a:rPr lang="en-US" altLang="ko-KR" b="1"/>
+              <a:t>Thread</a:t>
+            </a:r>
+            <a:r>
+              <a:rPr lang="ko-KR" altLang="en-US" b="1"/>
+              <a:t>가 있는가</a:t>
+            </a:r>
+            <a:r>
+              <a:rPr lang="en-US" altLang="ko-KR" b="1"/>
+              <a:t>?</a:t>
+            </a:r>
+            <a:endParaRPr lang="ko-KR" altLang="en-US" b="1"/>
+          </a:p>
+        </p:txBody>
+      </p:sp>
+      <p:sp>
+        <p:nvSpPr>
+          <p:cNvPr id="16" name="사각형: 둥근 모서리 15">
+            <a:extLst>
+              <a:ext uri="{FF2B5EF4-FFF2-40B4-BE49-F238E27FC236}">
+                <a16:creationId xmlns:a16="http://schemas.microsoft.com/office/drawing/2014/main" id="{348F001B-EA9D-885F-D47A-9D4A4F89057E}"/>
+              </a:ext>
+            </a:extLst>
+          </p:cNvPr>
+          <p:cNvSpPr/>
+          <p:nvPr/>
+        </p:nvSpPr>
+        <p:spPr>
+          <a:xfrm>
+            <a:off x="2723350" y="7421868"/>
+            <a:ext cx="2215148" cy="973166"/>
+          </a:xfrm>
+          <a:prstGeom prst="roundRect">
+            <a:avLst/>
+          </a:prstGeom>
+          <a:solidFill>
+            <a:schemeClr val="bg2"/>
+          </a:solidFill>
+          <a:ln>
+            <a:solidFill>
+              <a:schemeClr val="tx1"/>
+            </a:solidFill>
+          </a:ln>
+        </p:spPr>
+        <p:style>
+          <a:lnRef idx="2">
+            <a:schemeClr val="accent1">
+              <a:shade val="50000"/>
+            </a:schemeClr>
+          </a:lnRef>
+          <a:fillRef idx="1">
+            <a:schemeClr val="accent1"/>
+          </a:fillRef>
+          <a:effectRef idx="0">
+            <a:schemeClr val="accent1"/>
+          </a:effectRef>
+          <a:fontRef idx="minor">
+            <a:schemeClr val="lt1"/>
+          </a:fontRef>
+        </p:style>
+        <p:txBody>
+          <a:bodyPr rtlCol="0" anchor="ctr"/>
+          <a:lstStyle/>
+          <a:p>
+            <a:pPr algn="ctr"/>
+            <a:r>
+              <a:rPr lang="en-US" altLang="ko-KR" b="1">
+                <a:solidFill>
+                  <a:schemeClr val="tx1"/>
+                </a:solidFill>
+              </a:rPr>
+              <a:t>Thread</a:t>
+            </a:r>
+            <a:r>
+              <a:rPr lang="ko-KR" altLang="en-US" b="1">
+                <a:solidFill>
+                  <a:schemeClr val="tx1"/>
+                </a:solidFill>
+              </a:rPr>
+              <a:t>에 사용 </a:t>
+            </a:r>
+            <a:r>
+              <a:rPr lang="en-US" altLang="ko-KR" b="1">
+                <a:solidFill>
+                  <a:schemeClr val="tx1"/>
+                </a:solidFill>
+              </a:rPr>
+              <a:t>Connection </a:t>
+            </a:r>
+            <a:r>
+              <a:rPr lang="ko-KR" altLang="en-US" b="1">
+                <a:solidFill>
+                  <a:schemeClr val="tx1"/>
+                </a:solidFill>
+              </a:rPr>
+              <a:t>정보 기록</a:t>
+            </a:r>
+          </a:p>
+        </p:txBody>
+      </p:sp>
+      <p:cxnSp>
+        <p:nvCxnSpPr>
+          <p:cNvPr id="17" name="직선 화살표 연결선 16">
+            <a:extLst>
+              <a:ext uri="{FF2B5EF4-FFF2-40B4-BE49-F238E27FC236}">
+                <a16:creationId xmlns:a16="http://schemas.microsoft.com/office/drawing/2014/main" id="{522BE989-4304-61B5-567F-EC0FA762500A}"/>
+              </a:ext>
+            </a:extLst>
+          </p:cNvPr>
+          <p:cNvCxnSpPr>
+            <a:cxnSpLocks/>
+            <a:endCxn id="6" idx="0"/>
+          </p:cNvCxnSpPr>
+          <p:nvPr/>
+        </p:nvCxnSpPr>
+        <p:spPr>
+          <a:xfrm>
+            <a:off x="3830924" y="4234815"/>
+            <a:ext cx="0" cy="393529"/>
+          </a:xfrm>
+          <a:prstGeom prst="straightConnector1">
+            <a:avLst/>
+          </a:prstGeom>
+          <a:ln w="25400">
+            <a:solidFill>
+              <a:schemeClr val="tx1"/>
+            </a:solidFill>
+            <a:tailEnd type="triangle"/>
+          </a:ln>
+        </p:spPr>
+        <p:style>
+          <a:lnRef idx="1">
+            <a:schemeClr val="accent1"/>
+          </a:lnRef>
+          <a:fillRef idx="0">
+            <a:schemeClr val="accent1"/>
+          </a:fillRef>
+          <a:effectRef idx="0">
+            <a:schemeClr val="accent1"/>
+          </a:effectRef>
+          <a:fontRef idx="minor">
+            <a:schemeClr val="tx1"/>
+          </a:fontRef>
+        </p:style>
+      </p:cxnSp>
+      <p:cxnSp>
+        <p:nvCxnSpPr>
+          <p:cNvPr id="18" name="직선 화살표 연결선 17">
+            <a:extLst>
+              <a:ext uri="{FF2B5EF4-FFF2-40B4-BE49-F238E27FC236}">
+                <a16:creationId xmlns:a16="http://schemas.microsoft.com/office/drawing/2014/main" id="{25414E32-E808-F881-BBC1-E3502C921D25}"/>
+              </a:ext>
+            </a:extLst>
+          </p:cNvPr>
+          <p:cNvCxnSpPr>
+            <a:cxnSpLocks/>
+            <a:stCxn id="4" idx="2"/>
+            <a:endCxn id="5" idx="0"/>
+          </p:cNvCxnSpPr>
+          <p:nvPr/>
+        </p:nvCxnSpPr>
+        <p:spPr>
+          <a:xfrm>
+            <a:off x="3851706" y="1583252"/>
+            <a:ext cx="0" cy="393528"/>
+          </a:xfrm>
+          <a:prstGeom prst="straightConnector1">
+            <a:avLst/>
+          </a:prstGeom>
+          <a:ln w="25400">
+            <a:solidFill>
+              <a:schemeClr val="tx1"/>
+            </a:solidFill>
+            <a:tailEnd type="triangle"/>
+          </a:ln>
+        </p:spPr>
+        <p:style>
+          <a:lnRef idx="1">
+            <a:schemeClr val="accent1"/>
+          </a:lnRef>
+          <a:fillRef idx="0">
+            <a:schemeClr val="accent1"/>
+          </a:fillRef>
+          <a:effectRef idx="0">
+            <a:schemeClr val="accent1"/>
+          </a:effectRef>
+          <a:fontRef idx="minor">
+            <a:schemeClr val="tx1"/>
+          </a:fontRef>
+        </p:style>
+      </p:cxnSp>
+      <p:cxnSp>
+        <p:nvCxnSpPr>
+          <p:cNvPr id="19" name="연결선: 꺾임 18">
+            <a:extLst>
+              <a:ext uri="{FF2B5EF4-FFF2-40B4-BE49-F238E27FC236}">
+                <a16:creationId xmlns:a16="http://schemas.microsoft.com/office/drawing/2014/main" id="{ED389A20-270B-8515-F7B1-C869B6E6EB61}"/>
+              </a:ext>
+            </a:extLst>
+          </p:cNvPr>
+          <p:cNvCxnSpPr>
+            <a:cxnSpLocks/>
+            <a:endCxn id="16" idx="3"/>
+          </p:cNvCxnSpPr>
+          <p:nvPr/>
+        </p:nvCxnSpPr>
+        <p:spPr>
+          <a:xfrm rot="10800000" flipV="1">
+            <a:off x="4938499" y="6183871"/>
+            <a:ext cx="4401615" cy="1724579"/>
+          </a:xfrm>
+          <a:prstGeom prst="bentConnector3">
+            <a:avLst>
+              <a:gd name="adj1" fmla="val -226"/>
+            </a:avLst>
+          </a:prstGeom>
+          <a:ln w="25400">
+            <a:solidFill>
+              <a:schemeClr val="tx1"/>
+            </a:solidFill>
+            <a:tailEnd type="triangle"/>
+          </a:ln>
+        </p:spPr>
+        <p:style>
+          <a:lnRef idx="1">
+            <a:schemeClr val="accent1"/>
+          </a:lnRef>
+          <a:fillRef idx="0">
+            <a:schemeClr val="accent1"/>
+          </a:fillRef>
+          <a:effectRef idx="0">
+            <a:schemeClr val="accent1"/>
+          </a:effectRef>
+          <a:fontRef idx="minor">
+            <a:schemeClr val="tx1"/>
+          </a:fontRef>
+        </p:style>
+      </p:cxnSp>
+      <p:sp>
+        <p:nvSpPr>
+          <p:cNvPr id="22" name="TextBox 21">
+            <a:extLst>
+              <a:ext uri="{FF2B5EF4-FFF2-40B4-BE49-F238E27FC236}">
+                <a16:creationId xmlns:a16="http://schemas.microsoft.com/office/drawing/2014/main" id="{C90BEB0C-1052-71F4-3AC3-DEA70ECB9ADD}"/>
+              </a:ext>
+            </a:extLst>
+          </p:cNvPr>
+          <p:cNvSpPr txBox="1"/>
+          <p:nvPr/>
+        </p:nvSpPr>
+        <p:spPr>
+          <a:xfrm>
+            <a:off x="3123838" y="6804008"/>
+            <a:ext cx="1792551" cy="369332"/>
+          </a:xfrm>
+          <a:prstGeom prst="rect">
+            <a:avLst/>
+          </a:prstGeom>
+          <a:noFill/>
+        </p:spPr>
+        <p:txBody>
+          <a:bodyPr wrap="square" rtlCol="0">
+            <a:spAutoFit/>
+          </a:bodyPr>
+          <a:lstStyle/>
+          <a:p>
+            <a:r>
+              <a:rPr lang="en-US" altLang="ko-KR"/>
+              <a:t>no</a:t>
+            </a:r>
+            <a:endParaRPr lang="ko-KR" altLang="en-US"/>
+          </a:p>
+        </p:txBody>
+      </p:sp>
+      <p:sp>
+        <p:nvSpPr>
+          <p:cNvPr id="23" name="사각형: 둥근 모서리 22">
+            <a:extLst>
+              <a:ext uri="{FF2B5EF4-FFF2-40B4-BE49-F238E27FC236}">
+                <a16:creationId xmlns:a16="http://schemas.microsoft.com/office/drawing/2014/main" id="{3DFEB1F1-B9FC-C8F1-6351-E9CD1997C438}"/>
+              </a:ext>
+            </a:extLst>
+          </p:cNvPr>
+          <p:cNvSpPr/>
+          <p:nvPr/>
+        </p:nvSpPr>
+        <p:spPr>
+          <a:xfrm>
+            <a:off x="6965412" y="5210708"/>
+            <a:ext cx="4643996" cy="973166"/>
+          </a:xfrm>
+          <a:prstGeom prst="roundRect">
+            <a:avLst/>
+          </a:prstGeom>
+          <a:solidFill>
+            <a:schemeClr val="bg2"/>
+          </a:solidFill>
+          <a:ln>
+            <a:solidFill>
+              <a:schemeClr val="tx1"/>
+            </a:solidFill>
+          </a:ln>
+        </p:spPr>
+        <p:style>
+          <a:lnRef idx="2">
+            <a:schemeClr val="accent1">
+              <a:shade val="50000"/>
+            </a:schemeClr>
+          </a:lnRef>
+          <a:fillRef idx="1">
+            <a:schemeClr val="accent1"/>
+          </a:fillRef>
+          <a:effectRef idx="0">
+            <a:schemeClr val="accent1"/>
+          </a:effectRef>
+          <a:fontRef idx="minor">
+            <a:schemeClr val="lt1"/>
+          </a:fontRef>
+        </p:style>
+        <p:txBody>
+          <a:bodyPr rtlCol="0" anchor="ctr"/>
+          <a:lstStyle/>
+          <a:p>
+            <a:r>
+              <a:rPr lang="en-US" altLang="ko-KR" b="1">
+                <a:solidFill>
+                  <a:schemeClr val="tx1"/>
+                </a:solidFill>
+              </a:rPr>
+              <a:t>dataSource.concurrentBag.offer(poolEntity)</a:t>
+            </a:r>
+            <a:endParaRPr lang="ko-KR" altLang="en-US" b="1">
+              <a:solidFill>
+                <a:schemeClr val="tx1"/>
+              </a:solidFill>
+            </a:endParaRPr>
+          </a:p>
+        </p:txBody>
+      </p:sp>
+    </p:spTree>
+    <p:extLst>
+      <p:ext uri="{BB962C8B-B14F-4D97-AF65-F5344CB8AC3E}">
+        <p14:creationId xmlns:p14="http://schemas.microsoft.com/office/powerpoint/2010/main" val="2303037805"/>
       </p:ext>
     </p:extLst>
   </p:cSld>
@@ -11877,6 +12849,1974 @@
     <p:extLst>
       <p:ext uri="{BB962C8B-B14F-4D97-AF65-F5344CB8AC3E}">
         <p14:creationId xmlns:p14="http://schemas.microsoft.com/office/powerpoint/2010/main" val="487494850"/>
+      </p:ext>
+    </p:extLst>
+  </p:cSld>
+  <p:clrMapOvr>
+    <a:masterClrMapping/>
+  </p:clrMapOvr>
+</p:sld>
+</file>
+
+<file path=ppt/slides/slide9.xml><?xml version="1.0" encoding="utf-8"?>
+<p:sld xmlns:a="http://schemas.openxmlformats.org/drawingml/2006/main" xmlns:r="http://schemas.openxmlformats.org/officeDocument/2006/relationships" xmlns:p="http://schemas.openxmlformats.org/presentationml/2006/main">
+  <p:cSld>
+    <p:spTree>
+      <p:nvGrpSpPr>
+        <p:cNvPr id="1" name=""/>
+        <p:cNvGrpSpPr/>
+        <p:nvPr/>
+      </p:nvGrpSpPr>
+      <p:grpSpPr>
+        <a:xfrm>
+          <a:off x="0" y="0"/>
+          <a:ext cx="0" cy="0"/>
+          <a:chOff x="0" y="0"/>
+          <a:chExt cx="0" cy="0"/>
+        </a:xfrm>
+      </p:grpSpPr>
+      <p:sp>
+        <p:nvSpPr>
+          <p:cNvPr id="4" name="사각형: 둥근 모서리 3">
+            <a:extLst>
+              <a:ext uri="{FF2B5EF4-FFF2-40B4-BE49-F238E27FC236}">
+                <a16:creationId xmlns:a16="http://schemas.microsoft.com/office/drawing/2014/main" id="{3908AAB0-1300-1A74-4247-C56CDAAB9E4E}"/>
+              </a:ext>
+            </a:extLst>
+          </p:cNvPr>
+          <p:cNvSpPr/>
+          <p:nvPr/>
+        </p:nvSpPr>
+        <p:spPr>
+          <a:xfrm>
+            <a:off x="2101339" y="610086"/>
+            <a:ext cx="3500734" cy="973166"/>
+          </a:xfrm>
+          <a:prstGeom prst="roundRect">
+            <a:avLst/>
+          </a:prstGeom>
+          <a:solidFill>
+            <a:schemeClr val="bg2"/>
+          </a:solidFill>
+          <a:ln>
+            <a:solidFill>
+              <a:schemeClr val="tx1"/>
+            </a:solidFill>
+          </a:ln>
+        </p:spPr>
+        <p:style>
+          <a:lnRef idx="2">
+            <a:schemeClr val="accent1">
+              <a:shade val="50000"/>
+            </a:schemeClr>
+          </a:lnRef>
+          <a:fillRef idx="1">
+            <a:schemeClr val="accent1"/>
+          </a:fillRef>
+          <a:effectRef idx="0">
+            <a:schemeClr val="accent1"/>
+          </a:effectRef>
+          <a:fontRef idx="minor">
+            <a:schemeClr val="lt1"/>
+          </a:fontRef>
+        </p:style>
+        <p:txBody>
+          <a:bodyPr rtlCol="0" anchor="ctr"/>
+          <a:lstStyle/>
+          <a:p>
+            <a:pPr algn="ctr"/>
+            <a:r>
+              <a:rPr lang="en-US" altLang="ko-KR" b="1">
+                <a:solidFill>
+                  <a:schemeClr val="tx1"/>
+                </a:solidFill>
+              </a:rPr>
+              <a:t>dataSource.getConnection()</a:t>
+            </a:r>
+            <a:endParaRPr lang="ko-KR" altLang="en-US" b="1">
+              <a:solidFill>
+                <a:schemeClr val="tx1"/>
+              </a:solidFill>
+            </a:endParaRPr>
+          </a:p>
+        </p:txBody>
+      </p:sp>
+      <p:sp>
+        <p:nvSpPr>
+          <p:cNvPr id="5" name="사각형: 둥근 모서리 4">
+            <a:extLst>
+              <a:ext uri="{FF2B5EF4-FFF2-40B4-BE49-F238E27FC236}">
+                <a16:creationId xmlns:a16="http://schemas.microsoft.com/office/drawing/2014/main" id="{492E00E2-D162-9187-B0AA-C9A0EEC104C9}"/>
+              </a:ext>
+            </a:extLst>
+          </p:cNvPr>
+          <p:cNvSpPr/>
+          <p:nvPr/>
+        </p:nvSpPr>
+        <p:spPr>
+          <a:xfrm>
+            <a:off x="1747572" y="1976781"/>
+            <a:ext cx="4208268" cy="973166"/>
+          </a:xfrm>
+          <a:prstGeom prst="roundRect">
+            <a:avLst/>
+          </a:prstGeom>
+          <a:solidFill>
+            <a:schemeClr val="bg2"/>
+          </a:solidFill>
+          <a:ln>
+            <a:solidFill>
+              <a:schemeClr val="tx1"/>
+            </a:solidFill>
+          </a:ln>
+        </p:spPr>
+        <p:style>
+          <a:lnRef idx="2">
+            <a:schemeClr val="accent1">
+              <a:shade val="50000"/>
+            </a:schemeClr>
+          </a:lnRef>
+          <a:fillRef idx="1">
+            <a:schemeClr val="accent1"/>
+          </a:fillRef>
+          <a:effectRef idx="0">
+            <a:schemeClr val="accent1"/>
+          </a:effectRef>
+          <a:fontRef idx="minor">
+            <a:schemeClr val="lt1"/>
+          </a:fontRef>
+        </p:style>
+        <p:txBody>
+          <a:bodyPr rtlCol="0" anchor="ctr"/>
+          <a:lstStyle/>
+          <a:p>
+            <a:pPr algn="ctr"/>
+            <a:r>
+              <a:rPr lang="en-US" altLang="ko-KR" b="1">
+                <a:solidFill>
+                  <a:schemeClr val="tx1"/>
+                </a:solidFill>
+              </a:rPr>
+              <a:t>dataSource.concurrentBag.borrow()</a:t>
+            </a:r>
+            <a:endParaRPr lang="ko-KR" altLang="en-US" b="1">
+              <a:solidFill>
+                <a:schemeClr val="tx1"/>
+              </a:solidFill>
+            </a:endParaRPr>
+          </a:p>
+        </p:txBody>
+      </p:sp>
+      <p:sp>
+        <p:nvSpPr>
+          <p:cNvPr id="6" name="다이아몬드 5">
+            <a:extLst>
+              <a:ext uri="{FF2B5EF4-FFF2-40B4-BE49-F238E27FC236}">
+                <a16:creationId xmlns:a16="http://schemas.microsoft.com/office/drawing/2014/main" id="{46AEE275-BE08-BBA3-3B9E-46A0CC07CD87}"/>
+              </a:ext>
+            </a:extLst>
+          </p:cNvPr>
+          <p:cNvSpPr/>
+          <p:nvPr/>
+        </p:nvSpPr>
+        <p:spPr>
+          <a:xfrm>
+            <a:off x="1424304" y="3343476"/>
+            <a:ext cx="4854804" cy="2104645"/>
+          </a:xfrm>
+          <a:prstGeom prst="diamond">
+            <a:avLst/>
+          </a:prstGeom>
+          <a:solidFill>
+            <a:schemeClr val="accent4">
+              <a:lumMod val="20000"/>
+              <a:lumOff val="80000"/>
+            </a:schemeClr>
+          </a:solidFill>
+          <a:ln>
+            <a:solidFill>
+              <a:schemeClr val="accent4">
+                <a:lumMod val="75000"/>
+              </a:schemeClr>
+            </a:solidFill>
+          </a:ln>
+        </p:spPr>
+        <p:style>
+          <a:lnRef idx="2">
+            <a:schemeClr val="accent1">
+              <a:shade val="50000"/>
+            </a:schemeClr>
+          </a:lnRef>
+          <a:fillRef idx="1">
+            <a:schemeClr val="accent1"/>
+          </a:fillRef>
+          <a:effectRef idx="0">
+            <a:schemeClr val="accent1"/>
+          </a:effectRef>
+          <a:fontRef idx="minor">
+            <a:schemeClr val="lt1"/>
+          </a:fontRef>
+        </p:style>
+        <p:txBody>
+          <a:bodyPr rtlCol="0" anchor="ctr"/>
+          <a:lstStyle/>
+          <a:p>
+            <a:pPr algn="ctr"/>
+            <a:endParaRPr lang="ko-KR" altLang="en-US"/>
+          </a:p>
+        </p:txBody>
+      </p:sp>
+      <p:cxnSp>
+        <p:nvCxnSpPr>
+          <p:cNvPr id="7" name="직선 화살표 연결선 6">
+            <a:extLst>
+              <a:ext uri="{FF2B5EF4-FFF2-40B4-BE49-F238E27FC236}">
+                <a16:creationId xmlns:a16="http://schemas.microsoft.com/office/drawing/2014/main" id="{19EAAB99-E3B7-3756-7408-30A6588EB615}"/>
+              </a:ext>
+            </a:extLst>
+          </p:cNvPr>
+          <p:cNvCxnSpPr>
+            <a:cxnSpLocks/>
+            <a:stCxn id="6" idx="3"/>
+            <a:endCxn id="20" idx="1"/>
+          </p:cNvCxnSpPr>
+          <p:nvPr/>
+        </p:nvCxnSpPr>
+        <p:spPr>
+          <a:xfrm>
+            <a:off x="6279108" y="4395799"/>
+            <a:ext cx="707086" cy="0"/>
+          </a:xfrm>
+          <a:prstGeom prst="straightConnector1">
+            <a:avLst/>
+          </a:prstGeom>
+          <a:ln w="25400">
+            <a:solidFill>
+              <a:schemeClr val="tx1"/>
+            </a:solidFill>
+            <a:tailEnd type="triangle"/>
+          </a:ln>
+        </p:spPr>
+        <p:style>
+          <a:lnRef idx="1">
+            <a:schemeClr val="accent1"/>
+          </a:lnRef>
+          <a:fillRef idx="0">
+            <a:schemeClr val="accent1"/>
+          </a:fillRef>
+          <a:effectRef idx="0">
+            <a:schemeClr val="accent1"/>
+          </a:effectRef>
+          <a:fontRef idx="minor">
+            <a:schemeClr val="tx1"/>
+          </a:fontRef>
+        </p:style>
+      </p:cxnSp>
+      <p:cxnSp>
+        <p:nvCxnSpPr>
+          <p:cNvPr id="8" name="직선 화살표 연결선 7">
+            <a:extLst>
+              <a:ext uri="{FF2B5EF4-FFF2-40B4-BE49-F238E27FC236}">
+                <a16:creationId xmlns:a16="http://schemas.microsoft.com/office/drawing/2014/main" id="{7E4A8CC5-DEB7-9533-777C-17072A31C0A1}"/>
+              </a:ext>
+            </a:extLst>
+          </p:cNvPr>
+          <p:cNvCxnSpPr>
+            <a:cxnSpLocks/>
+            <a:stCxn id="6" idx="2"/>
+            <a:endCxn id="41" idx="0"/>
+          </p:cNvCxnSpPr>
+          <p:nvPr/>
+        </p:nvCxnSpPr>
+        <p:spPr>
+          <a:xfrm>
+            <a:off x="3851706" y="5448121"/>
+            <a:ext cx="0" cy="710208"/>
+          </a:xfrm>
+          <a:prstGeom prst="straightConnector1">
+            <a:avLst/>
+          </a:prstGeom>
+          <a:ln w="25400">
+            <a:solidFill>
+              <a:schemeClr val="tx1"/>
+            </a:solidFill>
+            <a:tailEnd type="triangle"/>
+          </a:ln>
+        </p:spPr>
+        <p:style>
+          <a:lnRef idx="1">
+            <a:schemeClr val="accent1"/>
+          </a:lnRef>
+          <a:fillRef idx="0">
+            <a:schemeClr val="accent1"/>
+          </a:fillRef>
+          <a:effectRef idx="0">
+            <a:schemeClr val="accent1"/>
+          </a:effectRef>
+          <a:fontRef idx="minor">
+            <a:schemeClr val="tx1"/>
+          </a:fontRef>
+        </p:style>
+      </p:cxnSp>
+      <p:sp>
+        <p:nvSpPr>
+          <p:cNvPr id="9" name="TextBox 8">
+            <a:extLst>
+              <a:ext uri="{FF2B5EF4-FFF2-40B4-BE49-F238E27FC236}">
+                <a16:creationId xmlns:a16="http://schemas.microsoft.com/office/drawing/2014/main" id="{DD264B2D-1B9D-B210-647E-13557281BDB0}"/>
+              </a:ext>
+            </a:extLst>
+          </p:cNvPr>
+          <p:cNvSpPr txBox="1"/>
+          <p:nvPr/>
+        </p:nvSpPr>
+        <p:spPr>
+          <a:xfrm>
+            <a:off x="6392230" y="3925840"/>
+            <a:ext cx="1792551" cy="369332"/>
+          </a:xfrm>
+          <a:prstGeom prst="rect">
+            <a:avLst/>
+          </a:prstGeom>
+          <a:noFill/>
+        </p:spPr>
+        <p:txBody>
+          <a:bodyPr wrap="square" rtlCol="0">
+            <a:spAutoFit/>
+          </a:bodyPr>
+          <a:lstStyle/>
+          <a:p>
+            <a:r>
+              <a:rPr lang="en-US" altLang="ko-KR"/>
+              <a:t>yes</a:t>
+            </a:r>
+            <a:endParaRPr lang="ko-KR" altLang="en-US"/>
+          </a:p>
+        </p:txBody>
+      </p:sp>
+      <p:sp>
+        <p:nvSpPr>
+          <p:cNvPr id="10" name="TextBox 9">
+            <a:extLst>
+              <a:ext uri="{FF2B5EF4-FFF2-40B4-BE49-F238E27FC236}">
+                <a16:creationId xmlns:a16="http://schemas.microsoft.com/office/drawing/2014/main" id="{17406F86-D949-7DD3-EA26-2D5ABBBAD212}"/>
+              </a:ext>
+            </a:extLst>
+          </p:cNvPr>
+          <p:cNvSpPr txBox="1"/>
+          <p:nvPr/>
+        </p:nvSpPr>
+        <p:spPr>
+          <a:xfrm>
+            <a:off x="3134540" y="5554637"/>
+            <a:ext cx="523918" cy="369332"/>
+          </a:xfrm>
+          <a:prstGeom prst="rect">
+            <a:avLst/>
+          </a:prstGeom>
+          <a:noFill/>
+        </p:spPr>
+        <p:txBody>
+          <a:bodyPr wrap="square" rtlCol="0">
+            <a:spAutoFit/>
+          </a:bodyPr>
+          <a:lstStyle/>
+          <a:p>
+            <a:r>
+              <a:rPr lang="en-US" altLang="ko-KR"/>
+              <a:t>no</a:t>
+            </a:r>
+            <a:endParaRPr lang="ko-KR" altLang="en-US"/>
+          </a:p>
+        </p:txBody>
+      </p:sp>
+      <p:sp>
+        <p:nvSpPr>
+          <p:cNvPr id="13" name="TextBox 12">
+            <a:extLst>
+              <a:ext uri="{FF2B5EF4-FFF2-40B4-BE49-F238E27FC236}">
+                <a16:creationId xmlns:a16="http://schemas.microsoft.com/office/drawing/2014/main" id="{1BAE3E30-069B-85DA-61F6-57855919A958}"/>
+              </a:ext>
+            </a:extLst>
+          </p:cNvPr>
+          <p:cNvSpPr txBox="1"/>
+          <p:nvPr/>
+        </p:nvSpPr>
+        <p:spPr>
+          <a:xfrm>
+            <a:off x="2651620" y="3925840"/>
+            <a:ext cx="2778552" cy="923330"/>
+          </a:xfrm>
+          <a:prstGeom prst="rect">
+            <a:avLst/>
+          </a:prstGeom>
+          <a:noFill/>
+        </p:spPr>
+        <p:txBody>
+          <a:bodyPr wrap="square" rtlCol="0">
+            <a:spAutoFit/>
+          </a:bodyPr>
+          <a:lstStyle/>
+          <a:p>
+            <a:r>
+              <a:rPr lang="ko-KR" altLang="en-US" b="1"/>
+              <a:t>요청 </a:t>
+            </a:r>
+            <a:r>
+              <a:rPr lang="en-US" altLang="ko-KR" b="1"/>
+              <a:t>Thread</a:t>
+            </a:r>
+            <a:r>
+              <a:rPr lang="ko-KR" altLang="en-US" b="1"/>
+              <a:t>는 이전에 </a:t>
+            </a:r>
+            <a:r>
+              <a:rPr lang="en-US" altLang="ko-KR" b="1"/>
+              <a:t>Connection</a:t>
+            </a:r>
+            <a:r>
+              <a:rPr lang="ko-KR" altLang="en-US" b="1"/>
+              <a:t>을 사용한 기록이 있는가</a:t>
+            </a:r>
+            <a:r>
+              <a:rPr lang="en-US" altLang="ko-KR" b="1"/>
+              <a:t>?</a:t>
+            </a:r>
+            <a:endParaRPr lang="ko-KR" altLang="en-US" b="1"/>
+          </a:p>
+        </p:txBody>
+      </p:sp>
+      <p:sp>
+        <p:nvSpPr>
+          <p:cNvPr id="20" name="다이아몬드 19">
+            <a:extLst>
+              <a:ext uri="{FF2B5EF4-FFF2-40B4-BE49-F238E27FC236}">
+                <a16:creationId xmlns:a16="http://schemas.microsoft.com/office/drawing/2014/main" id="{CE11F5F6-248B-1E25-89EC-F6191B5E6F95}"/>
+              </a:ext>
+            </a:extLst>
+          </p:cNvPr>
+          <p:cNvSpPr/>
+          <p:nvPr/>
+        </p:nvSpPr>
+        <p:spPr>
+          <a:xfrm>
+            <a:off x="6986194" y="3343476"/>
+            <a:ext cx="4854804" cy="2104645"/>
+          </a:xfrm>
+          <a:prstGeom prst="diamond">
+            <a:avLst/>
+          </a:prstGeom>
+          <a:solidFill>
+            <a:schemeClr val="accent4">
+              <a:lumMod val="20000"/>
+              <a:lumOff val="80000"/>
+            </a:schemeClr>
+          </a:solidFill>
+          <a:ln>
+            <a:solidFill>
+              <a:schemeClr val="accent4">
+                <a:lumMod val="75000"/>
+              </a:schemeClr>
+            </a:solidFill>
+          </a:ln>
+        </p:spPr>
+        <p:style>
+          <a:lnRef idx="2">
+            <a:schemeClr val="accent1">
+              <a:shade val="50000"/>
+            </a:schemeClr>
+          </a:lnRef>
+          <a:fillRef idx="1">
+            <a:schemeClr val="accent1"/>
+          </a:fillRef>
+          <a:effectRef idx="0">
+            <a:schemeClr val="accent1"/>
+          </a:effectRef>
+          <a:fontRef idx="minor">
+            <a:schemeClr val="lt1"/>
+          </a:fontRef>
+        </p:style>
+        <p:txBody>
+          <a:bodyPr rtlCol="0" anchor="ctr"/>
+          <a:lstStyle/>
+          <a:p>
+            <a:pPr algn="ctr"/>
+            <a:endParaRPr lang="ko-KR" altLang="en-US"/>
+          </a:p>
+        </p:txBody>
+      </p:sp>
+      <p:sp>
+        <p:nvSpPr>
+          <p:cNvPr id="21" name="TextBox 20">
+            <a:extLst>
+              <a:ext uri="{FF2B5EF4-FFF2-40B4-BE49-F238E27FC236}">
+                <a16:creationId xmlns:a16="http://schemas.microsoft.com/office/drawing/2014/main" id="{D4E4B6E3-CB22-7216-D3F3-AC41FDF62DB0}"/>
+              </a:ext>
+            </a:extLst>
+          </p:cNvPr>
+          <p:cNvSpPr txBox="1"/>
+          <p:nvPr/>
+        </p:nvSpPr>
+        <p:spPr>
+          <a:xfrm>
+            <a:off x="8184781" y="3925840"/>
+            <a:ext cx="2778552" cy="923330"/>
+          </a:xfrm>
+          <a:prstGeom prst="rect">
+            <a:avLst/>
+          </a:prstGeom>
+          <a:noFill/>
+        </p:spPr>
+        <p:txBody>
+          <a:bodyPr wrap="square" rtlCol="0">
+            <a:spAutoFit/>
+          </a:bodyPr>
+          <a:lstStyle/>
+          <a:p>
+            <a:r>
+              <a:rPr lang="ko-KR" altLang="en-US" b="1"/>
+              <a:t>이전에 사용한 </a:t>
+            </a:r>
+            <a:r>
+              <a:rPr lang="en-US" altLang="ko-KR" b="1"/>
+              <a:t>Connection</a:t>
+            </a:r>
+            <a:r>
+              <a:rPr lang="ko-KR" altLang="en-US" b="1"/>
+              <a:t>중 사용가능한게 있는가</a:t>
+            </a:r>
+            <a:r>
+              <a:rPr lang="en-US" altLang="ko-KR" b="1"/>
+              <a:t>?</a:t>
+            </a:r>
+            <a:endParaRPr lang="ko-KR" altLang="en-US" b="1"/>
+          </a:p>
+        </p:txBody>
+      </p:sp>
+      <p:cxnSp>
+        <p:nvCxnSpPr>
+          <p:cNvPr id="22" name="직선 화살표 연결선 21">
+            <a:extLst>
+              <a:ext uri="{FF2B5EF4-FFF2-40B4-BE49-F238E27FC236}">
+                <a16:creationId xmlns:a16="http://schemas.microsoft.com/office/drawing/2014/main" id="{5865D2FB-EDD0-50D6-8973-AA745C6BF092}"/>
+              </a:ext>
+            </a:extLst>
+          </p:cNvPr>
+          <p:cNvCxnSpPr>
+            <a:cxnSpLocks/>
+            <a:stCxn id="20" idx="3"/>
+            <a:endCxn id="26" idx="1"/>
+          </p:cNvCxnSpPr>
+          <p:nvPr/>
+        </p:nvCxnSpPr>
+        <p:spPr>
+          <a:xfrm flipV="1">
+            <a:off x="11840998" y="4387505"/>
+            <a:ext cx="707086" cy="8294"/>
+          </a:xfrm>
+          <a:prstGeom prst="straightConnector1">
+            <a:avLst/>
+          </a:prstGeom>
+          <a:ln w="25400">
+            <a:solidFill>
+              <a:schemeClr val="tx1"/>
+            </a:solidFill>
+            <a:tailEnd type="triangle"/>
+          </a:ln>
+        </p:spPr>
+        <p:style>
+          <a:lnRef idx="1">
+            <a:schemeClr val="accent1"/>
+          </a:lnRef>
+          <a:fillRef idx="0">
+            <a:schemeClr val="accent1"/>
+          </a:fillRef>
+          <a:effectRef idx="0">
+            <a:schemeClr val="accent1"/>
+          </a:effectRef>
+          <a:fontRef idx="minor">
+            <a:schemeClr val="tx1"/>
+          </a:fontRef>
+        </p:style>
+      </p:cxnSp>
+      <p:sp>
+        <p:nvSpPr>
+          <p:cNvPr id="23" name="TextBox 22">
+            <a:extLst>
+              <a:ext uri="{FF2B5EF4-FFF2-40B4-BE49-F238E27FC236}">
+                <a16:creationId xmlns:a16="http://schemas.microsoft.com/office/drawing/2014/main" id="{67CC575E-448F-D511-C9E4-08FE8AEF6703}"/>
+              </a:ext>
+            </a:extLst>
+          </p:cNvPr>
+          <p:cNvSpPr txBox="1"/>
+          <p:nvPr/>
+        </p:nvSpPr>
+        <p:spPr>
+          <a:xfrm>
+            <a:off x="11954120" y="3925840"/>
+            <a:ext cx="1792551" cy="369332"/>
+          </a:xfrm>
+          <a:prstGeom prst="rect">
+            <a:avLst/>
+          </a:prstGeom>
+          <a:noFill/>
+        </p:spPr>
+        <p:txBody>
+          <a:bodyPr wrap="square" rtlCol="0">
+            <a:spAutoFit/>
+          </a:bodyPr>
+          <a:lstStyle/>
+          <a:p>
+            <a:r>
+              <a:rPr lang="en-US" altLang="ko-KR"/>
+              <a:t>yes</a:t>
+            </a:r>
+            <a:endParaRPr lang="ko-KR" altLang="en-US"/>
+          </a:p>
+        </p:txBody>
+      </p:sp>
+      <p:sp>
+        <p:nvSpPr>
+          <p:cNvPr id="26" name="사각형: 둥근 모서리 25">
+            <a:extLst>
+              <a:ext uri="{FF2B5EF4-FFF2-40B4-BE49-F238E27FC236}">
+                <a16:creationId xmlns:a16="http://schemas.microsoft.com/office/drawing/2014/main" id="{FF298400-4552-DF70-C7FA-66DD1B413D8A}"/>
+              </a:ext>
+            </a:extLst>
+          </p:cNvPr>
+          <p:cNvSpPr/>
+          <p:nvPr/>
+        </p:nvSpPr>
+        <p:spPr>
+          <a:xfrm>
+            <a:off x="12548084" y="3900922"/>
+            <a:ext cx="2215148" cy="973166"/>
+          </a:xfrm>
+          <a:prstGeom prst="roundRect">
+            <a:avLst/>
+          </a:prstGeom>
+          <a:solidFill>
+            <a:schemeClr val="bg2"/>
+          </a:solidFill>
+          <a:ln>
+            <a:solidFill>
+              <a:schemeClr val="tx1"/>
+            </a:solidFill>
+          </a:ln>
+        </p:spPr>
+        <p:style>
+          <a:lnRef idx="2">
+            <a:schemeClr val="accent1">
+              <a:shade val="50000"/>
+            </a:schemeClr>
+          </a:lnRef>
+          <a:fillRef idx="1">
+            <a:schemeClr val="accent1"/>
+          </a:fillRef>
+          <a:effectRef idx="0">
+            <a:schemeClr val="accent1"/>
+          </a:effectRef>
+          <a:fontRef idx="minor">
+            <a:schemeClr val="lt1"/>
+          </a:fontRef>
+        </p:style>
+        <p:txBody>
+          <a:bodyPr rtlCol="0" anchor="ctr"/>
+          <a:lstStyle/>
+          <a:p>
+            <a:pPr algn="ctr"/>
+            <a:r>
+              <a:rPr lang="en-US" altLang="ko-KR" b="1">
+                <a:solidFill>
+                  <a:schemeClr val="tx1"/>
+                </a:solidFill>
+              </a:rPr>
+              <a:t>return</a:t>
+            </a:r>
+            <a:r>
+              <a:rPr lang="ko-KR" altLang="en-US" b="1">
+                <a:solidFill>
+                  <a:schemeClr val="tx1"/>
+                </a:solidFill>
+              </a:rPr>
+              <a:t> </a:t>
+            </a:r>
+            <a:r>
+              <a:rPr lang="en-US" altLang="ko-KR" b="1">
+                <a:solidFill>
+                  <a:schemeClr val="tx1"/>
+                </a:solidFill>
+              </a:rPr>
+              <a:t>Connection</a:t>
+            </a:r>
+            <a:endParaRPr lang="ko-KR" altLang="en-US" b="1">
+              <a:solidFill>
+                <a:schemeClr val="tx1"/>
+              </a:solidFill>
+            </a:endParaRPr>
+          </a:p>
+        </p:txBody>
+      </p:sp>
+      <p:cxnSp>
+        <p:nvCxnSpPr>
+          <p:cNvPr id="30" name="직선 화살표 연결선 29">
+            <a:extLst>
+              <a:ext uri="{FF2B5EF4-FFF2-40B4-BE49-F238E27FC236}">
+                <a16:creationId xmlns:a16="http://schemas.microsoft.com/office/drawing/2014/main" id="{B4EF44CA-C156-429E-47F9-0B82BF40B964}"/>
+              </a:ext>
+            </a:extLst>
+          </p:cNvPr>
+          <p:cNvCxnSpPr>
+            <a:cxnSpLocks/>
+            <a:stCxn id="5" idx="2"/>
+            <a:endCxn id="6" idx="0"/>
+          </p:cNvCxnSpPr>
+          <p:nvPr/>
+        </p:nvCxnSpPr>
+        <p:spPr>
+          <a:xfrm>
+            <a:off x="3851706" y="2949947"/>
+            <a:ext cx="0" cy="393529"/>
+          </a:xfrm>
+          <a:prstGeom prst="straightConnector1">
+            <a:avLst/>
+          </a:prstGeom>
+          <a:ln w="25400">
+            <a:solidFill>
+              <a:schemeClr val="tx1"/>
+            </a:solidFill>
+            <a:tailEnd type="triangle"/>
+          </a:ln>
+        </p:spPr>
+        <p:style>
+          <a:lnRef idx="1">
+            <a:schemeClr val="accent1"/>
+          </a:lnRef>
+          <a:fillRef idx="0">
+            <a:schemeClr val="accent1"/>
+          </a:fillRef>
+          <a:effectRef idx="0">
+            <a:schemeClr val="accent1"/>
+          </a:effectRef>
+          <a:fontRef idx="minor">
+            <a:schemeClr val="tx1"/>
+          </a:fontRef>
+        </p:style>
+      </p:cxnSp>
+      <p:cxnSp>
+        <p:nvCxnSpPr>
+          <p:cNvPr id="34" name="직선 화살표 연결선 33">
+            <a:extLst>
+              <a:ext uri="{FF2B5EF4-FFF2-40B4-BE49-F238E27FC236}">
+                <a16:creationId xmlns:a16="http://schemas.microsoft.com/office/drawing/2014/main" id="{C8CE7764-1E36-B1CF-BD0F-F66BDD4139B6}"/>
+              </a:ext>
+            </a:extLst>
+          </p:cNvPr>
+          <p:cNvCxnSpPr>
+            <a:cxnSpLocks/>
+            <a:stCxn id="4" idx="2"/>
+            <a:endCxn id="5" idx="0"/>
+          </p:cNvCxnSpPr>
+          <p:nvPr/>
+        </p:nvCxnSpPr>
+        <p:spPr>
+          <a:xfrm>
+            <a:off x="3851706" y="1583252"/>
+            <a:ext cx="0" cy="393529"/>
+          </a:xfrm>
+          <a:prstGeom prst="straightConnector1">
+            <a:avLst/>
+          </a:prstGeom>
+          <a:ln w="25400">
+            <a:solidFill>
+              <a:schemeClr val="tx1"/>
+            </a:solidFill>
+            <a:tailEnd type="triangle"/>
+          </a:ln>
+        </p:spPr>
+        <p:style>
+          <a:lnRef idx="1">
+            <a:schemeClr val="accent1"/>
+          </a:lnRef>
+          <a:fillRef idx="0">
+            <a:schemeClr val="accent1"/>
+          </a:fillRef>
+          <a:effectRef idx="0">
+            <a:schemeClr val="accent1"/>
+          </a:effectRef>
+          <a:fontRef idx="minor">
+            <a:schemeClr val="tx1"/>
+          </a:fontRef>
+        </p:style>
+      </p:cxnSp>
+      <p:cxnSp>
+        <p:nvCxnSpPr>
+          <p:cNvPr id="37" name="연결선: 꺾임 36">
+            <a:extLst>
+              <a:ext uri="{FF2B5EF4-FFF2-40B4-BE49-F238E27FC236}">
+                <a16:creationId xmlns:a16="http://schemas.microsoft.com/office/drawing/2014/main" id="{54E5D056-0A9D-AABC-BE14-6DEAE386CD12}"/>
+              </a:ext>
+            </a:extLst>
+          </p:cNvPr>
+          <p:cNvCxnSpPr>
+            <a:cxnSpLocks/>
+            <a:stCxn id="20" idx="2"/>
+          </p:cNvCxnSpPr>
+          <p:nvPr/>
+        </p:nvCxnSpPr>
+        <p:spPr>
+          <a:xfrm rot="5400000">
+            <a:off x="6482914" y="2816913"/>
+            <a:ext cx="299475" cy="5561890"/>
+          </a:xfrm>
+          <a:prstGeom prst="bentConnector2">
+            <a:avLst/>
+          </a:prstGeom>
+          <a:ln w="25400">
+            <a:solidFill>
+              <a:schemeClr val="tx1"/>
+            </a:solidFill>
+            <a:tailEnd type="triangle"/>
+          </a:ln>
+        </p:spPr>
+        <p:style>
+          <a:lnRef idx="1">
+            <a:schemeClr val="accent1"/>
+          </a:lnRef>
+          <a:fillRef idx="0">
+            <a:schemeClr val="accent1"/>
+          </a:fillRef>
+          <a:effectRef idx="0">
+            <a:schemeClr val="accent1"/>
+          </a:effectRef>
+          <a:fontRef idx="minor">
+            <a:schemeClr val="tx1"/>
+          </a:fontRef>
+        </p:style>
+      </p:cxnSp>
+      <p:sp>
+        <p:nvSpPr>
+          <p:cNvPr id="41" name="다이아몬드 40">
+            <a:extLst>
+              <a:ext uri="{FF2B5EF4-FFF2-40B4-BE49-F238E27FC236}">
+                <a16:creationId xmlns:a16="http://schemas.microsoft.com/office/drawing/2014/main" id="{8EDFB252-A978-41FB-86F6-3E951C1FC672}"/>
+              </a:ext>
+            </a:extLst>
+          </p:cNvPr>
+          <p:cNvSpPr/>
+          <p:nvPr/>
+        </p:nvSpPr>
+        <p:spPr>
+          <a:xfrm>
+            <a:off x="1424304" y="6158329"/>
+            <a:ext cx="4854804" cy="2104645"/>
+          </a:xfrm>
+          <a:prstGeom prst="diamond">
+            <a:avLst/>
+          </a:prstGeom>
+          <a:solidFill>
+            <a:schemeClr val="accent4">
+              <a:lumMod val="20000"/>
+              <a:lumOff val="80000"/>
+            </a:schemeClr>
+          </a:solidFill>
+          <a:ln>
+            <a:solidFill>
+              <a:schemeClr val="accent4">
+                <a:lumMod val="75000"/>
+              </a:schemeClr>
+            </a:solidFill>
+          </a:ln>
+        </p:spPr>
+        <p:style>
+          <a:lnRef idx="2">
+            <a:schemeClr val="accent1">
+              <a:shade val="50000"/>
+            </a:schemeClr>
+          </a:lnRef>
+          <a:fillRef idx="1">
+            <a:schemeClr val="accent1"/>
+          </a:fillRef>
+          <a:effectRef idx="0">
+            <a:schemeClr val="accent1"/>
+          </a:effectRef>
+          <a:fontRef idx="minor">
+            <a:schemeClr val="lt1"/>
+          </a:fontRef>
+        </p:style>
+        <p:txBody>
+          <a:bodyPr rtlCol="0" anchor="ctr"/>
+          <a:lstStyle/>
+          <a:p>
+            <a:pPr algn="ctr"/>
+            <a:endParaRPr lang="ko-KR" altLang="en-US"/>
+          </a:p>
+        </p:txBody>
+      </p:sp>
+      <p:sp>
+        <p:nvSpPr>
+          <p:cNvPr id="42" name="TextBox 41">
+            <a:extLst>
+              <a:ext uri="{FF2B5EF4-FFF2-40B4-BE49-F238E27FC236}">
+                <a16:creationId xmlns:a16="http://schemas.microsoft.com/office/drawing/2014/main" id="{C9BB9921-7169-56DB-9293-8A6B14FDDB21}"/>
+              </a:ext>
+            </a:extLst>
+          </p:cNvPr>
+          <p:cNvSpPr txBox="1"/>
+          <p:nvPr/>
+        </p:nvSpPr>
+        <p:spPr>
+          <a:xfrm>
+            <a:off x="2651620" y="6757280"/>
+            <a:ext cx="2778552" cy="923330"/>
+          </a:xfrm>
+          <a:prstGeom prst="rect">
+            <a:avLst/>
+          </a:prstGeom>
+          <a:noFill/>
+        </p:spPr>
+        <p:txBody>
+          <a:bodyPr wrap="square" rtlCol="0">
+            <a:spAutoFit/>
+          </a:bodyPr>
+          <a:lstStyle/>
+          <a:p>
+            <a:r>
+              <a:rPr lang="en-US" altLang="ko-KR" b="1"/>
+              <a:t>Pool</a:t>
+            </a:r>
+            <a:r>
+              <a:rPr lang="ko-KR" altLang="en-US" b="1"/>
+              <a:t>에 있는 </a:t>
+            </a:r>
+            <a:r>
+              <a:rPr lang="en-US" altLang="ko-KR" b="1"/>
+              <a:t>Connection </a:t>
+            </a:r>
+            <a:r>
+              <a:rPr lang="ko-KR" altLang="en-US" b="1"/>
+              <a:t>중</a:t>
+            </a:r>
+            <a:endParaRPr lang="en-US" altLang="ko-KR" b="1"/>
+          </a:p>
+          <a:p>
+            <a:r>
+              <a:rPr lang="ko-KR" altLang="en-US" b="1"/>
+              <a:t>사용 가능한 </a:t>
+            </a:r>
+            <a:r>
+              <a:rPr lang="en-US" altLang="ko-KR" b="1"/>
+              <a:t>Connection</a:t>
+            </a:r>
+            <a:r>
+              <a:rPr lang="ko-KR" altLang="en-US" b="1"/>
+              <a:t>이</a:t>
+            </a:r>
+            <a:endParaRPr lang="en-US" altLang="ko-KR" b="1"/>
+          </a:p>
+          <a:p>
+            <a:r>
+              <a:rPr lang="ko-KR" altLang="en-US" b="1"/>
+              <a:t>있는가</a:t>
+            </a:r>
+            <a:r>
+              <a:rPr lang="en-US" altLang="ko-KR" b="1"/>
+              <a:t>?</a:t>
+            </a:r>
+            <a:endParaRPr lang="ko-KR" altLang="en-US" b="1"/>
+          </a:p>
+        </p:txBody>
+      </p:sp>
+      <p:sp>
+        <p:nvSpPr>
+          <p:cNvPr id="50" name="TextBox 49">
+            <a:extLst>
+              <a:ext uri="{FF2B5EF4-FFF2-40B4-BE49-F238E27FC236}">
+                <a16:creationId xmlns:a16="http://schemas.microsoft.com/office/drawing/2014/main" id="{01A86B7B-10D6-5EC8-746F-688ABAB5EE8B}"/>
+              </a:ext>
+            </a:extLst>
+          </p:cNvPr>
+          <p:cNvSpPr txBox="1"/>
+          <p:nvPr/>
+        </p:nvSpPr>
+        <p:spPr>
+          <a:xfrm>
+            <a:off x="6443424" y="5355788"/>
+            <a:ext cx="523918" cy="369332"/>
+          </a:xfrm>
+          <a:prstGeom prst="rect">
+            <a:avLst/>
+          </a:prstGeom>
+          <a:noFill/>
+        </p:spPr>
+        <p:txBody>
+          <a:bodyPr wrap="square" rtlCol="0">
+            <a:spAutoFit/>
+          </a:bodyPr>
+          <a:lstStyle/>
+          <a:p>
+            <a:r>
+              <a:rPr lang="en-US" altLang="ko-KR"/>
+              <a:t>no</a:t>
+            </a:r>
+            <a:endParaRPr lang="ko-KR" altLang="en-US"/>
+          </a:p>
+        </p:txBody>
+      </p:sp>
+      <p:cxnSp>
+        <p:nvCxnSpPr>
+          <p:cNvPr id="51" name="직선 화살표 연결선 50">
+            <a:extLst>
+              <a:ext uri="{FF2B5EF4-FFF2-40B4-BE49-F238E27FC236}">
+                <a16:creationId xmlns:a16="http://schemas.microsoft.com/office/drawing/2014/main" id="{BA070C8F-970A-7852-841F-FCE8C490C0C1}"/>
+              </a:ext>
+            </a:extLst>
+          </p:cNvPr>
+          <p:cNvCxnSpPr>
+            <a:cxnSpLocks/>
+            <a:stCxn id="41" idx="3"/>
+            <a:endCxn id="53" idx="1"/>
+          </p:cNvCxnSpPr>
+          <p:nvPr/>
+        </p:nvCxnSpPr>
+        <p:spPr>
+          <a:xfrm flipV="1">
+            <a:off x="6279108" y="7210651"/>
+            <a:ext cx="688308" cy="1"/>
+          </a:xfrm>
+          <a:prstGeom prst="straightConnector1">
+            <a:avLst/>
+          </a:prstGeom>
+          <a:ln w="25400">
+            <a:solidFill>
+              <a:schemeClr val="tx1"/>
+            </a:solidFill>
+            <a:tailEnd type="triangle"/>
+          </a:ln>
+        </p:spPr>
+        <p:style>
+          <a:lnRef idx="1">
+            <a:schemeClr val="accent1"/>
+          </a:lnRef>
+          <a:fillRef idx="0">
+            <a:schemeClr val="accent1"/>
+          </a:fillRef>
+          <a:effectRef idx="0">
+            <a:schemeClr val="accent1"/>
+          </a:effectRef>
+          <a:fontRef idx="minor">
+            <a:schemeClr val="tx1"/>
+          </a:fontRef>
+        </p:style>
+      </p:cxnSp>
+      <p:sp>
+        <p:nvSpPr>
+          <p:cNvPr id="52" name="TextBox 51">
+            <a:extLst>
+              <a:ext uri="{FF2B5EF4-FFF2-40B4-BE49-F238E27FC236}">
+                <a16:creationId xmlns:a16="http://schemas.microsoft.com/office/drawing/2014/main" id="{7E481815-57D0-A7C8-798A-1A72A69F6C3F}"/>
+              </a:ext>
+            </a:extLst>
+          </p:cNvPr>
+          <p:cNvSpPr txBox="1"/>
+          <p:nvPr/>
+        </p:nvSpPr>
+        <p:spPr>
+          <a:xfrm>
+            <a:off x="6373378" y="6732362"/>
+            <a:ext cx="1792551" cy="369332"/>
+          </a:xfrm>
+          <a:prstGeom prst="rect">
+            <a:avLst/>
+          </a:prstGeom>
+          <a:noFill/>
+        </p:spPr>
+        <p:txBody>
+          <a:bodyPr wrap="square" rtlCol="0">
+            <a:spAutoFit/>
+          </a:bodyPr>
+          <a:lstStyle/>
+          <a:p>
+            <a:r>
+              <a:rPr lang="en-US" altLang="ko-KR"/>
+              <a:t>yes</a:t>
+            </a:r>
+            <a:endParaRPr lang="ko-KR" altLang="en-US"/>
+          </a:p>
+        </p:txBody>
+      </p:sp>
+      <p:sp>
+        <p:nvSpPr>
+          <p:cNvPr id="53" name="사각형: 둥근 모서리 52">
+            <a:extLst>
+              <a:ext uri="{FF2B5EF4-FFF2-40B4-BE49-F238E27FC236}">
+                <a16:creationId xmlns:a16="http://schemas.microsoft.com/office/drawing/2014/main" id="{DCFC2A50-3971-F4C3-2196-A93F5C3A5E1E}"/>
+              </a:ext>
+            </a:extLst>
+          </p:cNvPr>
+          <p:cNvSpPr/>
+          <p:nvPr/>
+        </p:nvSpPr>
+        <p:spPr>
+          <a:xfrm>
+            <a:off x="6967416" y="6724068"/>
+            <a:ext cx="2215148" cy="973166"/>
+          </a:xfrm>
+          <a:prstGeom prst="roundRect">
+            <a:avLst/>
+          </a:prstGeom>
+          <a:solidFill>
+            <a:schemeClr val="bg2"/>
+          </a:solidFill>
+          <a:ln>
+            <a:solidFill>
+              <a:schemeClr val="tx1"/>
+            </a:solidFill>
+          </a:ln>
+        </p:spPr>
+        <p:style>
+          <a:lnRef idx="2">
+            <a:schemeClr val="accent1">
+              <a:shade val="50000"/>
+            </a:schemeClr>
+          </a:lnRef>
+          <a:fillRef idx="1">
+            <a:schemeClr val="accent1"/>
+          </a:fillRef>
+          <a:effectRef idx="0">
+            <a:schemeClr val="accent1"/>
+          </a:effectRef>
+          <a:fontRef idx="minor">
+            <a:schemeClr val="lt1"/>
+          </a:fontRef>
+        </p:style>
+        <p:txBody>
+          <a:bodyPr rtlCol="0" anchor="ctr"/>
+          <a:lstStyle/>
+          <a:p>
+            <a:pPr algn="ctr"/>
+            <a:r>
+              <a:rPr lang="en-US" altLang="ko-KR" b="1">
+                <a:solidFill>
+                  <a:schemeClr val="tx1"/>
+                </a:solidFill>
+              </a:rPr>
+              <a:t>return</a:t>
+            </a:r>
+            <a:r>
+              <a:rPr lang="ko-KR" altLang="en-US" b="1">
+                <a:solidFill>
+                  <a:schemeClr val="tx1"/>
+                </a:solidFill>
+              </a:rPr>
+              <a:t> </a:t>
+            </a:r>
+            <a:r>
+              <a:rPr lang="en-US" altLang="ko-KR" b="1">
+                <a:solidFill>
+                  <a:schemeClr val="tx1"/>
+                </a:solidFill>
+              </a:rPr>
+              <a:t>Connection</a:t>
+            </a:r>
+            <a:endParaRPr lang="ko-KR" altLang="en-US" b="1">
+              <a:solidFill>
+                <a:schemeClr val="tx1"/>
+              </a:solidFill>
+            </a:endParaRPr>
+          </a:p>
+        </p:txBody>
+      </p:sp>
+      <p:cxnSp>
+        <p:nvCxnSpPr>
+          <p:cNvPr id="58" name="직선 화살표 연결선 57">
+            <a:extLst>
+              <a:ext uri="{FF2B5EF4-FFF2-40B4-BE49-F238E27FC236}">
+                <a16:creationId xmlns:a16="http://schemas.microsoft.com/office/drawing/2014/main" id="{12A539F5-9D4C-01D2-9249-515391FFF3DE}"/>
+              </a:ext>
+            </a:extLst>
+          </p:cNvPr>
+          <p:cNvCxnSpPr>
+            <a:cxnSpLocks/>
+            <a:stCxn id="41" idx="2"/>
+          </p:cNvCxnSpPr>
+          <p:nvPr/>
+        </p:nvCxnSpPr>
+        <p:spPr>
+          <a:xfrm>
+            <a:off x="3851706" y="8262974"/>
+            <a:ext cx="0" cy="710208"/>
+          </a:xfrm>
+          <a:prstGeom prst="straightConnector1">
+            <a:avLst/>
+          </a:prstGeom>
+          <a:ln w="25400">
+            <a:solidFill>
+              <a:schemeClr val="tx1"/>
+            </a:solidFill>
+            <a:tailEnd type="triangle"/>
+          </a:ln>
+        </p:spPr>
+        <p:style>
+          <a:lnRef idx="1">
+            <a:schemeClr val="accent1"/>
+          </a:lnRef>
+          <a:fillRef idx="0">
+            <a:schemeClr val="accent1"/>
+          </a:fillRef>
+          <a:effectRef idx="0">
+            <a:schemeClr val="accent1"/>
+          </a:effectRef>
+          <a:fontRef idx="minor">
+            <a:schemeClr val="tx1"/>
+          </a:fontRef>
+        </p:style>
+      </p:cxnSp>
+      <p:sp>
+        <p:nvSpPr>
+          <p:cNvPr id="59" name="TextBox 58">
+            <a:extLst>
+              <a:ext uri="{FF2B5EF4-FFF2-40B4-BE49-F238E27FC236}">
+                <a16:creationId xmlns:a16="http://schemas.microsoft.com/office/drawing/2014/main" id="{D8705C25-B894-20EF-5FC6-2E43D89F026C}"/>
+              </a:ext>
+            </a:extLst>
+          </p:cNvPr>
+          <p:cNvSpPr txBox="1"/>
+          <p:nvPr/>
+        </p:nvSpPr>
+        <p:spPr>
+          <a:xfrm>
+            <a:off x="3327788" y="8369490"/>
+            <a:ext cx="523918" cy="369332"/>
+          </a:xfrm>
+          <a:prstGeom prst="rect">
+            <a:avLst/>
+          </a:prstGeom>
+          <a:noFill/>
+        </p:spPr>
+        <p:txBody>
+          <a:bodyPr wrap="square" rtlCol="0">
+            <a:spAutoFit/>
+          </a:bodyPr>
+          <a:lstStyle/>
+          <a:p>
+            <a:r>
+              <a:rPr lang="en-US" altLang="ko-KR"/>
+              <a:t>no</a:t>
+            </a:r>
+            <a:endParaRPr lang="ko-KR" altLang="en-US"/>
+          </a:p>
+        </p:txBody>
+      </p:sp>
+      <p:sp>
+        <p:nvSpPr>
+          <p:cNvPr id="62" name="다이아몬드 61">
+            <a:extLst>
+              <a:ext uri="{FF2B5EF4-FFF2-40B4-BE49-F238E27FC236}">
+                <a16:creationId xmlns:a16="http://schemas.microsoft.com/office/drawing/2014/main" id="{EC049BF8-9826-42BA-9535-FBC49B8CCCEA}"/>
+              </a:ext>
+            </a:extLst>
+          </p:cNvPr>
+          <p:cNvSpPr/>
+          <p:nvPr/>
+        </p:nvSpPr>
+        <p:spPr>
+          <a:xfrm>
+            <a:off x="1424304" y="8973182"/>
+            <a:ext cx="4854804" cy="2104645"/>
+          </a:xfrm>
+          <a:prstGeom prst="diamond">
+            <a:avLst/>
+          </a:prstGeom>
+          <a:solidFill>
+            <a:schemeClr val="accent4">
+              <a:lumMod val="20000"/>
+              <a:lumOff val="80000"/>
+            </a:schemeClr>
+          </a:solidFill>
+          <a:ln>
+            <a:solidFill>
+              <a:schemeClr val="accent4">
+                <a:lumMod val="75000"/>
+              </a:schemeClr>
+            </a:solidFill>
+          </a:ln>
+        </p:spPr>
+        <p:style>
+          <a:lnRef idx="2">
+            <a:schemeClr val="accent1">
+              <a:shade val="50000"/>
+            </a:schemeClr>
+          </a:lnRef>
+          <a:fillRef idx="1">
+            <a:schemeClr val="accent1"/>
+          </a:fillRef>
+          <a:effectRef idx="0">
+            <a:schemeClr val="accent1"/>
+          </a:effectRef>
+          <a:fontRef idx="minor">
+            <a:schemeClr val="lt1"/>
+          </a:fontRef>
+        </p:style>
+        <p:txBody>
+          <a:bodyPr rtlCol="0" anchor="ctr"/>
+          <a:lstStyle/>
+          <a:p>
+            <a:pPr algn="ctr"/>
+            <a:endParaRPr lang="ko-KR" altLang="en-US"/>
+          </a:p>
+        </p:txBody>
+      </p:sp>
+      <p:sp>
+        <p:nvSpPr>
+          <p:cNvPr id="63" name="TextBox 62">
+            <a:extLst>
+              <a:ext uri="{FF2B5EF4-FFF2-40B4-BE49-F238E27FC236}">
+                <a16:creationId xmlns:a16="http://schemas.microsoft.com/office/drawing/2014/main" id="{D4A0BF0C-01A7-A704-FC51-43F7AFE6FCF7}"/>
+              </a:ext>
+            </a:extLst>
+          </p:cNvPr>
+          <p:cNvSpPr txBox="1"/>
+          <p:nvPr/>
+        </p:nvSpPr>
+        <p:spPr>
+          <a:xfrm>
+            <a:off x="2467536" y="9537155"/>
+            <a:ext cx="3146719" cy="923330"/>
+          </a:xfrm>
+          <a:prstGeom prst="rect">
+            <a:avLst/>
+          </a:prstGeom>
+          <a:noFill/>
+        </p:spPr>
+        <p:txBody>
+          <a:bodyPr wrap="square" rtlCol="0">
+            <a:spAutoFit/>
+          </a:bodyPr>
+          <a:lstStyle/>
+          <a:p>
+            <a:r>
+              <a:rPr lang="en-US" altLang="ko-KR" b="1"/>
+              <a:t>concurrentBag.handOffQueue</a:t>
+            </a:r>
+            <a:r>
+              <a:rPr lang="ko-KR" altLang="en-US" b="1"/>
+              <a:t>에서 대기하면서</a:t>
+            </a:r>
+            <a:r>
+              <a:rPr lang="en-US" altLang="ko-KR" b="1"/>
+              <a:t>, </a:t>
+            </a:r>
+            <a:r>
+              <a:rPr lang="ko-KR" altLang="en-US" b="1"/>
+              <a:t> 반납된 </a:t>
+            </a:r>
+            <a:r>
+              <a:rPr lang="en-US" altLang="ko-KR" b="1"/>
+              <a:t>Connection</a:t>
+            </a:r>
+            <a:r>
+              <a:rPr lang="ko-KR" altLang="en-US" b="1"/>
+              <a:t>이</a:t>
+            </a:r>
+            <a:r>
+              <a:rPr lang="en-US" altLang="ko-KR" b="1"/>
+              <a:t> </a:t>
+            </a:r>
+            <a:r>
+              <a:rPr lang="ko-KR" altLang="en-US" b="1"/>
+              <a:t>있는가</a:t>
+            </a:r>
+            <a:r>
+              <a:rPr lang="en-US" altLang="ko-KR" b="1"/>
+              <a:t>?</a:t>
+            </a:r>
+            <a:endParaRPr lang="ko-KR" altLang="en-US" b="1"/>
+          </a:p>
+        </p:txBody>
+      </p:sp>
+      <p:cxnSp>
+        <p:nvCxnSpPr>
+          <p:cNvPr id="64" name="직선 화살표 연결선 63">
+            <a:extLst>
+              <a:ext uri="{FF2B5EF4-FFF2-40B4-BE49-F238E27FC236}">
+                <a16:creationId xmlns:a16="http://schemas.microsoft.com/office/drawing/2014/main" id="{A6A6FF5C-2E89-8E8F-D5B0-2302CBE91103}"/>
+              </a:ext>
+            </a:extLst>
+          </p:cNvPr>
+          <p:cNvCxnSpPr>
+            <a:cxnSpLocks/>
+            <a:stCxn id="62" idx="3"/>
+            <a:endCxn id="66" idx="1"/>
+          </p:cNvCxnSpPr>
+          <p:nvPr/>
+        </p:nvCxnSpPr>
+        <p:spPr>
+          <a:xfrm flipV="1">
+            <a:off x="6279108" y="10023738"/>
+            <a:ext cx="680712" cy="1767"/>
+          </a:xfrm>
+          <a:prstGeom prst="straightConnector1">
+            <a:avLst/>
+          </a:prstGeom>
+          <a:ln w="25400">
+            <a:solidFill>
+              <a:schemeClr val="tx1"/>
+            </a:solidFill>
+            <a:tailEnd type="triangle"/>
+          </a:ln>
+        </p:spPr>
+        <p:style>
+          <a:lnRef idx="1">
+            <a:schemeClr val="accent1"/>
+          </a:lnRef>
+          <a:fillRef idx="0">
+            <a:schemeClr val="accent1"/>
+          </a:fillRef>
+          <a:effectRef idx="0">
+            <a:schemeClr val="accent1"/>
+          </a:effectRef>
+          <a:fontRef idx="minor">
+            <a:schemeClr val="tx1"/>
+          </a:fontRef>
+        </p:style>
+      </p:cxnSp>
+      <p:sp>
+        <p:nvSpPr>
+          <p:cNvPr id="65" name="TextBox 64">
+            <a:extLst>
+              <a:ext uri="{FF2B5EF4-FFF2-40B4-BE49-F238E27FC236}">
+                <a16:creationId xmlns:a16="http://schemas.microsoft.com/office/drawing/2014/main" id="{39A13D76-2132-632A-76DE-71C7233DCF09}"/>
+              </a:ext>
+            </a:extLst>
+          </p:cNvPr>
+          <p:cNvSpPr txBox="1"/>
+          <p:nvPr/>
+        </p:nvSpPr>
+        <p:spPr>
+          <a:xfrm>
+            <a:off x="6365782" y="9545449"/>
+            <a:ext cx="1792551" cy="369332"/>
+          </a:xfrm>
+          <a:prstGeom prst="rect">
+            <a:avLst/>
+          </a:prstGeom>
+          <a:noFill/>
+        </p:spPr>
+        <p:txBody>
+          <a:bodyPr wrap="square" rtlCol="0">
+            <a:spAutoFit/>
+          </a:bodyPr>
+          <a:lstStyle/>
+          <a:p>
+            <a:r>
+              <a:rPr lang="en-US" altLang="ko-KR"/>
+              <a:t>yes</a:t>
+            </a:r>
+            <a:endParaRPr lang="ko-KR" altLang="en-US"/>
+          </a:p>
+        </p:txBody>
+      </p:sp>
+      <p:sp>
+        <p:nvSpPr>
+          <p:cNvPr id="66" name="사각형: 둥근 모서리 65">
+            <a:extLst>
+              <a:ext uri="{FF2B5EF4-FFF2-40B4-BE49-F238E27FC236}">
+                <a16:creationId xmlns:a16="http://schemas.microsoft.com/office/drawing/2014/main" id="{8895921C-41BE-8826-1035-791D9A6A040B}"/>
+              </a:ext>
+            </a:extLst>
+          </p:cNvPr>
+          <p:cNvSpPr/>
+          <p:nvPr/>
+        </p:nvSpPr>
+        <p:spPr>
+          <a:xfrm>
+            <a:off x="6959820" y="9537155"/>
+            <a:ext cx="2215148" cy="973166"/>
+          </a:xfrm>
+          <a:prstGeom prst="roundRect">
+            <a:avLst/>
+          </a:prstGeom>
+          <a:solidFill>
+            <a:schemeClr val="bg2"/>
+          </a:solidFill>
+          <a:ln>
+            <a:solidFill>
+              <a:schemeClr val="tx1"/>
+            </a:solidFill>
+          </a:ln>
+        </p:spPr>
+        <p:style>
+          <a:lnRef idx="2">
+            <a:schemeClr val="accent1">
+              <a:shade val="50000"/>
+            </a:schemeClr>
+          </a:lnRef>
+          <a:fillRef idx="1">
+            <a:schemeClr val="accent1"/>
+          </a:fillRef>
+          <a:effectRef idx="0">
+            <a:schemeClr val="accent1"/>
+          </a:effectRef>
+          <a:fontRef idx="minor">
+            <a:schemeClr val="lt1"/>
+          </a:fontRef>
+        </p:style>
+        <p:txBody>
+          <a:bodyPr rtlCol="0" anchor="ctr"/>
+          <a:lstStyle/>
+          <a:p>
+            <a:pPr algn="ctr"/>
+            <a:r>
+              <a:rPr lang="en-US" altLang="ko-KR" b="1">
+                <a:solidFill>
+                  <a:schemeClr val="tx1"/>
+                </a:solidFill>
+              </a:rPr>
+              <a:t>return</a:t>
+            </a:r>
+            <a:r>
+              <a:rPr lang="ko-KR" altLang="en-US" b="1">
+                <a:solidFill>
+                  <a:schemeClr val="tx1"/>
+                </a:solidFill>
+              </a:rPr>
+              <a:t> </a:t>
+            </a:r>
+            <a:r>
+              <a:rPr lang="en-US" altLang="ko-KR" b="1">
+                <a:solidFill>
+                  <a:schemeClr val="tx1"/>
+                </a:solidFill>
+              </a:rPr>
+              <a:t>Connection</a:t>
+            </a:r>
+            <a:endParaRPr lang="ko-KR" altLang="en-US" b="1">
+              <a:solidFill>
+                <a:schemeClr val="tx1"/>
+              </a:solidFill>
+            </a:endParaRPr>
+          </a:p>
+        </p:txBody>
+      </p:sp>
+      <p:sp>
+        <p:nvSpPr>
+          <p:cNvPr id="68" name="다이아몬드 67">
+            <a:extLst>
+              <a:ext uri="{FF2B5EF4-FFF2-40B4-BE49-F238E27FC236}">
+                <a16:creationId xmlns:a16="http://schemas.microsoft.com/office/drawing/2014/main" id="{BEFE8006-C8CA-8402-C012-380AC12CE710}"/>
+              </a:ext>
+            </a:extLst>
+          </p:cNvPr>
+          <p:cNvSpPr/>
+          <p:nvPr/>
+        </p:nvSpPr>
+        <p:spPr>
+          <a:xfrm>
+            <a:off x="1424304" y="11784501"/>
+            <a:ext cx="4854804" cy="2104645"/>
+          </a:xfrm>
+          <a:prstGeom prst="diamond">
+            <a:avLst/>
+          </a:prstGeom>
+          <a:solidFill>
+            <a:schemeClr val="accent4">
+              <a:lumMod val="20000"/>
+              <a:lumOff val="80000"/>
+            </a:schemeClr>
+          </a:solidFill>
+          <a:ln>
+            <a:solidFill>
+              <a:schemeClr val="accent4">
+                <a:lumMod val="75000"/>
+              </a:schemeClr>
+            </a:solidFill>
+          </a:ln>
+        </p:spPr>
+        <p:style>
+          <a:lnRef idx="2">
+            <a:schemeClr val="accent1">
+              <a:shade val="50000"/>
+            </a:schemeClr>
+          </a:lnRef>
+          <a:fillRef idx="1">
+            <a:schemeClr val="accent1"/>
+          </a:fillRef>
+          <a:effectRef idx="0">
+            <a:schemeClr val="accent1"/>
+          </a:effectRef>
+          <a:fontRef idx="minor">
+            <a:schemeClr val="lt1"/>
+          </a:fontRef>
+        </p:style>
+        <p:txBody>
+          <a:bodyPr rtlCol="0" anchor="ctr"/>
+          <a:lstStyle/>
+          <a:p>
+            <a:pPr algn="ctr"/>
+            <a:endParaRPr lang="ko-KR" altLang="en-US"/>
+          </a:p>
+        </p:txBody>
+      </p:sp>
+      <p:sp>
+        <p:nvSpPr>
+          <p:cNvPr id="69" name="TextBox 68">
+            <a:extLst>
+              <a:ext uri="{FF2B5EF4-FFF2-40B4-BE49-F238E27FC236}">
+                <a16:creationId xmlns:a16="http://schemas.microsoft.com/office/drawing/2014/main" id="{D2448D22-B571-D719-D489-CA94259BB103}"/>
+              </a:ext>
+            </a:extLst>
+          </p:cNvPr>
+          <p:cNvSpPr txBox="1"/>
+          <p:nvPr/>
+        </p:nvSpPr>
+        <p:spPr>
+          <a:xfrm>
+            <a:off x="2792033" y="12650391"/>
+            <a:ext cx="3146719" cy="369332"/>
+          </a:xfrm>
+          <a:prstGeom prst="rect">
+            <a:avLst/>
+          </a:prstGeom>
+          <a:noFill/>
+        </p:spPr>
+        <p:txBody>
+          <a:bodyPr wrap="square" rtlCol="0">
+            <a:spAutoFit/>
+          </a:bodyPr>
+          <a:lstStyle/>
+          <a:p>
+            <a:r>
+              <a:rPr lang="en-US" altLang="ko-KR" b="1"/>
+              <a:t>connectionTimeOut</a:t>
+            </a:r>
+            <a:r>
+              <a:rPr lang="ko-KR" altLang="en-US" b="1"/>
+              <a:t> </a:t>
+            </a:r>
+            <a:r>
+              <a:rPr lang="en-US" altLang="ko-KR" b="1"/>
+              <a:t>?</a:t>
+            </a:r>
+            <a:endParaRPr lang="ko-KR" altLang="en-US" b="1"/>
+          </a:p>
+        </p:txBody>
+      </p:sp>
+      <p:cxnSp>
+        <p:nvCxnSpPr>
+          <p:cNvPr id="70" name="직선 화살표 연결선 69">
+            <a:extLst>
+              <a:ext uri="{FF2B5EF4-FFF2-40B4-BE49-F238E27FC236}">
+                <a16:creationId xmlns:a16="http://schemas.microsoft.com/office/drawing/2014/main" id="{4F8C0973-1F8F-60E9-6C24-FE13FBB16026}"/>
+              </a:ext>
+            </a:extLst>
+          </p:cNvPr>
+          <p:cNvCxnSpPr>
+            <a:cxnSpLocks/>
+            <a:stCxn id="68" idx="3"/>
+            <a:endCxn id="72" idx="1"/>
+          </p:cNvCxnSpPr>
+          <p:nvPr/>
+        </p:nvCxnSpPr>
+        <p:spPr>
+          <a:xfrm flipV="1">
+            <a:off x="6279108" y="12835057"/>
+            <a:ext cx="680712" cy="1767"/>
+          </a:xfrm>
+          <a:prstGeom prst="straightConnector1">
+            <a:avLst/>
+          </a:prstGeom>
+          <a:ln w="25400">
+            <a:solidFill>
+              <a:schemeClr val="tx1"/>
+            </a:solidFill>
+            <a:tailEnd type="triangle"/>
+          </a:ln>
+        </p:spPr>
+        <p:style>
+          <a:lnRef idx="1">
+            <a:schemeClr val="accent1"/>
+          </a:lnRef>
+          <a:fillRef idx="0">
+            <a:schemeClr val="accent1"/>
+          </a:fillRef>
+          <a:effectRef idx="0">
+            <a:schemeClr val="accent1"/>
+          </a:effectRef>
+          <a:fontRef idx="minor">
+            <a:schemeClr val="tx1"/>
+          </a:fontRef>
+        </p:style>
+      </p:cxnSp>
+      <p:sp>
+        <p:nvSpPr>
+          <p:cNvPr id="71" name="TextBox 70">
+            <a:extLst>
+              <a:ext uri="{FF2B5EF4-FFF2-40B4-BE49-F238E27FC236}">
+                <a16:creationId xmlns:a16="http://schemas.microsoft.com/office/drawing/2014/main" id="{C0DE0E53-E1C8-3DAD-777B-15B052DB3DBD}"/>
+              </a:ext>
+            </a:extLst>
+          </p:cNvPr>
+          <p:cNvSpPr txBox="1"/>
+          <p:nvPr/>
+        </p:nvSpPr>
+        <p:spPr>
+          <a:xfrm>
+            <a:off x="6365782" y="12356768"/>
+            <a:ext cx="1792551" cy="369332"/>
+          </a:xfrm>
+          <a:prstGeom prst="rect">
+            <a:avLst/>
+          </a:prstGeom>
+          <a:noFill/>
+        </p:spPr>
+        <p:txBody>
+          <a:bodyPr wrap="square" rtlCol="0">
+            <a:spAutoFit/>
+          </a:bodyPr>
+          <a:lstStyle/>
+          <a:p>
+            <a:r>
+              <a:rPr lang="en-US" altLang="ko-KR"/>
+              <a:t>yes</a:t>
+            </a:r>
+            <a:endParaRPr lang="ko-KR" altLang="en-US"/>
+          </a:p>
+        </p:txBody>
+      </p:sp>
+      <p:sp>
+        <p:nvSpPr>
+          <p:cNvPr id="72" name="사각형: 둥근 모서리 71">
+            <a:extLst>
+              <a:ext uri="{FF2B5EF4-FFF2-40B4-BE49-F238E27FC236}">
+                <a16:creationId xmlns:a16="http://schemas.microsoft.com/office/drawing/2014/main" id="{2830BFB7-0F46-ABDB-942C-7172900B3BD7}"/>
+              </a:ext>
+            </a:extLst>
+          </p:cNvPr>
+          <p:cNvSpPr/>
+          <p:nvPr/>
+        </p:nvSpPr>
+        <p:spPr>
+          <a:xfrm>
+            <a:off x="6959820" y="12348474"/>
+            <a:ext cx="2215148" cy="973166"/>
+          </a:xfrm>
+          <a:prstGeom prst="roundRect">
+            <a:avLst/>
+          </a:prstGeom>
+          <a:solidFill>
+            <a:schemeClr val="bg2"/>
+          </a:solidFill>
+          <a:ln>
+            <a:solidFill>
+              <a:schemeClr val="tx1"/>
+            </a:solidFill>
+          </a:ln>
+        </p:spPr>
+        <p:style>
+          <a:lnRef idx="2">
+            <a:schemeClr val="accent1">
+              <a:shade val="50000"/>
+            </a:schemeClr>
+          </a:lnRef>
+          <a:fillRef idx="1">
+            <a:schemeClr val="accent1"/>
+          </a:fillRef>
+          <a:effectRef idx="0">
+            <a:schemeClr val="accent1"/>
+          </a:effectRef>
+          <a:fontRef idx="minor">
+            <a:schemeClr val="lt1"/>
+          </a:fontRef>
+        </p:style>
+        <p:txBody>
+          <a:bodyPr rtlCol="0" anchor="ctr"/>
+          <a:lstStyle/>
+          <a:p>
+            <a:pPr algn="ctr"/>
+            <a:r>
+              <a:rPr lang="en-US" altLang="ko-KR" b="1">
+                <a:solidFill>
+                  <a:schemeClr val="tx1"/>
+                </a:solidFill>
+              </a:rPr>
+              <a:t>return null</a:t>
+            </a:r>
+            <a:endParaRPr lang="ko-KR" altLang="en-US" b="1">
+              <a:solidFill>
+                <a:schemeClr val="tx1"/>
+              </a:solidFill>
+            </a:endParaRPr>
+          </a:p>
+        </p:txBody>
+      </p:sp>
+      <p:cxnSp>
+        <p:nvCxnSpPr>
+          <p:cNvPr id="73" name="직선 화살표 연결선 72">
+            <a:extLst>
+              <a:ext uri="{FF2B5EF4-FFF2-40B4-BE49-F238E27FC236}">
+                <a16:creationId xmlns:a16="http://schemas.microsoft.com/office/drawing/2014/main" id="{E504AA0B-809C-8E44-6109-B583D4B2F59E}"/>
+              </a:ext>
+            </a:extLst>
+          </p:cNvPr>
+          <p:cNvCxnSpPr>
+            <a:cxnSpLocks/>
+            <a:stCxn id="62" idx="2"/>
+            <a:endCxn id="68" idx="0"/>
+          </p:cNvCxnSpPr>
+          <p:nvPr/>
+        </p:nvCxnSpPr>
+        <p:spPr>
+          <a:xfrm>
+            <a:off x="3851706" y="11077827"/>
+            <a:ext cx="0" cy="706674"/>
+          </a:xfrm>
+          <a:prstGeom prst="straightConnector1">
+            <a:avLst/>
+          </a:prstGeom>
+          <a:ln w="25400">
+            <a:solidFill>
+              <a:schemeClr val="tx1"/>
+            </a:solidFill>
+            <a:tailEnd type="triangle"/>
+          </a:ln>
+        </p:spPr>
+        <p:style>
+          <a:lnRef idx="1">
+            <a:schemeClr val="accent1"/>
+          </a:lnRef>
+          <a:fillRef idx="0">
+            <a:schemeClr val="accent1"/>
+          </a:fillRef>
+          <a:effectRef idx="0">
+            <a:schemeClr val="accent1"/>
+          </a:effectRef>
+          <a:fontRef idx="minor">
+            <a:schemeClr val="tx1"/>
+          </a:fontRef>
+        </p:style>
+      </p:cxnSp>
+      <p:sp>
+        <p:nvSpPr>
+          <p:cNvPr id="76" name="TextBox 75">
+            <a:extLst>
+              <a:ext uri="{FF2B5EF4-FFF2-40B4-BE49-F238E27FC236}">
+                <a16:creationId xmlns:a16="http://schemas.microsoft.com/office/drawing/2014/main" id="{F50F1517-E37D-B8A9-6E41-6BBA8F2E32BB}"/>
+              </a:ext>
+            </a:extLst>
+          </p:cNvPr>
+          <p:cNvSpPr txBox="1"/>
+          <p:nvPr/>
+        </p:nvSpPr>
+        <p:spPr>
+          <a:xfrm>
+            <a:off x="3325067" y="11201832"/>
+            <a:ext cx="523918" cy="369332"/>
+          </a:xfrm>
+          <a:prstGeom prst="rect">
+            <a:avLst/>
+          </a:prstGeom>
+          <a:noFill/>
+        </p:spPr>
+        <p:txBody>
+          <a:bodyPr wrap="square" rtlCol="0">
+            <a:spAutoFit/>
+          </a:bodyPr>
+          <a:lstStyle/>
+          <a:p>
+            <a:r>
+              <a:rPr lang="en-US" altLang="ko-KR"/>
+              <a:t>no</a:t>
+            </a:r>
+            <a:endParaRPr lang="ko-KR" altLang="en-US"/>
+          </a:p>
+        </p:txBody>
+      </p:sp>
+      <p:cxnSp>
+        <p:nvCxnSpPr>
+          <p:cNvPr id="77" name="연결선: 꺾임 76">
+            <a:extLst>
+              <a:ext uri="{FF2B5EF4-FFF2-40B4-BE49-F238E27FC236}">
+                <a16:creationId xmlns:a16="http://schemas.microsoft.com/office/drawing/2014/main" id="{1C1FFF82-B7B6-C30E-77E8-D514C1025EAF}"/>
+              </a:ext>
+            </a:extLst>
+          </p:cNvPr>
+          <p:cNvCxnSpPr>
+            <a:cxnSpLocks/>
+            <a:endCxn id="62" idx="1"/>
+          </p:cNvCxnSpPr>
+          <p:nvPr/>
+        </p:nvCxnSpPr>
+        <p:spPr>
+          <a:xfrm rot="5400000" flipH="1" flipV="1">
+            <a:off x="19527" y="11430280"/>
+            <a:ext cx="2809552" cy="2"/>
+          </a:xfrm>
+          <a:prstGeom prst="bentConnector2">
+            <a:avLst/>
+          </a:prstGeom>
+          <a:ln w="25400">
+            <a:solidFill>
+              <a:schemeClr val="tx1"/>
+            </a:solidFill>
+            <a:tailEnd type="triangle"/>
+          </a:ln>
+        </p:spPr>
+        <p:style>
+          <a:lnRef idx="1">
+            <a:schemeClr val="accent1"/>
+          </a:lnRef>
+          <a:fillRef idx="0">
+            <a:schemeClr val="accent1"/>
+          </a:fillRef>
+          <a:effectRef idx="0">
+            <a:schemeClr val="accent1"/>
+          </a:effectRef>
+          <a:fontRef idx="minor">
+            <a:schemeClr val="tx1"/>
+          </a:fontRef>
+        </p:style>
+      </p:cxnSp>
+      <p:sp>
+        <p:nvSpPr>
+          <p:cNvPr id="81" name="TextBox 80">
+            <a:extLst>
+              <a:ext uri="{FF2B5EF4-FFF2-40B4-BE49-F238E27FC236}">
+                <a16:creationId xmlns:a16="http://schemas.microsoft.com/office/drawing/2014/main" id="{59F1DACE-518B-CD84-46B0-ED55DAF0007D}"/>
+              </a:ext>
+            </a:extLst>
+          </p:cNvPr>
+          <p:cNvSpPr txBox="1"/>
+          <p:nvPr/>
+        </p:nvSpPr>
+        <p:spPr>
+          <a:xfrm>
+            <a:off x="793968" y="11319445"/>
+            <a:ext cx="523918" cy="369332"/>
+          </a:xfrm>
+          <a:prstGeom prst="rect">
+            <a:avLst/>
+          </a:prstGeom>
+          <a:noFill/>
+        </p:spPr>
+        <p:txBody>
+          <a:bodyPr wrap="square" rtlCol="0">
+            <a:spAutoFit/>
+          </a:bodyPr>
+          <a:lstStyle/>
+          <a:p>
+            <a:r>
+              <a:rPr lang="en-US" altLang="ko-KR"/>
+              <a:t>yes</a:t>
+            </a:r>
+            <a:endParaRPr lang="ko-KR" altLang="en-US"/>
+          </a:p>
+        </p:txBody>
+      </p:sp>
+    </p:spTree>
+    <p:extLst>
+      <p:ext uri="{BB962C8B-B14F-4D97-AF65-F5344CB8AC3E}">
+        <p14:creationId xmlns:p14="http://schemas.microsoft.com/office/powerpoint/2010/main" val="164554308"/>
       </p:ext>
     </p:extLst>
   </p:cSld>

--- a/BackendKnowledge/image/BackendKnowledgeImage.pptx
+++ b/BackendKnowledge/image/BackendKnowledgeImage.pptx
@@ -15,6 +15,8 @@
     <p:sldId id="263" r:id="rId9"/>
     <p:sldId id="264" r:id="rId10"/>
     <p:sldId id="265" r:id="rId11"/>
+    <p:sldId id="266" r:id="rId12"/>
+    <p:sldId id="267" r:id="rId13"/>
   </p:sldIdLst>
   <p:sldSz cx="21912263" cy="14417675"/>
   <p:notesSz cx="6858000" cy="9144000"/>
@@ -252,7 +254,7 @@
           <a:p>
             <a:fld id="{1E49D3E3-7C22-4238-B7C9-64AF60411701}" type="datetimeFigureOut">
               <a:rPr lang="ko-KR" altLang="en-US" smtClean="0"/>
-              <a:t>2023-03-07</a:t>
+              <a:t>2023-03-12</a:t>
             </a:fld>
             <a:endParaRPr lang="ko-KR" altLang="en-US"/>
           </a:p>
@@ -422,7 +424,7 @@
           <a:p>
             <a:fld id="{1E49D3E3-7C22-4238-B7C9-64AF60411701}" type="datetimeFigureOut">
               <a:rPr lang="ko-KR" altLang="en-US" smtClean="0"/>
-              <a:t>2023-03-07</a:t>
+              <a:t>2023-03-12</a:t>
             </a:fld>
             <a:endParaRPr lang="ko-KR" altLang="en-US"/>
           </a:p>
@@ -602,7 +604,7 @@
           <a:p>
             <a:fld id="{1E49D3E3-7C22-4238-B7C9-64AF60411701}" type="datetimeFigureOut">
               <a:rPr lang="ko-KR" altLang="en-US" smtClean="0"/>
-              <a:t>2023-03-07</a:t>
+              <a:t>2023-03-12</a:t>
             </a:fld>
             <a:endParaRPr lang="ko-KR" altLang="en-US"/>
           </a:p>
@@ -772,7 +774,7 @@
           <a:p>
             <a:fld id="{1E49D3E3-7C22-4238-B7C9-64AF60411701}" type="datetimeFigureOut">
               <a:rPr lang="ko-KR" altLang="en-US" smtClean="0"/>
-              <a:t>2023-03-07</a:t>
+              <a:t>2023-03-12</a:t>
             </a:fld>
             <a:endParaRPr lang="ko-KR" altLang="en-US"/>
           </a:p>
@@ -1016,7 +1018,7 @@
           <a:p>
             <a:fld id="{1E49D3E3-7C22-4238-B7C9-64AF60411701}" type="datetimeFigureOut">
               <a:rPr lang="ko-KR" altLang="en-US" smtClean="0"/>
-              <a:t>2023-03-07</a:t>
+              <a:t>2023-03-12</a:t>
             </a:fld>
             <a:endParaRPr lang="ko-KR" altLang="en-US"/>
           </a:p>
@@ -1248,7 +1250,7 @@
           <a:p>
             <a:fld id="{1E49D3E3-7C22-4238-B7C9-64AF60411701}" type="datetimeFigureOut">
               <a:rPr lang="ko-KR" altLang="en-US" smtClean="0"/>
-              <a:t>2023-03-07</a:t>
+              <a:t>2023-03-12</a:t>
             </a:fld>
             <a:endParaRPr lang="ko-KR" altLang="en-US"/>
           </a:p>
@@ -1615,7 +1617,7 @@
           <a:p>
             <a:fld id="{1E49D3E3-7C22-4238-B7C9-64AF60411701}" type="datetimeFigureOut">
               <a:rPr lang="ko-KR" altLang="en-US" smtClean="0"/>
-              <a:t>2023-03-07</a:t>
+              <a:t>2023-03-12</a:t>
             </a:fld>
             <a:endParaRPr lang="ko-KR" altLang="en-US"/>
           </a:p>
@@ -1733,7 +1735,7 @@
           <a:p>
             <a:fld id="{1E49D3E3-7C22-4238-B7C9-64AF60411701}" type="datetimeFigureOut">
               <a:rPr lang="ko-KR" altLang="en-US" smtClean="0"/>
-              <a:t>2023-03-07</a:t>
+              <a:t>2023-03-12</a:t>
             </a:fld>
             <a:endParaRPr lang="ko-KR" altLang="en-US"/>
           </a:p>
@@ -1828,7 +1830,7 @@
           <a:p>
             <a:fld id="{1E49D3E3-7C22-4238-B7C9-64AF60411701}" type="datetimeFigureOut">
               <a:rPr lang="ko-KR" altLang="en-US" smtClean="0"/>
-              <a:t>2023-03-07</a:t>
+              <a:t>2023-03-12</a:t>
             </a:fld>
             <a:endParaRPr lang="ko-KR" altLang="en-US"/>
           </a:p>
@@ -2105,7 +2107,7 @@
           <a:p>
             <a:fld id="{1E49D3E3-7C22-4238-B7C9-64AF60411701}" type="datetimeFigureOut">
               <a:rPr lang="ko-KR" altLang="en-US" smtClean="0"/>
-              <a:t>2023-03-07</a:t>
+              <a:t>2023-03-12</a:t>
             </a:fld>
             <a:endParaRPr lang="ko-KR" altLang="en-US"/>
           </a:p>
@@ -2362,7 +2364,7 @@
           <a:p>
             <a:fld id="{1E49D3E3-7C22-4238-B7C9-64AF60411701}" type="datetimeFigureOut">
               <a:rPr lang="ko-KR" altLang="en-US" smtClean="0"/>
-              <a:t>2023-03-07</a:t>
+              <a:t>2023-03-12</a:t>
             </a:fld>
             <a:endParaRPr lang="ko-KR" altLang="en-US"/>
           </a:p>
@@ -2575,7 +2577,7 @@
           <a:p>
             <a:fld id="{1E49D3E3-7C22-4238-B7C9-64AF60411701}" type="datetimeFigureOut">
               <a:rPr lang="ko-KR" altLang="en-US" smtClean="0"/>
-              <a:t>2023-03-07</a:t>
+              <a:t>2023-03-12</a:t>
             </a:fld>
             <a:endParaRPr lang="ko-KR" altLang="en-US"/>
           </a:p>
@@ -3312,6 +3314,74 @@
           </a:fontRef>
         </p:style>
       </p:cxnSp>
+      <p:sp>
+        <p:nvSpPr>
+          <p:cNvPr id="3" name="사각형: 둥근 모서리 2">
+            <a:extLst>
+              <a:ext uri="{FF2B5EF4-FFF2-40B4-BE49-F238E27FC236}">
+                <a16:creationId xmlns:a16="http://schemas.microsoft.com/office/drawing/2014/main" id="{0368BF4F-CC6F-BF46-2A15-C5B432E61947}"/>
+              </a:ext>
+            </a:extLst>
+          </p:cNvPr>
+          <p:cNvSpPr/>
+          <p:nvPr/>
+        </p:nvSpPr>
+        <p:spPr>
+          <a:xfrm>
+            <a:off x="966811" y="3276226"/>
+            <a:ext cx="1194099" cy="505609"/>
+          </a:xfrm>
+          <a:prstGeom prst="roundRect">
+            <a:avLst/>
+          </a:prstGeom>
+          <a:solidFill>
+            <a:schemeClr val="bg2">
+              <a:lumMod val="90000"/>
+            </a:schemeClr>
+          </a:solidFill>
+          <a:ln>
+            <a:solidFill>
+              <a:schemeClr val="tx1"/>
+            </a:solidFill>
+          </a:ln>
+        </p:spPr>
+        <p:style>
+          <a:lnRef idx="2">
+            <a:schemeClr val="accent1">
+              <a:shade val="50000"/>
+            </a:schemeClr>
+          </a:lnRef>
+          <a:fillRef idx="1">
+            <a:schemeClr val="accent1"/>
+          </a:fillRef>
+          <a:effectRef idx="0">
+            <a:schemeClr val="accent1"/>
+          </a:effectRef>
+          <a:fontRef idx="minor">
+            <a:schemeClr val="lt1"/>
+          </a:fontRef>
+        </p:style>
+        <p:txBody>
+          <a:bodyPr rtlCol="0" anchor="ctr"/>
+          <a:lstStyle/>
+          <a:p>
+            <a:pPr algn="ctr"/>
+            <a:r>
+              <a:rPr lang="en-US" altLang="ko-KR" b="1">
+                <a:solidFill>
+                  <a:schemeClr val="tx1"/>
+                </a:solidFill>
+              </a:rPr>
+              <a:t>Class</a:t>
+            </a:r>
+            <a:endParaRPr lang="ko-KR" altLang="en-US" b="1">
+              <a:solidFill>
+                <a:schemeClr val="tx1"/>
+              </a:solidFill>
+            </a:endParaRPr>
+          </a:p>
+        </p:txBody>
+      </p:sp>
     </p:spTree>
     <p:extLst>
       <p:ext uri="{BB962C8B-B14F-4D97-AF65-F5344CB8AC3E}">
@@ -4092,6 +4162,1712 @@
     <p:extLst>
       <p:ext uri="{BB962C8B-B14F-4D97-AF65-F5344CB8AC3E}">
         <p14:creationId xmlns:p14="http://schemas.microsoft.com/office/powerpoint/2010/main" val="2303037805"/>
+      </p:ext>
+    </p:extLst>
+  </p:cSld>
+  <p:clrMapOvr>
+    <a:masterClrMapping/>
+  </p:clrMapOvr>
+</p:sld>
+</file>
+
+<file path=ppt/slides/slide11.xml><?xml version="1.0" encoding="utf-8"?>
+<p:sld xmlns:a="http://schemas.openxmlformats.org/drawingml/2006/main" xmlns:r="http://schemas.openxmlformats.org/officeDocument/2006/relationships" xmlns:p="http://schemas.openxmlformats.org/presentationml/2006/main">
+  <p:cSld>
+    <p:spTree>
+      <p:nvGrpSpPr>
+        <p:cNvPr id="1" name=""/>
+        <p:cNvGrpSpPr/>
+        <p:nvPr/>
+      </p:nvGrpSpPr>
+      <p:grpSpPr>
+        <a:xfrm>
+          <a:off x="0" y="0"/>
+          <a:ext cx="0" cy="0"/>
+          <a:chOff x="0" y="0"/>
+          <a:chExt cx="0" cy="0"/>
+        </a:xfrm>
+      </p:grpSpPr>
+      <p:sp>
+        <p:nvSpPr>
+          <p:cNvPr id="4" name="사각형: 둥근 모서리 3">
+            <a:extLst>
+              <a:ext uri="{FF2B5EF4-FFF2-40B4-BE49-F238E27FC236}">
+                <a16:creationId xmlns:a16="http://schemas.microsoft.com/office/drawing/2014/main" id="{27ADE15D-D211-4E1E-08C9-CC0EF48C4C98}"/>
+              </a:ext>
+            </a:extLst>
+          </p:cNvPr>
+          <p:cNvSpPr/>
+          <p:nvPr/>
+        </p:nvSpPr>
+        <p:spPr>
+          <a:xfrm>
+            <a:off x="872154" y="5216399"/>
+            <a:ext cx="1194099" cy="505609"/>
+          </a:xfrm>
+          <a:prstGeom prst="roundRect">
+            <a:avLst/>
+          </a:prstGeom>
+          <a:solidFill>
+            <a:schemeClr val="accent1">
+              <a:lumMod val="20000"/>
+              <a:lumOff val="80000"/>
+            </a:schemeClr>
+          </a:solidFill>
+          <a:ln>
+            <a:solidFill>
+              <a:schemeClr val="tx1"/>
+            </a:solidFill>
+          </a:ln>
+        </p:spPr>
+        <p:style>
+          <a:lnRef idx="2">
+            <a:schemeClr val="accent1">
+              <a:shade val="50000"/>
+            </a:schemeClr>
+          </a:lnRef>
+          <a:fillRef idx="1">
+            <a:schemeClr val="accent1"/>
+          </a:fillRef>
+          <a:effectRef idx="0">
+            <a:schemeClr val="accent1"/>
+          </a:effectRef>
+          <a:fontRef idx="minor">
+            <a:schemeClr val="lt1"/>
+          </a:fontRef>
+        </p:style>
+        <p:txBody>
+          <a:bodyPr rtlCol="0" anchor="ctr"/>
+          <a:lstStyle/>
+          <a:p>
+            <a:pPr algn="ctr"/>
+            <a:r>
+              <a:rPr lang="en-US" altLang="ko-KR" b="1">
+                <a:solidFill>
+                  <a:schemeClr val="tx1"/>
+                </a:solidFill>
+              </a:rPr>
+              <a:t>Cart</a:t>
+            </a:r>
+          </a:p>
+          <a:p>
+            <a:pPr algn="ctr"/>
+            <a:r>
+              <a:rPr lang="en-US" altLang="ko-KR" b="1">
+                <a:solidFill>
+                  <a:schemeClr val="tx1"/>
+                </a:solidFill>
+              </a:rPr>
+              <a:t>Controller</a:t>
+            </a:r>
+            <a:endParaRPr lang="ko-KR" altLang="en-US" b="1">
+              <a:solidFill>
+                <a:schemeClr val="tx1"/>
+              </a:solidFill>
+            </a:endParaRPr>
+          </a:p>
+        </p:txBody>
+      </p:sp>
+      <p:sp>
+        <p:nvSpPr>
+          <p:cNvPr id="6" name="사각형: 둥근 모서리 5">
+            <a:extLst>
+              <a:ext uri="{FF2B5EF4-FFF2-40B4-BE49-F238E27FC236}">
+                <a16:creationId xmlns:a16="http://schemas.microsoft.com/office/drawing/2014/main" id="{6F097AB8-EFC4-C0BB-C364-139C6220B461}"/>
+              </a:ext>
+            </a:extLst>
+          </p:cNvPr>
+          <p:cNvSpPr/>
+          <p:nvPr/>
+        </p:nvSpPr>
+        <p:spPr>
+          <a:xfrm>
+            <a:off x="2605751" y="5216398"/>
+            <a:ext cx="1194099" cy="505609"/>
+          </a:xfrm>
+          <a:prstGeom prst="roundRect">
+            <a:avLst/>
+          </a:prstGeom>
+          <a:solidFill>
+            <a:schemeClr val="bg2">
+              <a:lumMod val="90000"/>
+            </a:schemeClr>
+          </a:solidFill>
+          <a:ln>
+            <a:solidFill>
+              <a:schemeClr val="tx1"/>
+            </a:solidFill>
+          </a:ln>
+        </p:spPr>
+        <p:style>
+          <a:lnRef idx="2">
+            <a:schemeClr val="accent1">
+              <a:shade val="50000"/>
+            </a:schemeClr>
+          </a:lnRef>
+          <a:fillRef idx="1">
+            <a:schemeClr val="accent1"/>
+          </a:fillRef>
+          <a:effectRef idx="0">
+            <a:schemeClr val="accent1"/>
+          </a:effectRef>
+          <a:fontRef idx="minor">
+            <a:schemeClr val="lt1"/>
+          </a:fontRef>
+        </p:style>
+        <p:txBody>
+          <a:bodyPr rtlCol="0" anchor="ctr"/>
+          <a:lstStyle/>
+          <a:p>
+            <a:pPr algn="ctr"/>
+            <a:r>
+              <a:rPr lang="en-US" altLang="ko-KR" b="1">
+                <a:solidFill>
+                  <a:schemeClr val="tx1"/>
+                </a:solidFill>
+              </a:rPr>
+              <a:t>Redis</a:t>
+            </a:r>
+            <a:endParaRPr lang="ko-KR" altLang="en-US" b="1">
+              <a:solidFill>
+                <a:schemeClr val="tx1"/>
+              </a:solidFill>
+            </a:endParaRPr>
+          </a:p>
+        </p:txBody>
+      </p:sp>
+      <p:cxnSp>
+        <p:nvCxnSpPr>
+          <p:cNvPr id="7" name="직선 화살표 연결선 6">
+            <a:extLst>
+              <a:ext uri="{FF2B5EF4-FFF2-40B4-BE49-F238E27FC236}">
+                <a16:creationId xmlns:a16="http://schemas.microsoft.com/office/drawing/2014/main" id="{4AC7B4E2-EF3B-694E-B394-8A80D7B06188}"/>
+              </a:ext>
+            </a:extLst>
+          </p:cNvPr>
+          <p:cNvCxnSpPr>
+            <a:cxnSpLocks/>
+            <a:stCxn id="11" idx="2"/>
+            <a:endCxn id="4" idx="0"/>
+          </p:cNvCxnSpPr>
+          <p:nvPr/>
+        </p:nvCxnSpPr>
+        <p:spPr>
+          <a:xfrm>
+            <a:off x="1469203" y="3747712"/>
+            <a:ext cx="1" cy="1468687"/>
+          </a:xfrm>
+          <a:prstGeom prst="straightConnector1">
+            <a:avLst/>
+          </a:prstGeom>
+          <a:ln w="25400">
+            <a:solidFill>
+              <a:schemeClr val="tx1"/>
+            </a:solidFill>
+            <a:tailEnd type="triangle"/>
+          </a:ln>
+        </p:spPr>
+        <p:style>
+          <a:lnRef idx="1">
+            <a:schemeClr val="accent1"/>
+          </a:lnRef>
+          <a:fillRef idx="0">
+            <a:schemeClr val="accent1"/>
+          </a:fillRef>
+          <a:effectRef idx="0">
+            <a:schemeClr val="accent1"/>
+          </a:effectRef>
+          <a:fontRef idx="minor">
+            <a:schemeClr val="tx1"/>
+          </a:fontRef>
+        </p:style>
+      </p:cxnSp>
+      <p:sp>
+        <p:nvSpPr>
+          <p:cNvPr id="11" name="사각형: 둥근 모서리 10">
+            <a:extLst>
+              <a:ext uri="{FF2B5EF4-FFF2-40B4-BE49-F238E27FC236}">
+                <a16:creationId xmlns:a16="http://schemas.microsoft.com/office/drawing/2014/main" id="{2F22B30D-2D06-917A-0AB8-ACF5D96849C4}"/>
+              </a:ext>
+            </a:extLst>
+          </p:cNvPr>
+          <p:cNvSpPr/>
+          <p:nvPr/>
+        </p:nvSpPr>
+        <p:spPr>
+          <a:xfrm>
+            <a:off x="872153" y="3242103"/>
+            <a:ext cx="1194099" cy="505609"/>
+          </a:xfrm>
+          <a:prstGeom prst="roundRect">
+            <a:avLst/>
+          </a:prstGeom>
+          <a:solidFill>
+            <a:schemeClr val="bg2">
+              <a:lumMod val="90000"/>
+            </a:schemeClr>
+          </a:solidFill>
+          <a:ln>
+            <a:solidFill>
+              <a:schemeClr val="tx1"/>
+            </a:solidFill>
+          </a:ln>
+        </p:spPr>
+        <p:style>
+          <a:lnRef idx="2">
+            <a:schemeClr val="accent1">
+              <a:shade val="50000"/>
+            </a:schemeClr>
+          </a:lnRef>
+          <a:fillRef idx="1">
+            <a:schemeClr val="accent1"/>
+          </a:fillRef>
+          <a:effectRef idx="0">
+            <a:schemeClr val="accent1"/>
+          </a:effectRef>
+          <a:fontRef idx="minor">
+            <a:schemeClr val="lt1"/>
+          </a:fontRef>
+        </p:style>
+        <p:txBody>
+          <a:bodyPr rtlCol="0" anchor="ctr"/>
+          <a:lstStyle/>
+          <a:p>
+            <a:pPr algn="ctr"/>
+            <a:r>
+              <a:rPr lang="en-US" altLang="ko-KR" b="1">
+                <a:solidFill>
+                  <a:schemeClr val="tx1"/>
+                </a:solidFill>
+              </a:rPr>
+              <a:t>User</a:t>
+            </a:r>
+          </a:p>
+          <a:p>
+            <a:pPr algn="ctr"/>
+            <a:r>
+              <a:rPr lang="en-US" altLang="ko-KR" b="1">
+                <a:solidFill>
+                  <a:schemeClr val="tx1"/>
+                </a:solidFill>
+              </a:rPr>
+              <a:t>Frontend</a:t>
+            </a:r>
+            <a:endParaRPr lang="ko-KR" altLang="en-US" b="1">
+              <a:solidFill>
+                <a:schemeClr val="tx1"/>
+              </a:solidFill>
+            </a:endParaRPr>
+          </a:p>
+        </p:txBody>
+      </p:sp>
+      <p:sp>
+        <p:nvSpPr>
+          <p:cNvPr id="13" name="TextBox 12">
+            <a:extLst>
+              <a:ext uri="{FF2B5EF4-FFF2-40B4-BE49-F238E27FC236}">
+                <a16:creationId xmlns:a16="http://schemas.microsoft.com/office/drawing/2014/main" id="{07F53ADB-2A5C-7107-B230-45FAF0480496}"/>
+              </a:ext>
+            </a:extLst>
+          </p:cNvPr>
+          <p:cNvSpPr txBox="1"/>
+          <p:nvPr/>
+        </p:nvSpPr>
+        <p:spPr>
+          <a:xfrm>
+            <a:off x="4538822" y="2185617"/>
+            <a:ext cx="2575540" cy="646331"/>
+          </a:xfrm>
+          <a:prstGeom prst="rect">
+            <a:avLst/>
+          </a:prstGeom>
+          <a:noFill/>
+        </p:spPr>
+        <p:txBody>
+          <a:bodyPr wrap="square" rtlCol="0">
+            <a:spAutoFit/>
+          </a:bodyPr>
+          <a:lstStyle/>
+          <a:p>
+            <a:r>
+              <a:rPr lang="ko-KR" altLang="en-US"/>
+              <a:t>사용자에 장바구니 조회</a:t>
+            </a:r>
+            <a:endParaRPr lang="en-US" altLang="ko-KR"/>
+          </a:p>
+          <a:p>
+            <a:r>
+              <a:rPr lang="en-US" altLang="ko-KR"/>
+              <a:t>GET /carts/users/{userId}</a:t>
+            </a:r>
+            <a:endParaRPr lang="ko-KR" altLang="en-US"/>
+          </a:p>
+        </p:txBody>
+      </p:sp>
+      <p:sp>
+        <p:nvSpPr>
+          <p:cNvPr id="14" name="TextBox 13">
+            <a:extLst>
+              <a:ext uri="{FF2B5EF4-FFF2-40B4-BE49-F238E27FC236}">
+                <a16:creationId xmlns:a16="http://schemas.microsoft.com/office/drawing/2014/main" id="{1192AD13-DA79-5D84-CDD0-E1604EBA673D}"/>
+              </a:ext>
+            </a:extLst>
+          </p:cNvPr>
+          <p:cNvSpPr txBox="1"/>
+          <p:nvPr/>
+        </p:nvSpPr>
+        <p:spPr>
+          <a:xfrm>
+            <a:off x="4537249" y="3039481"/>
+            <a:ext cx="2575540" cy="1754326"/>
+          </a:xfrm>
+          <a:prstGeom prst="rect">
+            <a:avLst/>
+          </a:prstGeom>
+          <a:noFill/>
+        </p:spPr>
+        <p:txBody>
+          <a:bodyPr wrap="square" rtlCol="0">
+            <a:spAutoFit/>
+          </a:bodyPr>
+          <a:lstStyle/>
+          <a:p>
+            <a:r>
+              <a:rPr lang="ko-KR" altLang="en-US"/>
+              <a:t>장바구니에 품목 추가</a:t>
+            </a:r>
+            <a:endParaRPr lang="en-US" altLang="ko-KR"/>
+          </a:p>
+          <a:p>
+            <a:r>
+              <a:rPr lang="en-US" altLang="ko-KR"/>
+              <a:t>POST /carts/users/{userId}</a:t>
+            </a:r>
+          </a:p>
+          <a:p>
+            <a:r>
+              <a:rPr lang="en-US" altLang="ko-KR"/>
+              <a:t>{</a:t>
+            </a:r>
+          </a:p>
+          <a:p>
+            <a:r>
+              <a:rPr lang="en-US" altLang="ko-KR"/>
+              <a:t>	postId:,</a:t>
+            </a:r>
+          </a:p>
+          <a:p>
+            <a:r>
+              <a:rPr lang="en-US" altLang="ko-KR"/>
+              <a:t>	quantity:	</a:t>
+            </a:r>
+          </a:p>
+          <a:p>
+            <a:r>
+              <a:rPr lang="en-US" altLang="ko-KR"/>
+              <a:t>}</a:t>
+            </a:r>
+            <a:endParaRPr lang="ko-KR" altLang="en-US"/>
+          </a:p>
+        </p:txBody>
+      </p:sp>
+      <p:sp>
+        <p:nvSpPr>
+          <p:cNvPr id="15" name="TextBox 14">
+            <a:extLst>
+              <a:ext uri="{FF2B5EF4-FFF2-40B4-BE49-F238E27FC236}">
+                <a16:creationId xmlns:a16="http://schemas.microsoft.com/office/drawing/2014/main" id="{AEFA7D33-54C9-8360-9539-26EEB1E06FB5}"/>
+              </a:ext>
+            </a:extLst>
+          </p:cNvPr>
+          <p:cNvSpPr txBox="1"/>
+          <p:nvPr/>
+        </p:nvSpPr>
+        <p:spPr>
+          <a:xfrm>
+            <a:off x="4538821" y="5154369"/>
+            <a:ext cx="3064791" cy="1754326"/>
+          </a:xfrm>
+          <a:prstGeom prst="rect">
+            <a:avLst/>
+          </a:prstGeom>
+          <a:noFill/>
+        </p:spPr>
+        <p:txBody>
+          <a:bodyPr wrap="square" rtlCol="0">
+            <a:spAutoFit/>
+          </a:bodyPr>
+          <a:lstStyle/>
+          <a:p>
+            <a:r>
+              <a:rPr lang="ko-KR" altLang="en-US"/>
+              <a:t>장바구니 수량 변경</a:t>
+            </a:r>
+            <a:endParaRPr lang="en-US" altLang="ko-KR"/>
+          </a:p>
+          <a:p>
+            <a:r>
+              <a:rPr lang="en-US" altLang="ko-KR"/>
+              <a:t>PATCH /carts/users/{userId}</a:t>
+            </a:r>
+          </a:p>
+          <a:p>
+            <a:r>
+              <a:rPr lang="en-US" altLang="ko-KR"/>
+              <a:t>{</a:t>
+            </a:r>
+          </a:p>
+          <a:p>
+            <a:r>
+              <a:rPr lang="en-US" altLang="ko-KR"/>
+              <a:t>	postId:,</a:t>
+            </a:r>
+          </a:p>
+          <a:p>
+            <a:r>
+              <a:rPr lang="en-US" altLang="ko-KR"/>
+              <a:t>	quantity:	</a:t>
+            </a:r>
+          </a:p>
+          <a:p>
+            <a:r>
+              <a:rPr lang="en-US" altLang="ko-KR"/>
+              <a:t>}</a:t>
+            </a:r>
+            <a:endParaRPr lang="ko-KR" altLang="en-US"/>
+          </a:p>
+        </p:txBody>
+      </p:sp>
+      <p:sp>
+        <p:nvSpPr>
+          <p:cNvPr id="16" name="TextBox 15">
+            <a:extLst>
+              <a:ext uri="{FF2B5EF4-FFF2-40B4-BE49-F238E27FC236}">
+                <a16:creationId xmlns:a16="http://schemas.microsoft.com/office/drawing/2014/main" id="{49A6B8C8-3082-4942-B4E5-AEC02BDF3967}"/>
+              </a:ext>
+            </a:extLst>
+          </p:cNvPr>
+          <p:cNvSpPr txBox="1"/>
+          <p:nvPr/>
+        </p:nvSpPr>
+        <p:spPr>
+          <a:xfrm>
+            <a:off x="4538820" y="7269257"/>
+            <a:ext cx="3064791" cy="1477328"/>
+          </a:xfrm>
+          <a:prstGeom prst="rect">
+            <a:avLst/>
+          </a:prstGeom>
+          <a:noFill/>
+        </p:spPr>
+        <p:txBody>
+          <a:bodyPr wrap="square" rtlCol="0">
+            <a:spAutoFit/>
+          </a:bodyPr>
+          <a:lstStyle/>
+          <a:p>
+            <a:r>
+              <a:rPr lang="ko-KR" altLang="en-US"/>
+              <a:t>장바구니 제거</a:t>
+            </a:r>
+            <a:endParaRPr lang="en-US" altLang="ko-KR"/>
+          </a:p>
+          <a:p>
+            <a:r>
+              <a:rPr lang="en-US" altLang="ko-KR"/>
+              <a:t>DELETE /carts/users/{userId}</a:t>
+            </a:r>
+          </a:p>
+          <a:p>
+            <a:r>
+              <a:rPr lang="en-US" altLang="ko-KR"/>
+              <a:t>{</a:t>
+            </a:r>
+          </a:p>
+          <a:p>
+            <a:r>
+              <a:rPr lang="en-US" altLang="ko-KR"/>
+              <a:t>	postId:,</a:t>
+            </a:r>
+          </a:p>
+          <a:p>
+            <a:r>
+              <a:rPr lang="en-US" altLang="ko-KR"/>
+              <a:t>}</a:t>
+            </a:r>
+            <a:endParaRPr lang="ko-KR" altLang="en-US"/>
+          </a:p>
+        </p:txBody>
+      </p:sp>
+      <p:sp>
+        <p:nvSpPr>
+          <p:cNvPr id="20" name="사각형: 둥근 모서리 19">
+            <a:extLst>
+              <a:ext uri="{FF2B5EF4-FFF2-40B4-BE49-F238E27FC236}">
+                <a16:creationId xmlns:a16="http://schemas.microsoft.com/office/drawing/2014/main" id="{3E80BFF1-7795-E4A3-FAF7-47166CB1A726}"/>
+              </a:ext>
+            </a:extLst>
+          </p:cNvPr>
+          <p:cNvSpPr/>
+          <p:nvPr/>
+        </p:nvSpPr>
+        <p:spPr>
+          <a:xfrm>
+            <a:off x="9249341" y="7755115"/>
+            <a:ext cx="1194099" cy="505609"/>
+          </a:xfrm>
+          <a:prstGeom prst="roundRect">
+            <a:avLst/>
+          </a:prstGeom>
+          <a:solidFill>
+            <a:schemeClr val="bg2">
+              <a:lumMod val="90000"/>
+            </a:schemeClr>
+          </a:solidFill>
+          <a:ln>
+            <a:solidFill>
+              <a:schemeClr val="tx1"/>
+            </a:solidFill>
+          </a:ln>
+        </p:spPr>
+        <p:style>
+          <a:lnRef idx="2">
+            <a:schemeClr val="accent1">
+              <a:shade val="50000"/>
+            </a:schemeClr>
+          </a:lnRef>
+          <a:fillRef idx="1">
+            <a:schemeClr val="accent1"/>
+          </a:fillRef>
+          <a:effectRef idx="0">
+            <a:schemeClr val="accent1"/>
+          </a:effectRef>
+          <a:fontRef idx="minor">
+            <a:schemeClr val="lt1"/>
+          </a:fontRef>
+        </p:style>
+        <p:txBody>
+          <a:bodyPr rtlCol="0" anchor="ctr"/>
+          <a:lstStyle/>
+          <a:p>
+            <a:pPr algn="ctr"/>
+            <a:r>
+              <a:rPr lang="en-US" altLang="ko-KR" b="1">
+                <a:solidFill>
+                  <a:schemeClr val="tx1"/>
+                </a:solidFill>
+              </a:rPr>
+              <a:t>DB</a:t>
+            </a:r>
+            <a:endParaRPr lang="ko-KR" altLang="en-US" b="1">
+              <a:solidFill>
+                <a:schemeClr val="tx1"/>
+              </a:solidFill>
+            </a:endParaRPr>
+          </a:p>
+        </p:txBody>
+      </p:sp>
+      <p:cxnSp>
+        <p:nvCxnSpPr>
+          <p:cNvPr id="27" name="직선 화살표 연결선 26">
+            <a:extLst>
+              <a:ext uri="{FF2B5EF4-FFF2-40B4-BE49-F238E27FC236}">
+                <a16:creationId xmlns:a16="http://schemas.microsoft.com/office/drawing/2014/main" id="{C071EA8A-B534-F6AF-A6C0-775E2A21AEFA}"/>
+              </a:ext>
+            </a:extLst>
+          </p:cNvPr>
+          <p:cNvCxnSpPr>
+            <a:cxnSpLocks/>
+            <a:stCxn id="4" idx="3"/>
+            <a:endCxn id="6" idx="1"/>
+          </p:cNvCxnSpPr>
+          <p:nvPr/>
+        </p:nvCxnSpPr>
+        <p:spPr>
+          <a:xfrm flipV="1">
+            <a:off x="2066253" y="5469203"/>
+            <a:ext cx="539498" cy="1"/>
+          </a:xfrm>
+          <a:prstGeom prst="straightConnector1">
+            <a:avLst/>
+          </a:prstGeom>
+          <a:ln w="25400">
+            <a:solidFill>
+              <a:schemeClr val="tx1"/>
+            </a:solidFill>
+            <a:tailEnd type="triangle"/>
+          </a:ln>
+        </p:spPr>
+        <p:style>
+          <a:lnRef idx="1">
+            <a:schemeClr val="accent1"/>
+          </a:lnRef>
+          <a:fillRef idx="0">
+            <a:schemeClr val="accent1"/>
+          </a:fillRef>
+          <a:effectRef idx="0">
+            <a:schemeClr val="accent1"/>
+          </a:effectRef>
+          <a:fontRef idx="minor">
+            <a:schemeClr val="tx1"/>
+          </a:fontRef>
+        </p:style>
+      </p:cxnSp>
+      <p:sp>
+        <p:nvSpPr>
+          <p:cNvPr id="31" name="사각형: 둥근 모서리 30">
+            <a:extLst>
+              <a:ext uri="{FF2B5EF4-FFF2-40B4-BE49-F238E27FC236}">
+                <a16:creationId xmlns:a16="http://schemas.microsoft.com/office/drawing/2014/main" id="{F2AAEFD2-994A-568E-3B33-EF1D35F64BAC}"/>
+              </a:ext>
+            </a:extLst>
+          </p:cNvPr>
+          <p:cNvSpPr/>
+          <p:nvPr/>
+        </p:nvSpPr>
+        <p:spPr>
+          <a:xfrm>
+            <a:off x="9249341" y="5154369"/>
+            <a:ext cx="1194099" cy="505609"/>
+          </a:xfrm>
+          <a:prstGeom prst="roundRect">
+            <a:avLst/>
+          </a:prstGeom>
+          <a:solidFill>
+            <a:schemeClr val="accent1">
+              <a:lumMod val="20000"/>
+              <a:lumOff val="80000"/>
+            </a:schemeClr>
+          </a:solidFill>
+          <a:ln>
+            <a:solidFill>
+              <a:schemeClr val="tx1"/>
+            </a:solidFill>
+          </a:ln>
+        </p:spPr>
+        <p:style>
+          <a:lnRef idx="2">
+            <a:schemeClr val="accent1">
+              <a:shade val="50000"/>
+            </a:schemeClr>
+          </a:lnRef>
+          <a:fillRef idx="1">
+            <a:schemeClr val="accent1"/>
+          </a:fillRef>
+          <a:effectRef idx="0">
+            <a:schemeClr val="accent1"/>
+          </a:effectRef>
+          <a:fontRef idx="minor">
+            <a:schemeClr val="lt1"/>
+          </a:fontRef>
+        </p:style>
+        <p:txBody>
+          <a:bodyPr rtlCol="0" anchor="ctr"/>
+          <a:lstStyle/>
+          <a:p>
+            <a:pPr algn="ctr"/>
+            <a:r>
+              <a:rPr lang="en-US" altLang="ko-KR" b="1">
+                <a:solidFill>
+                  <a:schemeClr val="tx1"/>
+                </a:solidFill>
+              </a:rPr>
+              <a:t>Product</a:t>
+            </a:r>
+          </a:p>
+          <a:p>
+            <a:pPr algn="ctr"/>
+            <a:r>
+              <a:rPr lang="en-US" altLang="ko-KR" b="1">
+                <a:solidFill>
+                  <a:schemeClr val="tx1"/>
+                </a:solidFill>
+              </a:rPr>
+              <a:t>Controller</a:t>
+            </a:r>
+            <a:endParaRPr lang="ko-KR" altLang="en-US" b="1">
+              <a:solidFill>
+                <a:schemeClr val="tx1"/>
+              </a:solidFill>
+            </a:endParaRPr>
+          </a:p>
+        </p:txBody>
+      </p:sp>
+      <p:sp>
+        <p:nvSpPr>
+          <p:cNvPr id="32" name="사각형: 둥근 모서리 31">
+            <a:extLst>
+              <a:ext uri="{FF2B5EF4-FFF2-40B4-BE49-F238E27FC236}">
+                <a16:creationId xmlns:a16="http://schemas.microsoft.com/office/drawing/2014/main" id="{21CF0F0F-6076-1E42-C8C8-AEEFBC54523C}"/>
+              </a:ext>
+            </a:extLst>
+          </p:cNvPr>
+          <p:cNvSpPr/>
+          <p:nvPr/>
+        </p:nvSpPr>
+        <p:spPr>
+          <a:xfrm>
+            <a:off x="14198190" y="7741263"/>
+            <a:ext cx="1194099" cy="505609"/>
+          </a:xfrm>
+          <a:prstGeom prst="roundRect">
+            <a:avLst/>
+          </a:prstGeom>
+          <a:solidFill>
+            <a:schemeClr val="bg2">
+              <a:lumMod val="90000"/>
+            </a:schemeClr>
+          </a:solidFill>
+          <a:ln>
+            <a:solidFill>
+              <a:schemeClr val="tx1"/>
+            </a:solidFill>
+          </a:ln>
+        </p:spPr>
+        <p:style>
+          <a:lnRef idx="2">
+            <a:schemeClr val="accent1">
+              <a:shade val="50000"/>
+            </a:schemeClr>
+          </a:lnRef>
+          <a:fillRef idx="1">
+            <a:schemeClr val="accent1"/>
+          </a:fillRef>
+          <a:effectRef idx="0">
+            <a:schemeClr val="accent1"/>
+          </a:effectRef>
+          <a:fontRef idx="minor">
+            <a:schemeClr val="lt1"/>
+          </a:fontRef>
+        </p:style>
+        <p:txBody>
+          <a:bodyPr rtlCol="0" anchor="ctr"/>
+          <a:lstStyle/>
+          <a:p>
+            <a:pPr algn="ctr"/>
+            <a:r>
+              <a:rPr lang="en-US" altLang="ko-KR" b="1">
+                <a:solidFill>
+                  <a:schemeClr val="tx1"/>
+                </a:solidFill>
+              </a:rPr>
+              <a:t>Redis</a:t>
+            </a:r>
+            <a:endParaRPr lang="ko-KR" altLang="en-US" b="1">
+              <a:solidFill>
+                <a:schemeClr val="tx1"/>
+              </a:solidFill>
+            </a:endParaRPr>
+          </a:p>
+        </p:txBody>
+      </p:sp>
+      <p:cxnSp>
+        <p:nvCxnSpPr>
+          <p:cNvPr id="33" name="직선 화살표 연결선 32">
+            <a:extLst>
+              <a:ext uri="{FF2B5EF4-FFF2-40B4-BE49-F238E27FC236}">
+                <a16:creationId xmlns:a16="http://schemas.microsoft.com/office/drawing/2014/main" id="{FB5836A3-ABB3-026D-D4BF-CA3CC7DF130D}"/>
+              </a:ext>
+            </a:extLst>
+          </p:cNvPr>
+          <p:cNvCxnSpPr>
+            <a:cxnSpLocks/>
+            <a:stCxn id="34" idx="2"/>
+            <a:endCxn id="31" idx="0"/>
+          </p:cNvCxnSpPr>
+          <p:nvPr/>
+        </p:nvCxnSpPr>
+        <p:spPr>
+          <a:xfrm>
+            <a:off x="9846391" y="3679328"/>
+            <a:ext cx="0" cy="1475041"/>
+          </a:xfrm>
+          <a:prstGeom prst="straightConnector1">
+            <a:avLst/>
+          </a:prstGeom>
+          <a:ln w="25400">
+            <a:solidFill>
+              <a:schemeClr val="tx1"/>
+            </a:solidFill>
+            <a:tailEnd type="triangle"/>
+          </a:ln>
+        </p:spPr>
+        <p:style>
+          <a:lnRef idx="1">
+            <a:schemeClr val="accent1"/>
+          </a:lnRef>
+          <a:fillRef idx="0">
+            <a:schemeClr val="accent1"/>
+          </a:fillRef>
+          <a:effectRef idx="0">
+            <a:schemeClr val="accent1"/>
+          </a:effectRef>
+          <a:fontRef idx="minor">
+            <a:schemeClr val="tx1"/>
+          </a:fontRef>
+        </p:style>
+      </p:cxnSp>
+      <p:sp>
+        <p:nvSpPr>
+          <p:cNvPr id="34" name="사각형: 둥근 모서리 33">
+            <a:extLst>
+              <a:ext uri="{FF2B5EF4-FFF2-40B4-BE49-F238E27FC236}">
+                <a16:creationId xmlns:a16="http://schemas.microsoft.com/office/drawing/2014/main" id="{F942AC2C-0E31-B16B-8168-AA58F5AB6113}"/>
+              </a:ext>
+            </a:extLst>
+          </p:cNvPr>
+          <p:cNvSpPr/>
+          <p:nvPr/>
+        </p:nvSpPr>
+        <p:spPr>
+          <a:xfrm>
+            <a:off x="9249341" y="3173719"/>
+            <a:ext cx="1194099" cy="505609"/>
+          </a:xfrm>
+          <a:prstGeom prst="roundRect">
+            <a:avLst/>
+          </a:prstGeom>
+          <a:solidFill>
+            <a:schemeClr val="bg2">
+              <a:lumMod val="90000"/>
+            </a:schemeClr>
+          </a:solidFill>
+          <a:ln>
+            <a:solidFill>
+              <a:schemeClr val="tx1"/>
+            </a:solidFill>
+          </a:ln>
+        </p:spPr>
+        <p:style>
+          <a:lnRef idx="2">
+            <a:schemeClr val="accent1">
+              <a:shade val="50000"/>
+            </a:schemeClr>
+          </a:lnRef>
+          <a:fillRef idx="1">
+            <a:schemeClr val="accent1"/>
+          </a:fillRef>
+          <a:effectRef idx="0">
+            <a:schemeClr val="accent1"/>
+          </a:effectRef>
+          <a:fontRef idx="minor">
+            <a:schemeClr val="lt1"/>
+          </a:fontRef>
+        </p:style>
+        <p:txBody>
+          <a:bodyPr rtlCol="0" anchor="ctr"/>
+          <a:lstStyle/>
+          <a:p>
+            <a:pPr algn="ctr"/>
+            <a:r>
+              <a:rPr lang="en-US" altLang="ko-KR" b="1">
+                <a:solidFill>
+                  <a:schemeClr val="tx1"/>
+                </a:solidFill>
+              </a:rPr>
+              <a:t>Admin</a:t>
+            </a:r>
+          </a:p>
+          <a:p>
+            <a:pPr algn="ctr"/>
+            <a:r>
+              <a:rPr lang="en-US" altLang="ko-KR" b="1">
+                <a:solidFill>
+                  <a:schemeClr val="tx1"/>
+                </a:solidFill>
+              </a:rPr>
+              <a:t>Frontend</a:t>
+            </a:r>
+            <a:endParaRPr lang="ko-KR" altLang="en-US" b="1">
+              <a:solidFill>
+                <a:schemeClr val="tx1"/>
+              </a:solidFill>
+            </a:endParaRPr>
+          </a:p>
+        </p:txBody>
+      </p:sp>
+      <p:cxnSp>
+        <p:nvCxnSpPr>
+          <p:cNvPr id="35" name="직선 화살표 연결선 34">
+            <a:extLst>
+              <a:ext uri="{FF2B5EF4-FFF2-40B4-BE49-F238E27FC236}">
+                <a16:creationId xmlns:a16="http://schemas.microsoft.com/office/drawing/2014/main" id="{1A9CF864-B6BB-5E72-EC50-2E2F00385C00}"/>
+              </a:ext>
+            </a:extLst>
+          </p:cNvPr>
+          <p:cNvCxnSpPr>
+            <a:cxnSpLocks/>
+            <a:stCxn id="31" idx="2"/>
+            <a:endCxn id="20" idx="0"/>
+          </p:cNvCxnSpPr>
+          <p:nvPr/>
+        </p:nvCxnSpPr>
+        <p:spPr>
+          <a:xfrm>
+            <a:off x="9846391" y="5659978"/>
+            <a:ext cx="0" cy="2095137"/>
+          </a:xfrm>
+          <a:prstGeom prst="straightConnector1">
+            <a:avLst/>
+          </a:prstGeom>
+          <a:ln w="25400">
+            <a:solidFill>
+              <a:schemeClr val="tx1"/>
+            </a:solidFill>
+            <a:tailEnd type="triangle"/>
+          </a:ln>
+        </p:spPr>
+        <p:style>
+          <a:lnRef idx="1">
+            <a:schemeClr val="accent1"/>
+          </a:lnRef>
+          <a:fillRef idx="0">
+            <a:schemeClr val="accent1"/>
+          </a:fillRef>
+          <a:effectRef idx="0">
+            <a:schemeClr val="accent1"/>
+          </a:effectRef>
+          <a:fontRef idx="minor">
+            <a:schemeClr val="tx1"/>
+          </a:fontRef>
+        </p:style>
+      </p:cxnSp>
+      <p:sp>
+        <p:nvSpPr>
+          <p:cNvPr id="39" name="TextBox 38">
+            <a:extLst>
+              <a:ext uri="{FF2B5EF4-FFF2-40B4-BE49-F238E27FC236}">
+                <a16:creationId xmlns:a16="http://schemas.microsoft.com/office/drawing/2014/main" id="{91FAF6CD-A0AE-2812-A5CD-B41BEA29A3C6}"/>
+              </a:ext>
+            </a:extLst>
+          </p:cNvPr>
+          <p:cNvSpPr txBox="1"/>
+          <p:nvPr/>
+        </p:nvSpPr>
+        <p:spPr>
+          <a:xfrm>
+            <a:off x="11101774" y="2108524"/>
+            <a:ext cx="2575540" cy="2308324"/>
+          </a:xfrm>
+          <a:prstGeom prst="rect">
+            <a:avLst/>
+          </a:prstGeom>
+          <a:noFill/>
+        </p:spPr>
+        <p:txBody>
+          <a:bodyPr wrap="square" rtlCol="0">
+            <a:spAutoFit/>
+          </a:bodyPr>
+          <a:lstStyle/>
+          <a:p>
+            <a:r>
+              <a:rPr lang="ko-KR" altLang="en-US"/>
+              <a:t>상품 정보 변경</a:t>
+            </a:r>
+            <a:endParaRPr lang="en-US" altLang="ko-KR"/>
+          </a:p>
+          <a:p>
+            <a:r>
+              <a:rPr lang="en-US" altLang="ko-KR"/>
+              <a:t>PATCH  /products</a:t>
+            </a:r>
+          </a:p>
+          <a:p>
+            <a:r>
+              <a:rPr lang="en-US" altLang="ko-KR"/>
+              <a:t>{</a:t>
+            </a:r>
+          </a:p>
+          <a:p>
+            <a:r>
+              <a:rPr lang="en-US" altLang="ko-KR"/>
+              <a:t>	productid: </a:t>
+            </a:r>
+          </a:p>
+          <a:p>
+            <a:r>
+              <a:rPr lang="en-US" altLang="ko-KR"/>
+              <a:t>	name:</a:t>
+            </a:r>
+          </a:p>
+          <a:p>
+            <a:r>
+              <a:rPr lang="en-US" altLang="ko-KR"/>
+              <a:t>	stockQuantity:</a:t>
+            </a:r>
+          </a:p>
+          <a:p>
+            <a:r>
+              <a:rPr lang="en-US" altLang="ko-KR"/>
+              <a:t>	price:</a:t>
+            </a:r>
+          </a:p>
+          <a:p>
+            <a:r>
+              <a:rPr lang="en-US" altLang="ko-KR"/>
+              <a:t>}</a:t>
+            </a:r>
+            <a:endParaRPr lang="ko-KR" altLang="en-US"/>
+          </a:p>
+        </p:txBody>
+      </p:sp>
+      <p:sp>
+        <p:nvSpPr>
+          <p:cNvPr id="49" name="사각형: 둥근 모서리 48">
+            <a:extLst>
+              <a:ext uri="{FF2B5EF4-FFF2-40B4-BE49-F238E27FC236}">
+                <a16:creationId xmlns:a16="http://schemas.microsoft.com/office/drawing/2014/main" id="{E028850D-B4B0-DBE9-3A6E-1B2A3E445395}"/>
+              </a:ext>
+            </a:extLst>
+          </p:cNvPr>
+          <p:cNvSpPr/>
+          <p:nvPr/>
+        </p:nvSpPr>
+        <p:spPr>
+          <a:xfrm>
+            <a:off x="11199425" y="7755116"/>
+            <a:ext cx="1194099" cy="505609"/>
+          </a:xfrm>
+          <a:prstGeom prst="roundRect">
+            <a:avLst/>
+          </a:prstGeom>
+          <a:solidFill>
+            <a:schemeClr val="bg2">
+              <a:lumMod val="90000"/>
+            </a:schemeClr>
+          </a:solidFill>
+          <a:ln>
+            <a:solidFill>
+              <a:schemeClr val="tx1"/>
+            </a:solidFill>
+          </a:ln>
+        </p:spPr>
+        <p:style>
+          <a:lnRef idx="2">
+            <a:schemeClr val="accent1">
+              <a:shade val="50000"/>
+            </a:schemeClr>
+          </a:lnRef>
+          <a:fillRef idx="1">
+            <a:schemeClr val="accent1"/>
+          </a:fillRef>
+          <a:effectRef idx="0">
+            <a:schemeClr val="accent1"/>
+          </a:effectRef>
+          <a:fontRef idx="minor">
+            <a:schemeClr val="lt1"/>
+          </a:fontRef>
+        </p:style>
+        <p:txBody>
+          <a:bodyPr rtlCol="0" anchor="ctr"/>
+          <a:lstStyle/>
+          <a:p>
+            <a:pPr algn="ctr"/>
+            <a:r>
+              <a:rPr lang="en-US" altLang="ko-KR" b="1">
+                <a:solidFill>
+                  <a:schemeClr val="tx1"/>
+                </a:solidFill>
+              </a:rPr>
+              <a:t>kafka</a:t>
+            </a:r>
+            <a:endParaRPr lang="ko-KR" altLang="en-US" b="1">
+              <a:solidFill>
+                <a:schemeClr val="tx1"/>
+              </a:solidFill>
+            </a:endParaRPr>
+          </a:p>
+        </p:txBody>
+      </p:sp>
+      <p:cxnSp>
+        <p:nvCxnSpPr>
+          <p:cNvPr id="50" name="직선 화살표 연결선 49">
+            <a:extLst>
+              <a:ext uri="{FF2B5EF4-FFF2-40B4-BE49-F238E27FC236}">
+                <a16:creationId xmlns:a16="http://schemas.microsoft.com/office/drawing/2014/main" id="{89193FD0-360E-0179-B7B2-024315ECE16C}"/>
+              </a:ext>
+            </a:extLst>
+          </p:cNvPr>
+          <p:cNvCxnSpPr>
+            <a:cxnSpLocks/>
+            <a:stCxn id="31" idx="2"/>
+            <a:endCxn id="49" idx="0"/>
+          </p:cNvCxnSpPr>
+          <p:nvPr/>
+        </p:nvCxnSpPr>
+        <p:spPr>
+          <a:xfrm>
+            <a:off x="9846391" y="5659978"/>
+            <a:ext cx="1950084" cy="2095138"/>
+          </a:xfrm>
+          <a:prstGeom prst="straightConnector1">
+            <a:avLst/>
+          </a:prstGeom>
+          <a:ln w="25400">
+            <a:solidFill>
+              <a:schemeClr val="tx1"/>
+            </a:solidFill>
+            <a:tailEnd type="triangle"/>
+          </a:ln>
+        </p:spPr>
+        <p:style>
+          <a:lnRef idx="1">
+            <a:schemeClr val="accent1"/>
+          </a:lnRef>
+          <a:fillRef idx="0">
+            <a:schemeClr val="accent1"/>
+          </a:fillRef>
+          <a:effectRef idx="0">
+            <a:schemeClr val="accent1"/>
+          </a:effectRef>
+          <a:fontRef idx="minor">
+            <a:schemeClr val="tx1"/>
+          </a:fontRef>
+        </p:style>
+      </p:cxnSp>
+      <p:sp>
+        <p:nvSpPr>
+          <p:cNvPr id="54" name="TextBox 53">
+            <a:extLst>
+              <a:ext uri="{FF2B5EF4-FFF2-40B4-BE49-F238E27FC236}">
+                <a16:creationId xmlns:a16="http://schemas.microsoft.com/office/drawing/2014/main" id="{15E35973-A629-D6C5-9933-4281ACA4271B}"/>
+              </a:ext>
+            </a:extLst>
+          </p:cNvPr>
+          <p:cNvSpPr txBox="1"/>
+          <p:nvPr/>
+        </p:nvSpPr>
+        <p:spPr>
+          <a:xfrm>
+            <a:off x="11105754" y="5015869"/>
+            <a:ext cx="2575540" cy="2031325"/>
+          </a:xfrm>
+          <a:prstGeom prst="rect">
+            <a:avLst/>
+          </a:prstGeom>
+          <a:noFill/>
+        </p:spPr>
+        <p:txBody>
+          <a:bodyPr wrap="square" rtlCol="0">
+            <a:spAutoFit/>
+          </a:bodyPr>
+          <a:lstStyle/>
+          <a:p>
+            <a:r>
+              <a:rPr lang="en-US" altLang="ko-KR"/>
+              <a:t>push</a:t>
+            </a:r>
+          </a:p>
+          <a:p>
+            <a:r>
+              <a:rPr lang="en-US" altLang="ko-KR"/>
+              <a:t>{</a:t>
+            </a:r>
+          </a:p>
+          <a:p>
+            <a:r>
+              <a:rPr lang="en-US" altLang="ko-KR"/>
+              <a:t>	productid: </a:t>
+            </a:r>
+          </a:p>
+          <a:p>
+            <a:r>
+              <a:rPr lang="en-US" altLang="ko-KR"/>
+              <a:t>	name:</a:t>
+            </a:r>
+          </a:p>
+          <a:p>
+            <a:r>
+              <a:rPr lang="en-US" altLang="ko-KR"/>
+              <a:t>	stockQuantity:</a:t>
+            </a:r>
+          </a:p>
+          <a:p>
+            <a:r>
+              <a:rPr lang="en-US" altLang="ko-KR"/>
+              <a:t>	price:</a:t>
+            </a:r>
+          </a:p>
+          <a:p>
+            <a:r>
+              <a:rPr lang="en-US" altLang="ko-KR"/>
+              <a:t>}</a:t>
+            </a:r>
+            <a:endParaRPr lang="ko-KR" altLang="en-US"/>
+          </a:p>
+        </p:txBody>
+      </p:sp>
+      <p:sp>
+        <p:nvSpPr>
+          <p:cNvPr id="57" name="사각형: 둥근 모서리 56">
+            <a:extLst>
+              <a:ext uri="{FF2B5EF4-FFF2-40B4-BE49-F238E27FC236}">
+                <a16:creationId xmlns:a16="http://schemas.microsoft.com/office/drawing/2014/main" id="{34967A58-E55D-63AE-E119-D99B3149CBF8}"/>
+              </a:ext>
+            </a:extLst>
+          </p:cNvPr>
+          <p:cNvSpPr/>
+          <p:nvPr/>
+        </p:nvSpPr>
+        <p:spPr>
+          <a:xfrm>
+            <a:off x="14198189" y="5216397"/>
+            <a:ext cx="1194099" cy="505609"/>
+          </a:xfrm>
+          <a:prstGeom prst="roundRect">
+            <a:avLst/>
+          </a:prstGeom>
+          <a:solidFill>
+            <a:schemeClr val="accent1">
+              <a:lumMod val="20000"/>
+              <a:lumOff val="80000"/>
+            </a:schemeClr>
+          </a:solidFill>
+          <a:ln>
+            <a:solidFill>
+              <a:schemeClr val="tx1"/>
+            </a:solidFill>
+          </a:ln>
+        </p:spPr>
+        <p:style>
+          <a:lnRef idx="2">
+            <a:schemeClr val="accent1">
+              <a:shade val="50000"/>
+            </a:schemeClr>
+          </a:lnRef>
+          <a:fillRef idx="1">
+            <a:schemeClr val="accent1"/>
+          </a:fillRef>
+          <a:effectRef idx="0">
+            <a:schemeClr val="accent1"/>
+          </a:effectRef>
+          <a:fontRef idx="minor">
+            <a:schemeClr val="lt1"/>
+          </a:fontRef>
+        </p:style>
+        <p:txBody>
+          <a:bodyPr rtlCol="0" anchor="ctr"/>
+          <a:lstStyle/>
+          <a:p>
+            <a:pPr algn="ctr"/>
+            <a:r>
+              <a:rPr lang="en-US" altLang="ko-KR" b="1">
+                <a:solidFill>
+                  <a:schemeClr val="tx1"/>
+                </a:solidFill>
+              </a:rPr>
+              <a:t>Consumer</a:t>
+            </a:r>
+          </a:p>
+        </p:txBody>
+      </p:sp>
+      <p:cxnSp>
+        <p:nvCxnSpPr>
+          <p:cNvPr id="58" name="직선 화살표 연결선 57">
+            <a:extLst>
+              <a:ext uri="{FF2B5EF4-FFF2-40B4-BE49-F238E27FC236}">
+                <a16:creationId xmlns:a16="http://schemas.microsoft.com/office/drawing/2014/main" id="{0F9F3982-A85A-9B24-092E-60E0C34E0D65}"/>
+              </a:ext>
+            </a:extLst>
+          </p:cNvPr>
+          <p:cNvCxnSpPr>
+            <a:cxnSpLocks/>
+            <a:stCxn id="49" idx="0"/>
+            <a:endCxn id="57" idx="2"/>
+          </p:cNvCxnSpPr>
+          <p:nvPr/>
+        </p:nvCxnSpPr>
+        <p:spPr>
+          <a:xfrm flipV="1">
+            <a:off x="11796475" y="5722006"/>
+            <a:ext cx="2998764" cy="2033110"/>
+          </a:xfrm>
+          <a:prstGeom prst="straightConnector1">
+            <a:avLst/>
+          </a:prstGeom>
+          <a:ln w="25400">
+            <a:solidFill>
+              <a:schemeClr val="tx1"/>
+            </a:solidFill>
+            <a:tailEnd type="triangle"/>
+          </a:ln>
+        </p:spPr>
+        <p:style>
+          <a:lnRef idx="1">
+            <a:schemeClr val="accent1"/>
+          </a:lnRef>
+          <a:fillRef idx="0">
+            <a:schemeClr val="accent1"/>
+          </a:fillRef>
+          <a:effectRef idx="0">
+            <a:schemeClr val="accent1"/>
+          </a:effectRef>
+          <a:fontRef idx="minor">
+            <a:schemeClr val="tx1"/>
+          </a:fontRef>
+        </p:style>
+      </p:cxnSp>
+      <p:cxnSp>
+        <p:nvCxnSpPr>
+          <p:cNvPr id="63" name="직선 화살표 연결선 62">
+            <a:extLst>
+              <a:ext uri="{FF2B5EF4-FFF2-40B4-BE49-F238E27FC236}">
+                <a16:creationId xmlns:a16="http://schemas.microsoft.com/office/drawing/2014/main" id="{2E0DA829-936C-8714-AD95-D7B1953C1491}"/>
+              </a:ext>
+            </a:extLst>
+          </p:cNvPr>
+          <p:cNvCxnSpPr>
+            <a:cxnSpLocks/>
+            <a:stCxn id="57" idx="2"/>
+            <a:endCxn id="32" idx="0"/>
+          </p:cNvCxnSpPr>
+          <p:nvPr/>
+        </p:nvCxnSpPr>
+        <p:spPr>
+          <a:xfrm>
+            <a:off x="14795239" y="5722006"/>
+            <a:ext cx="1" cy="2019257"/>
+          </a:xfrm>
+          <a:prstGeom prst="straightConnector1">
+            <a:avLst/>
+          </a:prstGeom>
+          <a:ln w="25400">
+            <a:solidFill>
+              <a:schemeClr val="tx1"/>
+            </a:solidFill>
+            <a:tailEnd type="triangle"/>
+          </a:ln>
+        </p:spPr>
+        <p:style>
+          <a:lnRef idx="1">
+            <a:schemeClr val="accent1"/>
+          </a:lnRef>
+          <a:fillRef idx="0">
+            <a:schemeClr val="accent1"/>
+          </a:fillRef>
+          <a:effectRef idx="0">
+            <a:schemeClr val="accent1"/>
+          </a:effectRef>
+          <a:fontRef idx="minor">
+            <a:schemeClr val="tx1"/>
+          </a:fontRef>
+        </p:style>
+      </p:cxnSp>
+      <p:graphicFrame>
+        <p:nvGraphicFramePr>
+          <p:cNvPr id="66" name="표 4">
+            <a:extLst>
+              <a:ext uri="{FF2B5EF4-FFF2-40B4-BE49-F238E27FC236}">
+                <a16:creationId xmlns:a16="http://schemas.microsoft.com/office/drawing/2014/main" id="{5690A588-C5C4-F1F7-4860-5A26C89921D1}"/>
+              </a:ext>
+            </a:extLst>
+          </p:cNvPr>
+          <p:cNvGraphicFramePr>
+            <a:graphicFrameLocks noGrp="1"/>
+          </p:cNvGraphicFramePr>
+          <p:nvPr>
+            <p:extLst>
+              <p:ext uri="{D42A27DB-BD31-4B8C-83A1-F6EECF244321}">
+                <p14:modId xmlns:p14="http://schemas.microsoft.com/office/powerpoint/2010/main" val="3881497235"/>
+              </p:ext>
+            </p:extLst>
+          </p:nvPr>
+        </p:nvGraphicFramePr>
+        <p:xfrm>
+          <a:off x="1116108" y="9566312"/>
+          <a:ext cx="7576788" cy="3643122"/>
+        </p:xfrm>
+        <a:graphic>
+          <a:graphicData uri="http://schemas.openxmlformats.org/drawingml/2006/table">
+            <a:tbl>
+              <a:tblPr firstRow="1" bandRow="1">
+                <a:tableStyleId>{5C22544A-7EE6-4342-B048-85BDC9FD1C3A}</a:tableStyleId>
+              </a:tblPr>
+              <a:tblGrid>
+                <a:gridCol w="3788394">
+                  <a:extLst>
+                    <a:ext uri="{9D8B030D-6E8A-4147-A177-3AD203B41FA5}">
+                      <a16:colId xmlns:a16="http://schemas.microsoft.com/office/drawing/2014/main" val="2975682279"/>
+                    </a:ext>
+                  </a:extLst>
+                </a:gridCol>
+                <a:gridCol w="3788394">
+                  <a:extLst>
+                    <a:ext uri="{9D8B030D-6E8A-4147-A177-3AD203B41FA5}">
+                      <a16:colId xmlns:a16="http://schemas.microsoft.com/office/drawing/2014/main" val="3002037611"/>
+                    </a:ext>
+                  </a:extLst>
+                </a:gridCol>
+              </a:tblGrid>
+              <a:tr h="370840">
+                <a:tc>
+                  <a:txBody>
+                    <a:bodyPr/>
+                    <a:lstStyle/>
+                    <a:p>
+                      <a:pPr latinLnBrk="1"/>
+                      <a:r>
+                        <a:rPr lang="en-US" altLang="ko-KR"/>
+                        <a:t>“userId”</a:t>
+                      </a:r>
+                      <a:endParaRPr lang="ko-KR" altLang="en-US"/>
+                    </a:p>
+                  </a:txBody>
+                  <a:tcPr/>
+                </a:tc>
+                <a:tc>
+                  <a:txBody>
+                    <a:bodyPr/>
+                    <a:lstStyle/>
+                    <a:p>
+                      <a:pPr latinLnBrk="1"/>
+                      <a:r>
+                        <a:rPr lang="en-US" altLang="ko-KR"/>
+                        <a:t>“{</a:t>
+                      </a:r>
+                    </a:p>
+                    <a:p>
+                      <a:pPr latinLnBrk="1"/>
+                      <a:r>
+                        <a:rPr lang="en-US" altLang="ko-KR"/>
+                        <a:t>[productid: , quantity:],</a:t>
+                      </a:r>
+                    </a:p>
+                    <a:p>
+                      <a:pPr latinLnBrk="1"/>
+                      <a:r>
+                        <a:rPr lang="en-US" altLang="ko-KR"/>
+                        <a:t>…</a:t>
+                      </a:r>
+                    </a:p>
+                    <a:p>
+                      <a:pPr latinLnBrk="1"/>
+                      <a:r>
+                        <a:rPr lang="en-US" altLang="ko-KR"/>
+                        <a:t>}”</a:t>
+                      </a:r>
+                      <a:endParaRPr lang="ko-KR" altLang="en-US"/>
+                    </a:p>
+                  </a:txBody>
+                  <a:tcPr/>
+                </a:tc>
+                <a:extLst>
+                  <a:ext uri="{0D108BD9-81ED-4DB2-BD59-A6C34878D82A}">
+                    <a16:rowId xmlns:a16="http://schemas.microsoft.com/office/drawing/2014/main" val="1185390126"/>
+                  </a:ext>
+                </a:extLst>
+              </a:tr>
+              <a:tr h="370840">
+                <a:tc>
+                  <a:txBody>
+                    <a:bodyPr/>
+                    <a:lstStyle/>
+                    <a:p>
+                      <a:pPr latinLnBrk="1"/>
+                      <a:endParaRPr lang="ko-KR" altLang="en-US"/>
+                    </a:p>
+                  </a:txBody>
+                  <a:tcPr/>
+                </a:tc>
+                <a:tc>
+                  <a:txBody>
+                    <a:bodyPr/>
+                    <a:lstStyle/>
+                    <a:p>
+                      <a:pPr latinLnBrk="1"/>
+                      <a:endParaRPr lang="ko-KR" altLang="en-US"/>
+                    </a:p>
+                  </a:txBody>
+                  <a:tcPr/>
+                </a:tc>
+                <a:extLst>
+                  <a:ext uri="{0D108BD9-81ED-4DB2-BD59-A6C34878D82A}">
+                    <a16:rowId xmlns:a16="http://schemas.microsoft.com/office/drawing/2014/main" val="3302593877"/>
+                  </a:ext>
+                </a:extLst>
+              </a:tr>
+            </a:tbl>
+          </a:graphicData>
+        </a:graphic>
+      </p:graphicFrame>
+      <p:graphicFrame>
+        <p:nvGraphicFramePr>
+          <p:cNvPr id="67" name="표 66">
+            <a:extLst>
+              <a:ext uri="{FF2B5EF4-FFF2-40B4-BE49-F238E27FC236}">
+                <a16:creationId xmlns:a16="http://schemas.microsoft.com/office/drawing/2014/main" id="{3ECD411D-9BFD-C3BC-F3FA-079BC0D997E6}"/>
+              </a:ext>
+            </a:extLst>
+          </p:cNvPr>
+          <p:cNvGraphicFramePr>
+            <a:graphicFrameLocks noGrp="1"/>
+          </p:cNvGraphicFramePr>
+          <p:nvPr>
+            <p:extLst>
+              <p:ext uri="{D42A27DB-BD31-4B8C-83A1-F6EECF244321}">
+                <p14:modId xmlns:p14="http://schemas.microsoft.com/office/powerpoint/2010/main" val="658903053"/>
+              </p:ext>
+            </p:extLst>
+          </p:nvPr>
+        </p:nvGraphicFramePr>
+        <p:xfrm>
+          <a:off x="9059196" y="9566312"/>
+          <a:ext cx="7576788" cy="3643122"/>
+        </p:xfrm>
+        <a:graphic>
+          <a:graphicData uri="http://schemas.openxmlformats.org/drawingml/2006/table">
+            <a:tbl>
+              <a:tblPr firstRow="1" bandRow="1">
+                <a:tableStyleId>{5C22544A-7EE6-4342-B048-85BDC9FD1C3A}</a:tableStyleId>
+              </a:tblPr>
+              <a:tblGrid>
+                <a:gridCol w="3788394">
+                  <a:extLst>
+                    <a:ext uri="{9D8B030D-6E8A-4147-A177-3AD203B41FA5}">
+                      <a16:colId xmlns:a16="http://schemas.microsoft.com/office/drawing/2014/main" val="2975682279"/>
+                    </a:ext>
+                  </a:extLst>
+                </a:gridCol>
+                <a:gridCol w="3788394">
+                  <a:extLst>
+                    <a:ext uri="{9D8B030D-6E8A-4147-A177-3AD203B41FA5}">
+                      <a16:colId xmlns:a16="http://schemas.microsoft.com/office/drawing/2014/main" val="3002037611"/>
+                    </a:ext>
+                  </a:extLst>
+                </a:gridCol>
+              </a:tblGrid>
+              <a:tr h="370840">
+                <a:tc>
+                  <a:txBody>
+                    <a:bodyPr/>
+                    <a:lstStyle/>
+                    <a:p>
+                      <a:pPr latinLnBrk="1"/>
+                      <a:r>
+                        <a:rPr lang="en-US" altLang="ko-KR"/>
+                        <a:t>“productId”</a:t>
+                      </a:r>
+                      <a:endParaRPr lang="ko-KR" altLang="en-US"/>
+                    </a:p>
+                  </a:txBody>
+                  <a:tcPr/>
+                </a:tc>
+                <a:tc>
+                  <a:txBody>
+                    <a:bodyPr/>
+                    <a:lstStyle/>
+                    <a:p>
+                      <a:pPr latinLnBrk="1"/>
+                      <a:r>
+                        <a:rPr lang="en-US" altLang="ko-KR"/>
+                        <a:t>“{</a:t>
+                      </a:r>
+                    </a:p>
+                    <a:p>
+                      <a:pPr latinLnBrk="1"/>
+                      <a:r>
+                        <a:rPr lang="en-US" altLang="ko-KR"/>
+                        <a:t>name: , </a:t>
+                      </a:r>
+                    </a:p>
+                    <a:p>
+                      <a:pPr latinLnBrk="1"/>
+                      <a:r>
+                        <a:rPr lang="en-US" altLang="ko-KR"/>
+                        <a:t>price:,</a:t>
+                      </a:r>
+                    </a:p>
+                    <a:p>
+                      <a:pPr latinLnBrk="1"/>
+                      <a:r>
+                        <a:rPr lang="en-US" altLang="ko-KR"/>
+                        <a:t>stockQuantity:</a:t>
+                      </a:r>
+                    </a:p>
+                    <a:p>
+                      <a:pPr latinLnBrk="1"/>
+                      <a:r>
+                        <a:rPr lang="en-US" altLang="ko-KR"/>
+                        <a:t>}”</a:t>
+                      </a:r>
+                      <a:endParaRPr lang="ko-KR" altLang="en-US"/>
+                    </a:p>
+                  </a:txBody>
+                  <a:tcPr/>
+                </a:tc>
+                <a:extLst>
+                  <a:ext uri="{0D108BD9-81ED-4DB2-BD59-A6C34878D82A}">
+                    <a16:rowId xmlns:a16="http://schemas.microsoft.com/office/drawing/2014/main" val="1185390126"/>
+                  </a:ext>
+                </a:extLst>
+              </a:tr>
+              <a:tr h="370840">
+                <a:tc>
+                  <a:txBody>
+                    <a:bodyPr/>
+                    <a:lstStyle/>
+                    <a:p>
+                      <a:pPr latinLnBrk="1"/>
+                      <a:endParaRPr lang="ko-KR" altLang="en-US"/>
+                    </a:p>
+                  </a:txBody>
+                  <a:tcPr/>
+                </a:tc>
+                <a:tc>
+                  <a:txBody>
+                    <a:bodyPr/>
+                    <a:lstStyle/>
+                    <a:p>
+                      <a:pPr latinLnBrk="1"/>
+                      <a:endParaRPr lang="ko-KR" altLang="en-US"/>
+                    </a:p>
+                  </a:txBody>
+                  <a:tcPr/>
+                </a:tc>
+                <a:extLst>
+                  <a:ext uri="{0D108BD9-81ED-4DB2-BD59-A6C34878D82A}">
+                    <a16:rowId xmlns:a16="http://schemas.microsoft.com/office/drawing/2014/main" val="3302593877"/>
+                  </a:ext>
+                </a:extLst>
+              </a:tr>
+            </a:tbl>
+          </a:graphicData>
+        </a:graphic>
+      </p:graphicFrame>
+    </p:spTree>
+    <p:extLst>
+      <p:ext uri="{BB962C8B-B14F-4D97-AF65-F5344CB8AC3E}">
+        <p14:creationId xmlns:p14="http://schemas.microsoft.com/office/powerpoint/2010/main" val="1017335754"/>
+      </p:ext>
+    </p:extLst>
+  </p:cSld>
+  <p:clrMapOvr>
+    <a:masterClrMapping/>
+  </p:clrMapOvr>
+</p:sld>
+</file>
+
+<file path=ppt/slides/slide12.xml><?xml version="1.0" encoding="utf-8"?>
+<p:sld xmlns:a="http://schemas.openxmlformats.org/drawingml/2006/main" xmlns:r="http://schemas.openxmlformats.org/officeDocument/2006/relationships" xmlns:p="http://schemas.openxmlformats.org/presentationml/2006/main">
+  <p:cSld>
+    <p:spTree>
+      <p:nvGrpSpPr>
+        <p:cNvPr id="1" name=""/>
+        <p:cNvGrpSpPr/>
+        <p:nvPr/>
+      </p:nvGrpSpPr>
+      <p:grpSpPr>
+        <a:xfrm>
+          <a:off x="0" y="0"/>
+          <a:ext cx="0" cy="0"/>
+          <a:chOff x="0" y="0"/>
+          <a:chExt cx="0" cy="0"/>
+        </a:xfrm>
+      </p:grpSpPr>
+    </p:spTree>
+    <p:extLst>
+      <p:ext uri="{BB962C8B-B14F-4D97-AF65-F5344CB8AC3E}">
+        <p14:creationId xmlns:p14="http://schemas.microsoft.com/office/powerpoint/2010/main" val="429607802"/>
       </p:ext>
     </p:extLst>
   </p:cSld>
